--- a/工作日報_葉柏漢/2021.08/2021.08.10(加班)~2021.08.11工作日報_葉柏漢.pptx
+++ b/工作日報_葉柏漢/2021.08/2021.08.10(加班)~2021.08.11工作日報_葉柏漢.pptx
@@ -6,14 +6,20 @@
     <p:sldMasterId id="2147483660" r:id="rId2"/>
   </p:sldMasterIdLst>
   <p:notesMasterIdLst>
-    <p:notesMasterId r:id="rId8"/>
+    <p:notesMasterId r:id="rId14"/>
   </p:notesMasterIdLst>
   <p:sldIdLst>
     <p:sldId id="256" r:id="rId3"/>
     <p:sldId id="260" r:id="rId4"/>
-    <p:sldId id="261" r:id="rId5"/>
-    <p:sldId id="282" r:id="rId6"/>
-    <p:sldId id="280" r:id="rId7"/>
+    <p:sldId id="288" r:id="rId5"/>
+    <p:sldId id="283" r:id="rId6"/>
+    <p:sldId id="284" r:id="rId7"/>
+    <p:sldId id="285" r:id="rId8"/>
+    <p:sldId id="286" r:id="rId9"/>
+    <p:sldId id="287" r:id="rId10"/>
+    <p:sldId id="290" r:id="rId11"/>
+    <p:sldId id="282" r:id="rId12"/>
+    <p:sldId id="280" r:id="rId13"/>
   </p:sldIdLst>
   <p:sldSz cx="12192000" cy="6858000"/>
   <p:notesSz cx="6858000" cy="9144000"/>
@@ -114,7 +120,7 @@
   </p:defaultTextStyle>
   <p:extLst>
     <p:ext uri="{EFAFB233-063F-42B5-8137-9DF3F51BA10A}">
-      <p15:sldGuideLst xmlns:p15="http://schemas.microsoft.com/office/powerpoint/2012/main" xmlns="">
+      <p15:sldGuideLst xmlns="" xmlns:p15="http://schemas.microsoft.com/office/powerpoint/2012/main">
         <p15:guide id="1" orient="horz" pos="2160" userDrawn="1">
           <p15:clr>
             <a:srgbClr val="A4A3A4"/>
@@ -213,7 +219,7 @@
           <a:p>
             <a:fld id="{5F45278C-940B-4C39-9CBC-669F45D4F0E2}" type="datetimeFigureOut">
               <a:rPr lang="zh-CN" altLang="en-US" smtClean="0"/>
-              <a:t>2021/8/10</a:t>
+              <a:t>2021/8/11</a:t>
             </a:fld>
             <a:endParaRPr lang="zh-CN" altLang="en-US"/>
           </a:p>
@@ -565,6 +571,510 @@
 </p:notes>
 </file>
 
+<file path=ppt/notesSlides/notesSlide2.xml><?xml version="1.0" encoding="utf-8"?>
+<p:notes xmlns:a="http://schemas.openxmlformats.org/drawingml/2006/main" xmlns:r="http://schemas.openxmlformats.org/officeDocument/2006/relationships" xmlns:p="http://schemas.openxmlformats.org/presentationml/2006/main">
+  <p:cSld>
+    <p:spTree>
+      <p:nvGrpSpPr>
+        <p:cNvPr id="1" name=""/>
+        <p:cNvGrpSpPr/>
+        <p:nvPr/>
+      </p:nvGrpSpPr>
+      <p:grpSpPr>
+        <a:xfrm>
+          <a:off x="0" y="0"/>
+          <a:ext cx="0" cy="0"/>
+          <a:chOff x="0" y="0"/>
+          <a:chExt cx="0" cy="0"/>
+        </a:xfrm>
+      </p:grpSpPr>
+      <p:sp>
+        <p:nvSpPr>
+          <p:cNvPr id="2" name="投影片圖像版面配置區 1"/>
+          <p:cNvSpPr>
+            <a:spLocks noGrp="1" noRot="1" noChangeAspect="1"/>
+          </p:cNvSpPr>
+          <p:nvPr>
+            <p:ph type="sldImg"/>
+          </p:nvPr>
+        </p:nvSpPr>
+        <p:spPr/>
+      </p:sp>
+      <p:sp>
+        <p:nvSpPr>
+          <p:cNvPr id="3" name="備忘稿版面配置區 2"/>
+          <p:cNvSpPr>
+            <a:spLocks noGrp="1"/>
+          </p:cNvSpPr>
+          <p:nvPr>
+            <p:ph type="body" idx="1"/>
+          </p:nvPr>
+        </p:nvSpPr>
+        <p:spPr/>
+        <p:txBody>
+          <a:bodyPr/>
+          <a:lstStyle/>
+          <a:p>
+            <a:endParaRPr lang="zh-TW" altLang="en-US" dirty="0"/>
+          </a:p>
+        </p:txBody>
+      </p:sp>
+      <p:sp>
+        <p:nvSpPr>
+          <p:cNvPr id="4" name="投影片編號版面配置區 3"/>
+          <p:cNvSpPr>
+            <a:spLocks noGrp="1"/>
+          </p:cNvSpPr>
+          <p:nvPr>
+            <p:ph type="sldNum" sz="quarter" idx="10"/>
+          </p:nvPr>
+        </p:nvSpPr>
+        <p:spPr/>
+        <p:txBody>
+          <a:bodyPr/>
+          <a:lstStyle/>
+          <a:p>
+            <a:fld id="{4D710183-7E5D-4282-9F1A-D4A1D08A6C67}" type="slidenum">
+              <a:rPr lang="zh-CN" altLang="en-US" smtClean="0"/>
+              <a:t>4</a:t>
+            </a:fld>
+            <a:endParaRPr lang="zh-CN" altLang="en-US"/>
+          </a:p>
+        </p:txBody>
+      </p:sp>
+    </p:spTree>
+    <p:extLst>
+      <p:ext uri="{BB962C8B-B14F-4D97-AF65-F5344CB8AC3E}">
+        <p14:creationId xmlns:p14="http://schemas.microsoft.com/office/powerpoint/2010/main" val="1992545549"/>
+      </p:ext>
+    </p:extLst>
+  </p:cSld>
+  <p:clrMapOvr>
+    <a:masterClrMapping/>
+  </p:clrMapOvr>
+</p:notes>
+</file>
+
+<file path=ppt/notesSlides/notesSlide3.xml><?xml version="1.0" encoding="utf-8"?>
+<p:notes xmlns:a="http://schemas.openxmlformats.org/drawingml/2006/main" xmlns:r="http://schemas.openxmlformats.org/officeDocument/2006/relationships" xmlns:p="http://schemas.openxmlformats.org/presentationml/2006/main">
+  <p:cSld>
+    <p:spTree>
+      <p:nvGrpSpPr>
+        <p:cNvPr id="1" name=""/>
+        <p:cNvGrpSpPr/>
+        <p:nvPr/>
+      </p:nvGrpSpPr>
+      <p:grpSpPr>
+        <a:xfrm>
+          <a:off x="0" y="0"/>
+          <a:ext cx="0" cy="0"/>
+          <a:chOff x="0" y="0"/>
+          <a:chExt cx="0" cy="0"/>
+        </a:xfrm>
+      </p:grpSpPr>
+      <p:sp>
+        <p:nvSpPr>
+          <p:cNvPr id="2" name="投影片圖像版面配置區 1"/>
+          <p:cNvSpPr>
+            <a:spLocks noGrp="1" noRot="1" noChangeAspect="1"/>
+          </p:cNvSpPr>
+          <p:nvPr>
+            <p:ph type="sldImg"/>
+          </p:nvPr>
+        </p:nvSpPr>
+        <p:spPr/>
+      </p:sp>
+      <p:sp>
+        <p:nvSpPr>
+          <p:cNvPr id="3" name="備忘稿版面配置區 2"/>
+          <p:cNvSpPr>
+            <a:spLocks noGrp="1"/>
+          </p:cNvSpPr>
+          <p:nvPr>
+            <p:ph type="body" idx="1"/>
+          </p:nvPr>
+        </p:nvSpPr>
+        <p:spPr/>
+        <p:txBody>
+          <a:bodyPr/>
+          <a:lstStyle/>
+          <a:p>
+            <a:endParaRPr lang="zh-TW" altLang="en-US" dirty="0"/>
+          </a:p>
+        </p:txBody>
+      </p:sp>
+      <p:sp>
+        <p:nvSpPr>
+          <p:cNvPr id="4" name="投影片編號版面配置區 3"/>
+          <p:cNvSpPr>
+            <a:spLocks noGrp="1"/>
+          </p:cNvSpPr>
+          <p:nvPr>
+            <p:ph type="sldNum" sz="quarter" idx="10"/>
+          </p:nvPr>
+        </p:nvSpPr>
+        <p:spPr/>
+        <p:txBody>
+          <a:bodyPr/>
+          <a:lstStyle/>
+          <a:p>
+            <a:fld id="{4D710183-7E5D-4282-9F1A-D4A1D08A6C67}" type="slidenum">
+              <a:rPr lang="zh-CN" altLang="en-US" smtClean="0"/>
+              <a:t>5</a:t>
+            </a:fld>
+            <a:endParaRPr lang="zh-CN" altLang="en-US"/>
+          </a:p>
+        </p:txBody>
+      </p:sp>
+    </p:spTree>
+    <p:extLst>
+      <p:ext uri="{BB962C8B-B14F-4D97-AF65-F5344CB8AC3E}">
+        <p14:creationId xmlns:p14="http://schemas.microsoft.com/office/powerpoint/2010/main" val="1992545549"/>
+      </p:ext>
+    </p:extLst>
+  </p:cSld>
+  <p:clrMapOvr>
+    <a:masterClrMapping/>
+  </p:clrMapOvr>
+</p:notes>
+</file>
+
+<file path=ppt/notesSlides/notesSlide4.xml><?xml version="1.0" encoding="utf-8"?>
+<p:notes xmlns:a="http://schemas.openxmlformats.org/drawingml/2006/main" xmlns:r="http://schemas.openxmlformats.org/officeDocument/2006/relationships" xmlns:p="http://schemas.openxmlformats.org/presentationml/2006/main">
+  <p:cSld>
+    <p:spTree>
+      <p:nvGrpSpPr>
+        <p:cNvPr id="1" name=""/>
+        <p:cNvGrpSpPr/>
+        <p:nvPr/>
+      </p:nvGrpSpPr>
+      <p:grpSpPr>
+        <a:xfrm>
+          <a:off x="0" y="0"/>
+          <a:ext cx="0" cy="0"/>
+          <a:chOff x="0" y="0"/>
+          <a:chExt cx="0" cy="0"/>
+        </a:xfrm>
+      </p:grpSpPr>
+      <p:sp>
+        <p:nvSpPr>
+          <p:cNvPr id="2" name="投影片圖像版面配置區 1"/>
+          <p:cNvSpPr>
+            <a:spLocks noGrp="1" noRot="1" noChangeAspect="1"/>
+          </p:cNvSpPr>
+          <p:nvPr>
+            <p:ph type="sldImg"/>
+          </p:nvPr>
+        </p:nvSpPr>
+        <p:spPr/>
+      </p:sp>
+      <p:sp>
+        <p:nvSpPr>
+          <p:cNvPr id="3" name="備忘稿版面配置區 2"/>
+          <p:cNvSpPr>
+            <a:spLocks noGrp="1"/>
+          </p:cNvSpPr>
+          <p:nvPr>
+            <p:ph type="body" idx="1"/>
+          </p:nvPr>
+        </p:nvSpPr>
+        <p:spPr/>
+        <p:txBody>
+          <a:bodyPr/>
+          <a:lstStyle/>
+          <a:p>
+            <a:endParaRPr lang="zh-TW" altLang="en-US" dirty="0"/>
+          </a:p>
+        </p:txBody>
+      </p:sp>
+      <p:sp>
+        <p:nvSpPr>
+          <p:cNvPr id="4" name="投影片編號版面配置區 3"/>
+          <p:cNvSpPr>
+            <a:spLocks noGrp="1"/>
+          </p:cNvSpPr>
+          <p:nvPr>
+            <p:ph type="sldNum" sz="quarter" idx="10"/>
+          </p:nvPr>
+        </p:nvSpPr>
+        <p:spPr/>
+        <p:txBody>
+          <a:bodyPr/>
+          <a:lstStyle/>
+          <a:p>
+            <a:fld id="{4D710183-7E5D-4282-9F1A-D4A1D08A6C67}" type="slidenum">
+              <a:rPr lang="zh-CN" altLang="en-US" smtClean="0"/>
+              <a:t>6</a:t>
+            </a:fld>
+            <a:endParaRPr lang="zh-CN" altLang="en-US"/>
+          </a:p>
+        </p:txBody>
+      </p:sp>
+    </p:spTree>
+    <p:extLst>
+      <p:ext uri="{BB962C8B-B14F-4D97-AF65-F5344CB8AC3E}">
+        <p14:creationId xmlns:p14="http://schemas.microsoft.com/office/powerpoint/2010/main" val="1992545549"/>
+      </p:ext>
+    </p:extLst>
+  </p:cSld>
+  <p:clrMapOvr>
+    <a:masterClrMapping/>
+  </p:clrMapOvr>
+</p:notes>
+</file>
+
+<file path=ppt/notesSlides/notesSlide5.xml><?xml version="1.0" encoding="utf-8"?>
+<p:notes xmlns:a="http://schemas.openxmlformats.org/drawingml/2006/main" xmlns:r="http://schemas.openxmlformats.org/officeDocument/2006/relationships" xmlns:p="http://schemas.openxmlformats.org/presentationml/2006/main">
+  <p:cSld>
+    <p:spTree>
+      <p:nvGrpSpPr>
+        <p:cNvPr id="1" name=""/>
+        <p:cNvGrpSpPr/>
+        <p:nvPr/>
+      </p:nvGrpSpPr>
+      <p:grpSpPr>
+        <a:xfrm>
+          <a:off x="0" y="0"/>
+          <a:ext cx="0" cy="0"/>
+          <a:chOff x="0" y="0"/>
+          <a:chExt cx="0" cy="0"/>
+        </a:xfrm>
+      </p:grpSpPr>
+      <p:sp>
+        <p:nvSpPr>
+          <p:cNvPr id="2" name="投影片圖像版面配置區 1"/>
+          <p:cNvSpPr>
+            <a:spLocks noGrp="1" noRot="1" noChangeAspect="1"/>
+          </p:cNvSpPr>
+          <p:nvPr>
+            <p:ph type="sldImg"/>
+          </p:nvPr>
+        </p:nvSpPr>
+        <p:spPr/>
+      </p:sp>
+      <p:sp>
+        <p:nvSpPr>
+          <p:cNvPr id="3" name="備忘稿版面配置區 2"/>
+          <p:cNvSpPr>
+            <a:spLocks noGrp="1"/>
+          </p:cNvSpPr>
+          <p:nvPr>
+            <p:ph type="body" idx="1"/>
+          </p:nvPr>
+        </p:nvSpPr>
+        <p:spPr/>
+        <p:txBody>
+          <a:bodyPr/>
+          <a:lstStyle/>
+          <a:p>
+            <a:endParaRPr lang="zh-TW" altLang="en-US" dirty="0"/>
+          </a:p>
+        </p:txBody>
+      </p:sp>
+      <p:sp>
+        <p:nvSpPr>
+          <p:cNvPr id="4" name="投影片編號版面配置區 3"/>
+          <p:cNvSpPr>
+            <a:spLocks noGrp="1"/>
+          </p:cNvSpPr>
+          <p:nvPr>
+            <p:ph type="sldNum" sz="quarter" idx="10"/>
+          </p:nvPr>
+        </p:nvSpPr>
+        <p:spPr/>
+        <p:txBody>
+          <a:bodyPr/>
+          <a:lstStyle/>
+          <a:p>
+            <a:fld id="{4D710183-7E5D-4282-9F1A-D4A1D08A6C67}" type="slidenum">
+              <a:rPr lang="zh-CN" altLang="en-US" smtClean="0"/>
+              <a:t>7</a:t>
+            </a:fld>
+            <a:endParaRPr lang="zh-CN" altLang="en-US"/>
+          </a:p>
+        </p:txBody>
+      </p:sp>
+    </p:spTree>
+    <p:extLst>
+      <p:ext uri="{BB962C8B-B14F-4D97-AF65-F5344CB8AC3E}">
+        <p14:creationId xmlns:p14="http://schemas.microsoft.com/office/powerpoint/2010/main" val="1992545549"/>
+      </p:ext>
+    </p:extLst>
+  </p:cSld>
+  <p:clrMapOvr>
+    <a:masterClrMapping/>
+  </p:clrMapOvr>
+</p:notes>
+</file>
+
+<file path=ppt/notesSlides/notesSlide6.xml><?xml version="1.0" encoding="utf-8"?>
+<p:notes xmlns:a="http://schemas.openxmlformats.org/drawingml/2006/main" xmlns:r="http://schemas.openxmlformats.org/officeDocument/2006/relationships" xmlns:p="http://schemas.openxmlformats.org/presentationml/2006/main">
+  <p:cSld>
+    <p:spTree>
+      <p:nvGrpSpPr>
+        <p:cNvPr id="1" name=""/>
+        <p:cNvGrpSpPr/>
+        <p:nvPr/>
+      </p:nvGrpSpPr>
+      <p:grpSpPr>
+        <a:xfrm>
+          <a:off x="0" y="0"/>
+          <a:ext cx="0" cy="0"/>
+          <a:chOff x="0" y="0"/>
+          <a:chExt cx="0" cy="0"/>
+        </a:xfrm>
+      </p:grpSpPr>
+      <p:sp>
+        <p:nvSpPr>
+          <p:cNvPr id="2" name="投影片圖像版面配置區 1"/>
+          <p:cNvSpPr>
+            <a:spLocks noGrp="1" noRot="1" noChangeAspect="1"/>
+          </p:cNvSpPr>
+          <p:nvPr>
+            <p:ph type="sldImg"/>
+          </p:nvPr>
+        </p:nvSpPr>
+        <p:spPr/>
+      </p:sp>
+      <p:sp>
+        <p:nvSpPr>
+          <p:cNvPr id="3" name="備忘稿版面配置區 2"/>
+          <p:cNvSpPr>
+            <a:spLocks noGrp="1"/>
+          </p:cNvSpPr>
+          <p:nvPr>
+            <p:ph type="body" idx="1"/>
+          </p:nvPr>
+        </p:nvSpPr>
+        <p:spPr/>
+        <p:txBody>
+          <a:bodyPr/>
+          <a:lstStyle/>
+          <a:p>
+            <a:endParaRPr lang="zh-TW" altLang="en-US" dirty="0"/>
+          </a:p>
+        </p:txBody>
+      </p:sp>
+      <p:sp>
+        <p:nvSpPr>
+          <p:cNvPr id="4" name="投影片編號版面配置區 3"/>
+          <p:cNvSpPr>
+            <a:spLocks noGrp="1"/>
+          </p:cNvSpPr>
+          <p:nvPr>
+            <p:ph type="sldNum" sz="quarter" idx="10"/>
+          </p:nvPr>
+        </p:nvSpPr>
+        <p:spPr/>
+        <p:txBody>
+          <a:bodyPr/>
+          <a:lstStyle/>
+          <a:p>
+            <a:fld id="{4D710183-7E5D-4282-9F1A-D4A1D08A6C67}" type="slidenum">
+              <a:rPr lang="zh-CN" altLang="en-US" smtClean="0"/>
+              <a:t>8</a:t>
+            </a:fld>
+            <a:endParaRPr lang="zh-CN" altLang="en-US"/>
+          </a:p>
+        </p:txBody>
+      </p:sp>
+    </p:spTree>
+    <p:extLst>
+      <p:ext uri="{BB962C8B-B14F-4D97-AF65-F5344CB8AC3E}">
+        <p14:creationId xmlns:p14="http://schemas.microsoft.com/office/powerpoint/2010/main" val="1992545549"/>
+      </p:ext>
+    </p:extLst>
+  </p:cSld>
+  <p:clrMapOvr>
+    <a:masterClrMapping/>
+  </p:clrMapOvr>
+</p:notes>
+</file>
+
+<file path=ppt/notesSlides/notesSlide7.xml><?xml version="1.0" encoding="utf-8"?>
+<p:notes xmlns:a="http://schemas.openxmlformats.org/drawingml/2006/main" xmlns:r="http://schemas.openxmlformats.org/officeDocument/2006/relationships" xmlns:p="http://schemas.openxmlformats.org/presentationml/2006/main">
+  <p:cSld>
+    <p:spTree>
+      <p:nvGrpSpPr>
+        <p:cNvPr id="1" name=""/>
+        <p:cNvGrpSpPr/>
+        <p:nvPr/>
+      </p:nvGrpSpPr>
+      <p:grpSpPr>
+        <a:xfrm>
+          <a:off x="0" y="0"/>
+          <a:ext cx="0" cy="0"/>
+          <a:chOff x="0" y="0"/>
+          <a:chExt cx="0" cy="0"/>
+        </a:xfrm>
+      </p:grpSpPr>
+      <p:sp>
+        <p:nvSpPr>
+          <p:cNvPr id="2" name="投影片圖像版面配置區 1"/>
+          <p:cNvSpPr>
+            <a:spLocks noGrp="1" noRot="1" noChangeAspect="1"/>
+          </p:cNvSpPr>
+          <p:nvPr>
+            <p:ph type="sldImg"/>
+          </p:nvPr>
+        </p:nvSpPr>
+        <p:spPr/>
+      </p:sp>
+      <p:sp>
+        <p:nvSpPr>
+          <p:cNvPr id="3" name="備忘稿版面配置區 2"/>
+          <p:cNvSpPr>
+            <a:spLocks noGrp="1"/>
+          </p:cNvSpPr>
+          <p:nvPr>
+            <p:ph type="body" idx="1"/>
+          </p:nvPr>
+        </p:nvSpPr>
+        <p:spPr/>
+        <p:txBody>
+          <a:bodyPr/>
+          <a:lstStyle/>
+          <a:p>
+            <a:endParaRPr lang="zh-TW" altLang="en-US" dirty="0"/>
+          </a:p>
+        </p:txBody>
+      </p:sp>
+      <p:sp>
+        <p:nvSpPr>
+          <p:cNvPr id="4" name="投影片編號版面配置區 3"/>
+          <p:cNvSpPr>
+            <a:spLocks noGrp="1"/>
+          </p:cNvSpPr>
+          <p:nvPr>
+            <p:ph type="sldNum" sz="quarter" idx="10"/>
+          </p:nvPr>
+        </p:nvSpPr>
+        <p:spPr/>
+        <p:txBody>
+          <a:bodyPr/>
+          <a:lstStyle/>
+          <a:p>
+            <a:fld id="{4D710183-7E5D-4282-9F1A-D4A1D08A6C67}" type="slidenum">
+              <a:rPr lang="zh-CN" altLang="en-US" smtClean="0"/>
+              <a:t>9</a:t>
+            </a:fld>
+            <a:endParaRPr lang="zh-CN" altLang="en-US"/>
+          </a:p>
+        </p:txBody>
+      </p:sp>
+    </p:spTree>
+    <p:extLst>
+      <p:ext uri="{BB962C8B-B14F-4D97-AF65-F5344CB8AC3E}">
+        <p14:creationId xmlns:p14="http://schemas.microsoft.com/office/powerpoint/2010/main" val="1992545549"/>
+      </p:ext>
+    </p:extLst>
+  </p:cSld>
+  <p:clrMapOvr>
+    <a:masterClrMapping/>
+  </p:clrMapOvr>
+</p:notes>
+</file>
+
 <file path=ppt/slideLayouts/slideLayout1.xml><?xml version="1.0" encoding="utf-8"?>
 <p:sldLayout xmlns:a="http://schemas.openxmlformats.org/drawingml/2006/main" xmlns:r="http://schemas.openxmlformats.org/officeDocument/2006/relationships" xmlns:p="http://schemas.openxmlformats.org/presentationml/2006/main" type="title" preserve="1">
   <p:cSld name="标题幻灯片">
@@ -694,7 +1204,7 @@
           <a:p>
             <a:fld id="{D997B5FA-0921-464F-AAE1-844C04324D75}" type="datetimeFigureOut">
               <a:rPr lang="zh-CN" altLang="en-US" smtClean="0"/>
-              <a:t>2021/8/10</a:t>
+              <a:t>2021/8/11</a:t>
             </a:fld>
             <a:endParaRPr lang="zh-CN" altLang="en-US"/>
           </a:p>
@@ -874,7 +1384,7 @@
           <a:p>
             <a:fld id="{D997B5FA-0921-464F-AAE1-844C04324D75}" type="datetimeFigureOut">
               <a:rPr lang="zh-CN" altLang="en-US" smtClean="0"/>
-              <a:t>2021/8/10</a:t>
+              <a:t>2021/8/11</a:t>
             </a:fld>
             <a:endParaRPr lang="zh-CN" altLang="en-US"/>
           </a:p>
@@ -1064,7 +1574,7 @@
           <a:p>
             <a:fld id="{D997B5FA-0921-464F-AAE1-844C04324D75}" type="datetimeFigureOut">
               <a:rPr lang="zh-CN" altLang="en-US" smtClean="0"/>
-              <a:t>2021/8/10</a:t>
+              <a:t>2021/8/11</a:t>
             </a:fld>
             <a:endParaRPr lang="zh-CN" altLang="en-US"/>
           </a:p>
@@ -1275,7 +1785,7 @@
                 </a:solidFill>
               </a:rPr>
               <a:pPr/>
-              <a:t>2021/8/10</a:t>
+              <a:t>2021/8/11</a:t>
             </a:fld>
             <a:endParaRPr lang="zh-CN" altLang="en-US">
               <a:solidFill>
@@ -1507,7 +2017,7 @@
                 </a:solidFill>
               </a:rPr>
               <a:pPr/>
-              <a:t>2021/8/10</a:t>
+              <a:t>2021/8/11</a:t>
             </a:fld>
             <a:endParaRPr lang="zh-CN" altLang="en-US">
               <a:solidFill>
@@ -1738,7 +2248,7 @@
           <a:p>
             <a:fld id="{D997B5FA-0921-464F-AAE1-844C04324D75}" type="datetimeFigureOut">
               <a:rPr lang="zh-CN" altLang="en-US" smtClean="0"/>
-              <a:t>2021/8/10</a:t>
+              <a:t>2021/8/11</a:t>
             </a:fld>
             <a:endParaRPr lang="zh-CN" altLang="en-US"/>
           </a:p>
@@ -1995,7 +2505,7 @@
           <a:p>
             <a:fld id="{D997B5FA-0921-464F-AAE1-844C04324D75}" type="datetimeFigureOut">
               <a:rPr lang="zh-CN" altLang="en-US" smtClean="0"/>
-              <a:t>2021/8/10</a:t>
+              <a:t>2021/8/11</a:t>
             </a:fld>
             <a:endParaRPr lang="zh-CN" altLang="en-US"/>
           </a:p>
@@ -2236,7 +2746,7 @@
           <a:p>
             <a:fld id="{D997B5FA-0921-464F-AAE1-844C04324D75}" type="datetimeFigureOut">
               <a:rPr lang="zh-CN" altLang="en-US" smtClean="0"/>
-              <a:t>2021/8/10</a:t>
+              <a:t>2021/8/11</a:t>
             </a:fld>
             <a:endParaRPr lang="zh-CN" altLang="en-US"/>
           </a:p>
@@ -2612,7 +3122,7 @@
           <a:p>
             <a:fld id="{D997B5FA-0921-464F-AAE1-844C04324D75}" type="datetimeFigureOut">
               <a:rPr lang="zh-CN" altLang="en-US" smtClean="0"/>
-              <a:t>2021/8/10</a:t>
+              <a:t>2021/8/11</a:t>
             </a:fld>
             <a:endParaRPr lang="zh-CN" altLang="en-US"/>
           </a:p>
@@ -2866,7 +3376,7 @@
           <a:p>
             <a:fld id="{D997B5FA-0921-464F-AAE1-844C04324D75}" type="datetimeFigureOut">
               <a:rPr lang="zh-CN" altLang="en-US" smtClean="0"/>
-              <a:t>2021/8/10</a:t>
+              <a:t>2021/8/11</a:t>
             </a:fld>
             <a:endParaRPr lang="zh-CN" altLang="en-US"/>
           </a:p>
@@ -2973,7 +3483,7 @@
           <a:p>
             <a:fld id="{D997B5FA-0921-464F-AAE1-844C04324D75}" type="datetimeFigureOut">
               <a:rPr lang="zh-CN" altLang="en-US" smtClean="0"/>
-              <a:t>2021/8/10</a:t>
+              <a:t>2021/8/11</a:t>
             </a:fld>
             <a:endParaRPr lang="zh-CN" altLang="en-US"/>
           </a:p>
@@ -3260,7 +3770,7 @@
           <a:p>
             <a:fld id="{D997B5FA-0921-464F-AAE1-844C04324D75}" type="datetimeFigureOut">
               <a:rPr lang="zh-CN" altLang="en-US" smtClean="0"/>
-              <a:t>2021/8/10</a:t>
+              <a:t>2021/8/11</a:t>
             </a:fld>
             <a:endParaRPr lang="zh-CN" altLang="en-US"/>
           </a:p>
@@ -3524,7 +4034,7 @@
           <a:p>
             <a:fld id="{D997B5FA-0921-464F-AAE1-844C04324D75}" type="datetimeFigureOut">
               <a:rPr lang="zh-CN" altLang="en-US" smtClean="0"/>
-              <a:t>2021/8/10</a:t>
+              <a:t>2021/8/11</a:t>
             </a:fld>
             <a:endParaRPr lang="zh-CN" altLang="en-US"/>
           </a:p>
@@ -3750,7 +4260,7 @@
           <a:p>
             <a:fld id="{D997B5FA-0921-464F-AAE1-844C04324D75}" type="datetimeFigureOut">
               <a:rPr lang="zh-CN" altLang="en-US" smtClean="0"/>
-              <a:t>2021/8/10</a:t>
+              <a:t>2021/8/11</a:t>
             </a:fld>
             <a:endParaRPr lang="zh-CN" altLang="en-US"/>
           </a:p>
@@ -4460,7 +4970,7 @@
           <p:cNvPr id="18" name="矩形: 圆角 17">
             <a:extLst>
               <a:ext uri="{FF2B5EF4-FFF2-40B4-BE49-F238E27FC236}">
-                <a16:creationId xmlns:a16="http://schemas.microsoft.com/office/drawing/2014/main" xmlns="" id="{822EAB1A-0613-4B84-B43A-020769A84C2F}"/>
+                <a16:creationId xmlns="" xmlns:a16="http://schemas.microsoft.com/office/drawing/2014/main" id="{822EAB1A-0613-4B84-B43A-020769A84C2F}"/>
               </a:ext>
             </a:extLst>
           </p:cNvPr>
@@ -4526,7 +5036,7 @@
           <p:cNvPr id="4" name="矩形: 圆角 3">
             <a:extLst>
               <a:ext uri="{FF2B5EF4-FFF2-40B4-BE49-F238E27FC236}">
-                <a16:creationId xmlns:a16="http://schemas.microsoft.com/office/drawing/2014/main" xmlns="" id="{CFAF4C25-9AB4-4329-B21C-0F7CB88F0784}"/>
+                <a16:creationId xmlns="" xmlns:a16="http://schemas.microsoft.com/office/drawing/2014/main" id="{CFAF4C25-9AB4-4329-B21C-0F7CB88F0784}"/>
               </a:ext>
             </a:extLst>
           </p:cNvPr>
@@ -4592,7 +5102,7 @@
           <p:cNvPr id="5" name="文本框 4">
             <a:extLst>
               <a:ext uri="{FF2B5EF4-FFF2-40B4-BE49-F238E27FC236}">
-                <a16:creationId xmlns:a16="http://schemas.microsoft.com/office/drawing/2014/main" xmlns="" id="{959F8909-6800-4D81-9559-FFAEB41A80C1}"/>
+                <a16:creationId xmlns="" xmlns:a16="http://schemas.microsoft.com/office/drawing/2014/main" id="{959F8909-6800-4D81-9559-FFAEB41A80C1}"/>
               </a:ext>
             </a:extLst>
           </p:cNvPr>
@@ -4670,7 +5180,7 @@
           <p:cNvPr id="6" name="文本框 5">
             <a:extLst>
               <a:ext uri="{FF2B5EF4-FFF2-40B4-BE49-F238E27FC236}">
-                <a16:creationId xmlns:a16="http://schemas.microsoft.com/office/drawing/2014/main" xmlns="" id="{F8829203-F363-4337-ACAC-0D2C4AE6A337}"/>
+                <a16:creationId xmlns="" xmlns:a16="http://schemas.microsoft.com/office/drawing/2014/main" id="{F8829203-F363-4337-ACAC-0D2C4AE6A337}"/>
               </a:ext>
             </a:extLst>
           </p:cNvPr>
@@ -4737,7 +5247,7 @@
           <p:cNvPr id="8" name="椭圆 7">
             <a:extLst>
               <a:ext uri="{FF2B5EF4-FFF2-40B4-BE49-F238E27FC236}">
-                <a16:creationId xmlns:a16="http://schemas.microsoft.com/office/drawing/2014/main" xmlns="" id="{08B93554-9443-4291-83BC-91BEC5088783}"/>
+                <a16:creationId xmlns="" xmlns:a16="http://schemas.microsoft.com/office/drawing/2014/main" id="{08B93554-9443-4291-83BC-91BEC5088783}"/>
               </a:ext>
             </a:extLst>
           </p:cNvPr>
@@ -4799,7 +5309,7 @@
           <p:cNvPr id="9" name="椭圆 8">
             <a:extLst>
               <a:ext uri="{FF2B5EF4-FFF2-40B4-BE49-F238E27FC236}">
-                <a16:creationId xmlns:a16="http://schemas.microsoft.com/office/drawing/2014/main" xmlns="" id="{16338DEE-2916-4AC7-A537-1507B9F2A824}"/>
+                <a16:creationId xmlns="" xmlns:a16="http://schemas.microsoft.com/office/drawing/2014/main" id="{16338DEE-2916-4AC7-A537-1507B9F2A824}"/>
               </a:ext>
             </a:extLst>
           </p:cNvPr>
@@ -4861,7 +5371,7 @@
           <p:cNvPr id="13" name="组合 12">
             <a:extLst>
               <a:ext uri="{FF2B5EF4-FFF2-40B4-BE49-F238E27FC236}">
-                <a16:creationId xmlns:a16="http://schemas.microsoft.com/office/drawing/2014/main" xmlns="" id="{C0EF9AE3-F1B9-443C-9F86-CDF322936010}"/>
+                <a16:creationId xmlns="" xmlns:a16="http://schemas.microsoft.com/office/drawing/2014/main" id="{C0EF9AE3-F1B9-443C-9F86-CDF322936010}"/>
               </a:ext>
             </a:extLst>
           </p:cNvPr>
@@ -4881,7 +5391,7 @@
             <p:cNvPr id="12" name="矩形: 圆角 11">
               <a:extLst>
                 <a:ext uri="{FF2B5EF4-FFF2-40B4-BE49-F238E27FC236}">
-                  <a16:creationId xmlns:a16="http://schemas.microsoft.com/office/drawing/2014/main" xmlns="" id="{4E9D624C-B884-49D6-955A-058878E5E13C}"/>
+                  <a16:creationId xmlns="" xmlns:a16="http://schemas.microsoft.com/office/drawing/2014/main" id="{4E9D624C-B884-49D6-955A-058878E5E13C}"/>
                 </a:ext>
               </a:extLst>
             </p:cNvPr>
@@ -4945,7 +5455,7 @@
             <p:cNvPr id="10" name="文本框 9">
               <a:extLst>
                 <a:ext uri="{FF2B5EF4-FFF2-40B4-BE49-F238E27FC236}">
-                  <a16:creationId xmlns:a16="http://schemas.microsoft.com/office/drawing/2014/main" xmlns="" id="{D7F488F0-218D-4123-B444-742EAD00AD0E}"/>
+                  <a16:creationId xmlns="" xmlns:a16="http://schemas.microsoft.com/office/drawing/2014/main" id="{D7F488F0-218D-4123-B444-742EAD00AD0E}"/>
                 </a:ext>
               </a:extLst>
             </p:cNvPr>
@@ -5003,7 +5513,7 @@
           <p:cNvPr id="16" name="组合 15">
             <a:extLst>
               <a:ext uri="{FF2B5EF4-FFF2-40B4-BE49-F238E27FC236}">
-                <a16:creationId xmlns:a16="http://schemas.microsoft.com/office/drawing/2014/main" xmlns="" id="{9653DEAF-0910-48E8-8375-9FC078E9D0D6}"/>
+                <a16:creationId xmlns="" xmlns:a16="http://schemas.microsoft.com/office/drawing/2014/main" id="{9653DEAF-0910-48E8-8375-9FC078E9D0D6}"/>
               </a:ext>
             </a:extLst>
           </p:cNvPr>
@@ -5023,7 +5533,7 @@
             <p:cNvPr id="15" name="矩形: 圆角 14">
               <a:extLst>
                 <a:ext uri="{FF2B5EF4-FFF2-40B4-BE49-F238E27FC236}">
-                  <a16:creationId xmlns:a16="http://schemas.microsoft.com/office/drawing/2014/main" xmlns="" id="{CC29E14A-0550-4BFF-99D2-A94938E4EB84}"/>
+                  <a16:creationId xmlns="" xmlns:a16="http://schemas.microsoft.com/office/drawing/2014/main" id="{CC29E14A-0550-4BFF-99D2-A94938E4EB84}"/>
                 </a:ext>
               </a:extLst>
             </p:cNvPr>
@@ -5087,7 +5597,7 @@
             <p:cNvPr id="11" name="文本框 10">
               <a:extLst>
                 <a:ext uri="{FF2B5EF4-FFF2-40B4-BE49-F238E27FC236}">
-                  <a16:creationId xmlns:a16="http://schemas.microsoft.com/office/drawing/2014/main" xmlns="" id="{333307C3-A861-42E7-A2DA-6BAC1BCA9E3C}"/>
+                  <a16:creationId xmlns="" xmlns:a16="http://schemas.microsoft.com/office/drawing/2014/main" id="{333307C3-A861-42E7-A2DA-6BAC1BCA9E3C}"/>
                 </a:ext>
               </a:extLst>
             </p:cNvPr>
@@ -5145,7 +5655,7 @@
           <p:cNvPr id="17" name="组合 15">
             <a:extLst>
               <a:ext uri="{FF2B5EF4-FFF2-40B4-BE49-F238E27FC236}">
-                <a16:creationId xmlns:a16="http://schemas.microsoft.com/office/drawing/2014/main" xmlns="" id="{9653DEAF-0910-48E8-8375-9FC078E9D0D6}"/>
+                <a16:creationId xmlns="" xmlns:a16="http://schemas.microsoft.com/office/drawing/2014/main" id="{9653DEAF-0910-48E8-8375-9FC078E9D0D6}"/>
               </a:ext>
             </a:extLst>
           </p:cNvPr>
@@ -5165,7 +5675,7 @@
             <p:cNvPr id="19" name="矩形: 圆角 14">
               <a:extLst>
                 <a:ext uri="{FF2B5EF4-FFF2-40B4-BE49-F238E27FC236}">
-                  <a16:creationId xmlns:a16="http://schemas.microsoft.com/office/drawing/2014/main" xmlns="" id="{CC29E14A-0550-4BFF-99D2-A94938E4EB84}"/>
+                  <a16:creationId xmlns="" xmlns:a16="http://schemas.microsoft.com/office/drawing/2014/main" id="{CC29E14A-0550-4BFF-99D2-A94938E4EB84}"/>
                 </a:ext>
               </a:extLst>
             </p:cNvPr>
@@ -5229,7 +5739,7 @@
             <p:cNvPr id="20" name="文本框 10">
               <a:extLst>
                 <a:ext uri="{FF2B5EF4-FFF2-40B4-BE49-F238E27FC236}">
-                  <a16:creationId xmlns:a16="http://schemas.microsoft.com/office/drawing/2014/main" xmlns="" id="{333307C3-A861-42E7-A2DA-6BAC1BCA9E3C}"/>
+                  <a16:creationId xmlns="" xmlns:a16="http://schemas.microsoft.com/office/drawing/2014/main" id="{333307C3-A861-42E7-A2DA-6BAC1BCA9E3C}"/>
                 </a:ext>
               </a:extLst>
             </p:cNvPr>
@@ -5322,7 +5832,7 @@
         <p:random/>
       </p:transition>
     </mc:Choice>
-    <mc:Fallback xmlns:a16="http://schemas.microsoft.com/office/drawing/2014/main" xmlns="">
+    <mc:Fallback xmlns="" xmlns:a16="http://schemas.microsoft.com/office/drawing/2014/main">
       <p:transition spd="slow" advTm="4078">
         <p:random/>
       </p:transition>
@@ -5757,6 +6267,1033 @@
 </p:sld>
 </file>
 
+<file path=ppt/slides/slide10.xml><?xml version="1.0" encoding="utf-8"?>
+<p:sld xmlns:a="http://schemas.openxmlformats.org/drawingml/2006/main" xmlns:r="http://schemas.openxmlformats.org/officeDocument/2006/relationships" xmlns:p="http://schemas.openxmlformats.org/presentationml/2006/main">
+  <p:cSld>
+    <p:spTree>
+      <p:nvGrpSpPr>
+        <p:cNvPr id="1" name=""/>
+        <p:cNvGrpSpPr/>
+        <p:nvPr/>
+      </p:nvGrpSpPr>
+      <p:grpSpPr>
+        <a:xfrm>
+          <a:off x="0" y="0"/>
+          <a:ext cx="0" cy="0"/>
+          <a:chOff x="0" y="0"/>
+          <a:chExt cx="0" cy="0"/>
+        </a:xfrm>
+      </p:grpSpPr>
+      <p:sp>
+        <p:nvSpPr>
+          <p:cNvPr id="2" name="矩形 1">
+            <a:extLst>
+              <a:ext uri="{FF2B5EF4-FFF2-40B4-BE49-F238E27FC236}">
+                <a16:creationId xmlns="" xmlns:a16="http://schemas.microsoft.com/office/drawing/2014/main" id="{6130B33B-FCB5-4AFA-8175-BA08126D80E1}"/>
+              </a:ext>
+            </a:extLst>
+          </p:cNvPr>
+          <p:cNvSpPr/>
+          <p:nvPr/>
+        </p:nvSpPr>
+        <p:spPr>
+          <a:xfrm>
+            <a:off x="5029196" y="265030"/>
+            <a:ext cx="2133600" cy="228600"/>
+          </a:xfrm>
+          <a:prstGeom prst="rect">
+            <a:avLst/>
+          </a:prstGeom>
+          <a:solidFill>
+            <a:schemeClr val="tx1">
+              <a:lumMod val="75000"/>
+              <a:lumOff val="25000"/>
+            </a:schemeClr>
+          </a:solidFill>
+          <a:ln>
+            <a:noFill/>
+          </a:ln>
+        </p:spPr>
+        <p:style>
+          <a:lnRef idx="2">
+            <a:schemeClr val="accent1">
+              <a:shade val="50000"/>
+            </a:schemeClr>
+          </a:lnRef>
+          <a:fillRef idx="1">
+            <a:schemeClr val="accent1"/>
+          </a:fillRef>
+          <a:effectRef idx="0">
+            <a:schemeClr val="accent1"/>
+          </a:effectRef>
+          <a:fontRef idx="minor">
+            <a:schemeClr val="lt1"/>
+          </a:fontRef>
+        </p:style>
+        <p:txBody>
+          <a:bodyPr rtlCol="0" anchor="ctr"/>
+          <a:lstStyle/>
+          <a:p>
+            <a:pPr algn="ctr"/>
+            <a:endParaRPr lang="zh-CN" altLang="en-US">
+              <a:cs typeface="+mn-ea"/>
+              <a:sym typeface="+mn-lt"/>
+            </a:endParaRPr>
+          </a:p>
+        </p:txBody>
+      </p:sp>
+      <p:grpSp>
+        <p:nvGrpSpPr>
+          <p:cNvPr id="3" name="组合 2">
+            <a:extLst>
+              <a:ext uri="{FF2B5EF4-FFF2-40B4-BE49-F238E27FC236}">
+                <a16:creationId xmlns="" xmlns:a16="http://schemas.microsoft.com/office/drawing/2014/main" id="{CF3B8F59-C87E-48F7-911B-3FCC3B1922F9}"/>
+              </a:ext>
+            </a:extLst>
+          </p:cNvPr>
+          <p:cNvGrpSpPr/>
+          <p:nvPr/>
+        </p:nvGrpSpPr>
+        <p:grpSpPr>
+          <a:xfrm>
+            <a:off x="3174997" y="559000"/>
+            <a:ext cx="5841999" cy="976561"/>
+            <a:chOff x="736600" y="1991896"/>
+            <a:chExt cx="3515773" cy="1083521"/>
+          </a:xfrm>
+        </p:grpSpPr>
+        <p:sp>
+          <p:nvSpPr>
+            <p:cNvPr id="4" name="文本框 3">
+              <a:extLst>
+                <a:ext uri="{FF2B5EF4-FFF2-40B4-BE49-F238E27FC236}">
+                  <a16:creationId xmlns="" xmlns:a16="http://schemas.microsoft.com/office/drawing/2014/main" id="{F069F7C5-7C6B-4416-BA43-7E9FF2B95F70}"/>
+                </a:ext>
+              </a:extLst>
+            </p:cNvPr>
+            <p:cNvSpPr txBox="1"/>
+            <p:nvPr/>
+          </p:nvSpPr>
+          <p:spPr>
+            <a:xfrm>
+              <a:off x="736600" y="1991896"/>
+              <a:ext cx="3515773" cy="785419"/>
+            </a:xfrm>
+            <a:prstGeom prst="rect">
+              <a:avLst/>
+            </a:prstGeom>
+            <a:noFill/>
+          </p:spPr>
+          <p:txBody>
+            <a:bodyPr wrap="square" rtlCol="0">
+              <a:spAutoFit/>
+            </a:bodyPr>
+            <a:lstStyle/>
+            <a:p>
+              <a:pPr algn="ctr"/>
+              <a:r>
+                <a:rPr lang="zh-TW" altLang="en-US" sz="4000" dirty="0" smtClean="0">
+                  <a:cs typeface="+mn-ea"/>
+                  <a:sym typeface="+mn-lt"/>
+                </a:rPr>
+                <a:t>明日預期規劃</a:t>
+              </a:r>
+              <a:endParaRPr lang="zh-CN" altLang="en-US" sz="4000" dirty="0">
+                <a:cs typeface="+mn-ea"/>
+                <a:sym typeface="+mn-lt"/>
+              </a:endParaRPr>
+            </a:p>
+          </p:txBody>
+        </p:sp>
+        <p:sp>
+          <p:nvSpPr>
+            <p:cNvPr id="5" name="文本框 4">
+              <a:extLst>
+                <a:ext uri="{FF2B5EF4-FFF2-40B4-BE49-F238E27FC236}">
+                  <a16:creationId xmlns="" xmlns:a16="http://schemas.microsoft.com/office/drawing/2014/main" id="{E7404F6D-3A40-4203-8F0A-6169C74FB4CA}"/>
+                </a:ext>
+              </a:extLst>
+            </p:cNvPr>
+            <p:cNvSpPr txBox="1"/>
+            <p:nvPr/>
+          </p:nvSpPr>
+          <p:spPr>
+            <a:xfrm>
+              <a:off x="793749" y="2699782"/>
+              <a:ext cx="3458623" cy="375635"/>
+            </a:xfrm>
+            <a:prstGeom prst="rect">
+              <a:avLst/>
+            </a:prstGeom>
+            <a:noFill/>
+          </p:spPr>
+          <p:txBody>
+            <a:bodyPr wrap="square">
+              <a:spAutoFit/>
+            </a:bodyPr>
+            <a:lstStyle/>
+            <a:p>
+              <a:pPr algn="ctr"/>
+              <a:r>
+                <a:rPr lang="en-US" altLang="zh-TW" sz="1600" dirty="0">
+                  <a:cs typeface="+mn-ea"/>
+                  <a:sym typeface="+mn-lt"/>
+                </a:rPr>
+                <a:t>Project </a:t>
+              </a:r>
+              <a:r>
+                <a:rPr lang="en-US" altLang="zh-TW" sz="1600" dirty="0" smtClean="0">
+                  <a:cs typeface="+mn-ea"/>
+                  <a:sym typeface="+mn-lt"/>
+                </a:rPr>
+                <a:t>planning</a:t>
+              </a:r>
+              <a:endParaRPr lang="zh-CN" altLang="en-US" sz="1600" dirty="0">
+                <a:cs typeface="+mn-ea"/>
+                <a:sym typeface="+mn-lt"/>
+              </a:endParaRPr>
+            </a:p>
+          </p:txBody>
+        </p:sp>
+      </p:grpSp>
+      <p:sp>
+        <p:nvSpPr>
+          <p:cNvPr id="8" name="文字方塊 7"/>
+          <p:cNvSpPr txBox="1"/>
+          <p:nvPr/>
+        </p:nvSpPr>
+        <p:spPr>
+          <a:xfrm>
+            <a:off x="3344496" y="3267866"/>
+            <a:ext cx="6545462" cy="523220"/>
+          </a:xfrm>
+          <a:prstGeom prst="rect">
+            <a:avLst/>
+          </a:prstGeom>
+          <a:noFill/>
+        </p:spPr>
+        <p:txBody>
+          <a:bodyPr wrap="square" rtlCol="0">
+            <a:spAutoFit/>
+          </a:bodyPr>
+          <a:lstStyle/>
+          <a:p>
+            <a:pPr marL="285750" indent="-285750">
+              <a:buFont typeface="Wingdings" panose="05000000000000000000" pitchFamily="2" charset="2"/>
+              <a:buChar char="l"/>
+            </a:pPr>
+            <a:endParaRPr lang="en-US" altLang="zh-TW" sz="2800" dirty="0" smtClean="0"/>
+          </a:p>
+        </p:txBody>
+      </p:sp>
+      <p:sp>
+        <p:nvSpPr>
+          <p:cNvPr id="6" name="文字方塊 5"/>
+          <p:cNvSpPr txBox="1"/>
+          <p:nvPr/>
+        </p:nvSpPr>
+        <p:spPr>
+          <a:xfrm>
+            <a:off x="3418317" y="3267866"/>
+            <a:ext cx="5862415" cy="461665"/>
+          </a:xfrm>
+          <a:prstGeom prst="rect">
+            <a:avLst/>
+          </a:prstGeom>
+          <a:noFill/>
+        </p:spPr>
+        <p:txBody>
+          <a:bodyPr wrap="square" rtlCol="0">
+            <a:spAutoFit/>
+          </a:bodyPr>
+          <a:lstStyle/>
+          <a:p>
+            <a:pPr marL="285750" indent="-285750">
+              <a:buFont typeface="Wingdings" panose="05000000000000000000" pitchFamily="2" charset="2"/>
+              <a:buChar char="l"/>
+            </a:pPr>
+            <a:r>
+              <a:rPr lang="zh-TW" altLang="en-US" sz="2400" dirty="0" smtClean="0"/>
+              <a:t>將網站輸入的資料試著與資料庫連接</a:t>
+            </a:r>
+            <a:endParaRPr lang="zh-TW" altLang="en-US" sz="2400" dirty="0"/>
+          </a:p>
+        </p:txBody>
+      </p:sp>
+    </p:spTree>
+    <p:extLst>
+      <p:ext uri="{BB962C8B-B14F-4D97-AF65-F5344CB8AC3E}">
+        <p14:creationId xmlns:p14="http://schemas.microsoft.com/office/powerpoint/2010/main" val="3085877011"/>
+      </p:ext>
+    </p:extLst>
+  </p:cSld>
+  <p:clrMapOvr>
+    <a:masterClrMapping/>
+  </p:clrMapOvr>
+  <mc:AlternateContent xmlns:mc="http://schemas.openxmlformats.org/markup-compatibility/2006" xmlns:p14="http://schemas.microsoft.com/office/powerpoint/2010/main">
+    <mc:Choice Requires="p14">
+      <p:transition spd="slow" p14:dur="1500">
+        <p:random/>
+      </p:transition>
+    </mc:Choice>
+    <mc:Fallback xmlns="">
+      <p:transition spd="slow">
+        <p:random/>
+      </p:transition>
+    </mc:Fallback>
+  </mc:AlternateContent>
+  <p:timing>
+    <p:tnLst>
+      <p:par>
+        <p:cTn id="1" dur="indefinite" restart="never" nodeType="tmRoot">
+          <p:childTnLst>
+            <p:seq concurrent="1" nextAc="seek">
+              <p:cTn id="2" dur="indefinite" nodeType="mainSeq">
+                <p:childTnLst>
+                  <p:par>
+                    <p:cTn id="3" fill="hold">
+                      <p:stCondLst>
+                        <p:cond delay="indefinite"/>
+                      </p:stCondLst>
+                      <p:childTnLst>
+                        <p:par>
+                          <p:cTn id="4" fill="hold">
+                            <p:stCondLst>
+                              <p:cond delay="0"/>
+                            </p:stCondLst>
+                            <p:childTnLst>
+                              <p:par>
+                                <p:cTn id="5" presetID="16" presetClass="entr" presetSubtype="37" fill="hold" grpId="0" nodeType="clickEffect">
+                                  <p:stCondLst>
+                                    <p:cond delay="0"/>
+                                  </p:stCondLst>
+                                  <p:childTnLst>
+                                    <p:set>
+                                      <p:cBhvr>
+                                        <p:cTn id="6" dur="1" fill="hold">
+                                          <p:stCondLst>
+                                            <p:cond delay="0"/>
+                                          </p:stCondLst>
+                                        </p:cTn>
+                                        <p:tgtEl>
+                                          <p:spTgt spid="2"/>
+                                        </p:tgtEl>
+                                        <p:attrNameLst>
+                                          <p:attrName>style.visibility</p:attrName>
+                                        </p:attrNameLst>
+                                      </p:cBhvr>
+                                      <p:to>
+                                        <p:strVal val="visible"/>
+                                      </p:to>
+                                    </p:set>
+                                    <p:animEffect transition="in" filter="barn(outVertical)">
+                                      <p:cBhvr>
+                                        <p:cTn id="7" dur="500"/>
+                                        <p:tgtEl>
+                                          <p:spTgt spid="2"/>
+                                        </p:tgtEl>
+                                      </p:cBhvr>
+                                    </p:animEffect>
+                                  </p:childTnLst>
+                                </p:cTn>
+                              </p:par>
+                            </p:childTnLst>
+                          </p:cTn>
+                        </p:par>
+                      </p:childTnLst>
+                    </p:cTn>
+                  </p:par>
+                  <p:par>
+                    <p:cTn id="8" fill="hold">
+                      <p:stCondLst>
+                        <p:cond delay="indefinite"/>
+                      </p:stCondLst>
+                      <p:childTnLst>
+                        <p:par>
+                          <p:cTn id="9" fill="hold">
+                            <p:stCondLst>
+                              <p:cond delay="0"/>
+                            </p:stCondLst>
+                            <p:childTnLst>
+                              <p:par>
+                                <p:cTn id="10" presetID="22" presetClass="entr" presetSubtype="8" fill="hold" nodeType="clickEffect">
+                                  <p:stCondLst>
+                                    <p:cond delay="0"/>
+                                  </p:stCondLst>
+                                  <p:childTnLst>
+                                    <p:set>
+                                      <p:cBhvr>
+                                        <p:cTn id="11" dur="1" fill="hold">
+                                          <p:stCondLst>
+                                            <p:cond delay="0"/>
+                                          </p:stCondLst>
+                                        </p:cTn>
+                                        <p:tgtEl>
+                                          <p:spTgt spid="3"/>
+                                        </p:tgtEl>
+                                        <p:attrNameLst>
+                                          <p:attrName>style.visibility</p:attrName>
+                                        </p:attrNameLst>
+                                      </p:cBhvr>
+                                      <p:to>
+                                        <p:strVal val="visible"/>
+                                      </p:to>
+                                    </p:set>
+                                    <p:animEffect transition="in" filter="wipe(left)">
+                                      <p:cBhvr>
+                                        <p:cTn id="12" dur="500"/>
+                                        <p:tgtEl>
+                                          <p:spTgt spid="3"/>
+                                        </p:tgtEl>
+                                      </p:cBhvr>
+                                    </p:animEffect>
+                                  </p:childTnLst>
+                                </p:cTn>
+                              </p:par>
+                            </p:childTnLst>
+                          </p:cTn>
+                        </p:par>
+                      </p:childTnLst>
+                    </p:cTn>
+                  </p:par>
+                </p:childTnLst>
+              </p:cTn>
+              <p:prevCondLst>
+                <p:cond evt="onPrev" delay="0">
+                  <p:tgtEl>
+                    <p:sldTgt/>
+                  </p:tgtEl>
+                </p:cond>
+              </p:prevCondLst>
+              <p:nextCondLst>
+                <p:cond evt="onNext" delay="0">
+                  <p:tgtEl>
+                    <p:sldTgt/>
+                  </p:tgtEl>
+                </p:cond>
+              </p:nextCondLst>
+            </p:seq>
+          </p:childTnLst>
+        </p:cTn>
+      </p:par>
+    </p:tnLst>
+    <p:bldLst>
+      <p:bldP spid="2" grpId="0" animBg="1"/>
+    </p:bldLst>
+  </p:timing>
+</p:sld>
+</file>
+
+<file path=ppt/slides/slide11.xml><?xml version="1.0" encoding="utf-8"?>
+<p:sld xmlns:a="http://schemas.openxmlformats.org/drawingml/2006/main" xmlns:r="http://schemas.openxmlformats.org/officeDocument/2006/relationships" xmlns:p="http://schemas.openxmlformats.org/presentationml/2006/main">
+  <p:cSld>
+    <p:spTree>
+      <p:nvGrpSpPr>
+        <p:cNvPr id="1" name=""/>
+        <p:cNvGrpSpPr/>
+        <p:nvPr/>
+      </p:nvGrpSpPr>
+      <p:grpSpPr>
+        <a:xfrm>
+          <a:off x="0" y="0"/>
+          <a:ext cx="0" cy="0"/>
+          <a:chOff x="0" y="0"/>
+          <a:chExt cx="0" cy="0"/>
+        </a:xfrm>
+      </p:grpSpPr>
+      <p:sp>
+        <p:nvSpPr>
+          <p:cNvPr id="18" name="矩形: 圆角 17">
+            <a:extLst>
+              <a:ext uri="{FF2B5EF4-FFF2-40B4-BE49-F238E27FC236}">
+                <a16:creationId xmlns="" xmlns:a16="http://schemas.microsoft.com/office/drawing/2014/main" id="{822EAB1A-0613-4B84-B43A-020769A84C2F}"/>
+              </a:ext>
+            </a:extLst>
+          </p:cNvPr>
+          <p:cNvSpPr/>
+          <p:nvPr/>
+        </p:nvSpPr>
+        <p:spPr>
+          <a:xfrm rot="2684577">
+            <a:off x="1698063" y="-917755"/>
+            <a:ext cx="8693513" cy="8693513"/>
+          </a:xfrm>
+          <a:prstGeom prst="roundRect">
+            <a:avLst>
+              <a:gd name="adj" fmla="val 13360"/>
+            </a:avLst>
+          </a:prstGeom>
+          <a:solidFill>
+            <a:schemeClr val="bg1"/>
+          </a:solidFill>
+          <a:ln>
+            <a:noFill/>
+          </a:ln>
+          <a:effectLst>
+            <a:outerShdw blurRad="546100" sx="101000" sy="101000" algn="ctr" rotWithShape="0">
+              <a:schemeClr val="tx1">
+                <a:lumMod val="65000"/>
+                <a:lumOff val="35000"/>
+                <a:alpha val="19000"/>
+              </a:schemeClr>
+            </a:outerShdw>
+          </a:effectLst>
+        </p:spPr>
+        <p:style>
+          <a:lnRef idx="2">
+            <a:schemeClr val="accent1">
+              <a:shade val="50000"/>
+            </a:schemeClr>
+          </a:lnRef>
+          <a:fillRef idx="1">
+            <a:schemeClr val="accent1"/>
+          </a:fillRef>
+          <a:effectRef idx="0">
+            <a:schemeClr val="accent1"/>
+          </a:effectRef>
+          <a:fontRef idx="minor">
+            <a:schemeClr val="lt1"/>
+          </a:fontRef>
+        </p:style>
+        <p:txBody>
+          <a:bodyPr rtlCol="0" anchor="ctr"/>
+          <a:lstStyle/>
+          <a:p>
+            <a:pPr marL="0" marR="0" lvl="0" indent="0" algn="ctr" defTabSz="914400" rtl="0" eaLnBrk="1" fontAlgn="auto" latinLnBrk="0" hangingPunct="1">
+              <a:lnSpc>
+                <a:spcPct val="100000"/>
+              </a:lnSpc>
+              <a:spcBef>
+                <a:spcPts val="0"/>
+              </a:spcBef>
+              <a:spcAft>
+                <a:spcPts val="0"/>
+              </a:spcAft>
+              <a:buClrTx/>
+              <a:buSzTx/>
+              <a:buFontTx/>
+              <a:buNone/>
+              <a:tabLst/>
+              <a:defRPr/>
+            </a:pPr>
+            <a:endParaRPr kumimoji="0" lang="zh-CN" altLang="en-US" sz="1800" b="0" i="0" u="none" strike="noStrike" kern="1200" cap="none" spc="0" normalizeH="0" baseline="0" noProof="0">
+              <a:ln>
+                <a:noFill/>
+              </a:ln>
+              <a:solidFill>
+                <a:prstClr val="white"/>
+              </a:solidFill>
+              <a:effectLst/>
+              <a:uLnTx/>
+              <a:uFillTx/>
+              <a:cs typeface="+mn-ea"/>
+              <a:sym typeface="+mn-lt"/>
+            </a:endParaRPr>
+          </a:p>
+        </p:txBody>
+      </p:sp>
+      <p:sp>
+        <p:nvSpPr>
+          <p:cNvPr id="4" name="矩形: 圆角 3">
+            <a:extLst>
+              <a:ext uri="{FF2B5EF4-FFF2-40B4-BE49-F238E27FC236}">
+                <a16:creationId xmlns="" xmlns:a16="http://schemas.microsoft.com/office/drawing/2014/main" id="{CFAF4C25-9AB4-4329-B21C-0F7CB88F0784}"/>
+              </a:ext>
+            </a:extLst>
+          </p:cNvPr>
+          <p:cNvSpPr/>
+          <p:nvPr/>
+        </p:nvSpPr>
+        <p:spPr>
+          <a:xfrm rot="2684577">
+            <a:off x="2627892" y="-39108"/>
+            <a:ext cx="6936217" cy="6936217"/>
+          </a:xfrm>
+          <a:prstGeom prst="roundRect">
+            <a:avLst>
+              <a:gd name="adj" fmla="val 13360"/>
+            </a:avLst>
+          </a:prstGeom>
+          <a:solidFill>
+            <a:schemeClr val="bg1"/>
+          </a:solidFill>
+          <a:ln>
+            <a:noFill/>
+          </a:ln>
+          <a:effectLst>
+            <a:outerShdw blurRad="546100" sx="101000" sy="101000" algn="ctr" rotWithShape="0">
+              <a:schemeClr val="tx1">
+                <a:lumMod val="65000"/>
+                <a:lumOff val="35000"/>
+                <a:alpha val="19000"/>
+              </a:schemeClr>
+            </a:outerShdw>
+          </a:effectLst>
+        </p:spPr>
+        <p:style>
+          <a:lnRef idx="2">
+            <a:schemeClr val="accent1">
+              <a:shade val="50000"/>
+            </a:schemeClr>
+          </a:lnRef>
+          <a:fillRef idx="1">
+            <a:schemeClr val="accent1"/>
+          </a:fillRef>
+          <a:effectRef idx="0">
+            <a:schemeClr val="accent1"/>
+          </a:effectRef>
+          <a:fontRef idx="minor">
+            <a:schemeClr val="lt1"/>
+          </a:fontRef>
+        </p:style>
+        <p:txBody>
+          <a:bodyPr rtlCol="0" anchor="ctr"/>
+          <a:lstStyle/>
+          <a:p>
+            <a:pPr marL="0" marR="0" lvl="0" indent="0" algn="ctr" defTabSz="914400" rtl="0" eaLnBrk="1" fontAlgn="auto" latinLnBrk="0" hangingPunct="1">
+              <a:lnSpc>
+                <a:spcPct val="100000"/>
+              </a:lnSpc>
+              <a:spcBef>
+                <a:spcPts val="0"/>
+              </a:spcBef>
+              <a:spcAft>
+                <a:spcPts val="0"/>
+              </a:spcAft>
+              <a:buClrTx/>
+              <a:buSzTx/>
+              <a:buFontTx/>
+              <a:buNone/>
+              <a:tabLst/>
+              <a:defRPr/>
+            </a:pPr>
+            <a:endParaRPr kumimoji="0" lang="zh-CN" altLang="en-US" sz="1800" b="0" i="0" u="none" strike="noStrike" kern="1200" cap="none" spc="0" normalizeH="0" baseline="0" noProof="0">
+              <a:ln>
+                <a:noFill/>
+              </a:ln>
+              <a:solidFill>
+                <a:prstClr val="white"/>
+              </a:solidFill>
+              <a:effectLst/>
+              <a:uLnTx/>
+              <a:uFillTx/>
+              <a:cs typeface="+mn-ea"/>
+              <a:sym typeface="+mn-lt"/>
+            </a:endParaRPr>
+          </a:p>
+        </p:txBody>
+      </p:sp>
+      <p:sp>
+        <p:nvSpPr>
+          <p:cNvPr id="7" name="文本框 6">
+            <a:extLst>
+              <a:ext uri="{FF2B5EF4-FFF2-40B4-BE49-F238E27FC236}">
+                <a16:creationId xmlns="" xmlns:a16="http://schemas.microsoft.com/office/drawing/2014/main" id="{D2947702-0219-4F74-958A-0A5A704ECCC4}"/>
+              </a:ext>
+            </a:extLst>
+          </p:cNvPr>
+          <p:cNvSpPr txBox="1"/>
+          <p:nvPr/>
+        </p:nvSpPr>
+        <p:spPr>
+          <a:xfrm>
+            <a:off x="2730500" y="2967335"/>
+            <a:ext cx="6781800" cy="923330"/>
+          </a:xfrm>
+          <a:prstGeom prst="rect">
+            <a:avLst/>
+          </a:prstGeom>
+          <a:noFill/>
+        </p:spPr>
+        <p:txBody>
+          <a:bodyPr wrap="square" rtlCol="0">
+            <a:spAutoFit/>
+          </a:bodyPr>
+          <a:lstStyle/>
+          <a:p>
+            <a:pPr marL="0" marR="0" lvl="0" indent="0" algn="ctr" defTabSz="914400" rtl="0" eaLnBrk="1" fontAlgn="auto" latinLnBrk="0" hangingPunct="1">
+              <a:lnSpc>
+                <a:spcPct val="100000"/>
+              </a:lnSpc>
+              <a:spcBef>
+                <a:spcPts val="0"/>
+              </a:spcBef>
+              <a:spcAft>
+                <a:spcPts val="0"/>
+              </a:spcAft>
+              <a:buClrTx/>
+              <a:buSzTx/>
+              <a:buFontTx/>
+              <a:buNone/>
+              <a:tabLst/>
+              <a:defRPr/>
+            </a:pPr>
+            <a:r>
+              <a:rPr lang="zh-TW" altLang="en-US" sz="5400" spc="1000" dirty="0" smtClean="0">
+                <a:solidFill>
+                  <a:prstClr val="black">
+                    <a:lumMod val="85000"/>
+                    <a:lumOff val="15000"/>
+                  </a:prstClr>
+                </a:solidFill>
+                <a:cs typeface="+mn-ea"/>
+                <a:sym typeface="+mn-lt"/>
+              </a:rPr>
+              <a:t>謝謝觀看</a:t>
+            </a:r>
+            <a:endParaRPr kumimoji="0" lang="zh-CN" altLang="en-US" sz="5400" b="0" i="0" u="none" strike="noStrike" kern="1200" cap="none" spc="1000" normalizeH="0" baseline="0" noProof="0" dirty="0">
+              <a:ln>
+                <a:noFill/>
+              </a:ln>
+              <a:solidFill>
+                <a:prstClr val="black">
+                  <a:lumMod val="85000"/>
+                  <a:lumOff val="15000"/>
+                </a:prstClr>
+              </a:solidFill>
+              <a:effectLst/>
+              <a:uLnTx/>
+              <a:uFillTx/>
+              <a:cs typeface="+mn-ea"/>
+              <a:sym typeface="+mn-lt"/>
+            </a:endParaRPr>
+          </a:p>
+        </p:txBody>
+      </p:sp>
+      <p:sp>
+        <p:nvSpPr>
+          <p:cNvPr id="8" name="椭圆 7">
+            <a:extLst>
+              <a:ext uri="{FF2B5EF4-FFF2-40B4-BE49-F238E27FC236}">
+                <a16:creationId xmlns="" xmlns:a16="http://schemas.microsoft.com/office/drawing/2014/main" id="{08B93554-9443-4291-83BC-91BEC5088783}"/>
+              </a:ext>
+            </a:extLst>
+          </p:cNvPr>
+          <p:cNvSpPr/>
+          <p:nvPr/>
+        </p:nvSpPr>
+        <p:spPr>
+          <a:xfrm>
+            <a:off x="683912" y="5242803"/>
+            <a:ext cx="1056397" cy="1056397"/>
+          </a:xfrm>
+          <a:prstGeom prst="ellipse">
+            <a:avLst/>
+          </a:prstGeom>
+          <a:solidFill>
+            <a:schemeClr val="bg1"/>
+          </a:solidFill>
+          <a:ln>
+            <a:noFill/>
+          </a:ln>
+          <a:effectLst>
+            <a:outerShdw blurRad="546100" sx="101000" sy="101000" algn="ctr" rotWithShape="0">
+              <a:prstClr val="black">
+                <a:alpha val="30000"/>
+              </a:prstClr>
+            </a:outerShdw>
+          </a:effectLst>
+        </p:spPr>
+        <p:style>
+          <a:lnRef idx="2">
+            <a:schemeClr val="accent1">
+              <a:shade val="50000"/>
+            </a:schemeClr>
+          </a:lnRef>
+          <a:fillRef idx="1">
+            <a:schemeClr val="accent1"/>
+          </a:fillRef>
+          <a:effectRef idx="0">
+            <a:schemeClr val="accent1"/>
+          </a:effectRef>
+          <a:fontRef idx="minor">
+            <a:schemeClr val="lt1"/>
+          </a:fontRef>
+        </p:style>
+        <p:txBody>
+          <a:bodyPr rtlCol="0" anchor="ctr"/>
+          <a:lstStyle/>
+          <a:p>
+            <a:pPr marL="0" marR="0" lvl="0" indent="0" algn="ctr" defTabSz="914400" rtl="0" eaLnBrk="1" fontAlgn="auto" latinLnBrk="0" hangingPunct="1">
+              <a:lnSpc>
+                <a:spcPct val="100000"/>
+              </a:lnSpc>
+              <a:spcBef>
+                <a:spcPts val="0"/>
+              </a:spcBef>
+              <a:spcAft>
+                <a:spcPts val="0"/>
+              </a:spcAft>
+              <a:buClrTx/>
+              <a:buSzTx/>
+              <a:buFontTx/>
+              <a:buNone/>
+              <a:tabLst/>
+              <a:defRPr/>
+            </a:pPr>
+            <a:endParaRPr kumimoji="0" lang="zh-CN" altLang="en-US" sz="1800" b="0" i="0" u="none" strike="noStrike" kern="1200" cap="none" spc="0" normalizeH="0" baseline="0" noProof="0">
+              <a:ln>
+                <a:noFill/>
+              </a:ln>
+              <a:solidFill>
+                <a:prstClr val="white"/>
+              </a:solidFill>
+              <a:effectLst/>
+              <a:uLnTx/>
+              <a:uFillTx/>
+              <a:cs typeface="+mn-ea"/>
+              <a:sym typeface="+mn-lt"/>
+            </a:endParaRPr>
+          </a:p>
+        </p:txBody>
+      </p:sp>
+      <p:sp>
+        <p:nvSpPr>
+          <p:cNvPr id="9" name="椭圆 8">
+            <a:extLst>
+              <a:ext uri="{FF2B5EF4-FFF2-40B4-BE49-F238E27FC236}">
+                <a16:creationId xmlns="" xmlns:a16="http://schemas.microsoft.com/office/drawing/2014/main" id="{16338DEE-2916-4AC7-A537-1507B9F2A824}"/>
+              </a:ext>
+            </a:extLst>
+          </p:cNvPr>
+          <p:cNvSpPr/>
+          <p:nvPr/>
+        </p:nvSpPr>
+        <p:spPr>
+          <a:xfrm>
+            <a:off x="10464448" y="933352"/>
+            <a:ext cx="563400" cy="563400"/>
+          </a:xfrm>
+          <a:prstGeom prst="ellipse">
+            <a:avLst/>
+          </a:prstGeom>
+          <a:solidFill>
+            <a:schemeClr val="bg1"/>
+          </a:solidFill>
+          <a:ln>
+            <a:noFill/>
+          </a:ln>
+          <a:effectLst>
+            <a:outerShdw blurRad="546100" sx="101000" sy="101000" algn="ctr" rotWithShape="0">
+              <a:prstClr val="black">
+                <a:alpha val="30000"/>
+              </a:prstClr>
+            </a:outerShdw>
+          </a:effectLst>
+        </p:spPr>
+        <p:style>
+          <a:lnRef idx="2">
+            <a:schemeClr val="accent1">
+              <a:shade val="50000"/>
+            </a:schemeClr>
+          </a:lnRef>
+          <a:fillRef idx="1">
+            <a:schemeClr val="accent1"/>
+          </a:fillRef>
+          <a:effectRef idx="0">
+            <a:schemeClr val="accent1"/>
+          </a:effectRef>
+          <a:fontRef idx="minor">
+            <a:schemeClr val="lt1"/>
+          </a:fontRef>
+        </p:style>
+        <p:txBody>
+          <a:bodyPr rtlCol="0" anchor="ctr"/>
+          <a:lstStyle/>
+          <a:p>
+            <a:pPr marL="0" marR="0" lvl="0" indent="0" algn="ctr" defTabSz="914400" rtl="0" eaLnBrk="1" fontAlgn="auto" latinLnBrk="0" hangingPunct="1">
+              <a:lnSpc>
+                <a:spcPct val="100000"/>
+              </a:lnSpc>
+              <a:spcBef>
+                <a:spcPts val="0"/>
+              </a:spcBef>
+              <a:spcAft>
+                <a:spcPts val="0"/>
+              </a:spcAft>
+              <a:buClrTx/>
+              <a:buSzTx/>
+              <a:buFontTx/>
+              <a:buNone/>
+              <a:tabLst/>
+              <a:defRPr/>
+            </a:pPr>
+            <a:endParaRPr kumimoji="0" lang="zh-CN" altLang="en-US" sz="1800" b="0" i="0" u="none" strike="noStrike" kern="1200" cap="none" spc="0" normalizeH="0" baseline="0" noProof="0">
+              <a:ln>
+                <a:noFill/>
+              </a:ln>
+              <a:solidFill>
+                <a:prstClr val="white"/>
+              </a:solidFill>
+              <a:effectLst/>
+              <a:uLnTx/>
+              <a:uFillTx/>
+              <a:cs typeface="+mn-ea"/>
+              <a:sym typeface="+mn-lt"/>
+            </a:endParaRPr>
+          </a:p>
+        </p:txBody>
+      </p:sp>
+    </p:spTree>
+    <p:custDataLst>
+      <p:tags r:id="rId1"/>
+    </p:custDataLst>
+    <p:extLst>
+      <p:ext uri="{BB962C8B-B14F-4D97-AF65-F5344CB8AC3E}">
+        <p14:creationId xmlns:p14="http://schemas.microsoft.com/office/powerpoint/2010/main" val="2184022013"/>
+      </p:ext>
+    </p:extLst>
+  </p:cSld>
+  <p:clrMapOvr>
+    <a:masterClrMapping/>
+  </p:clrMapOvr>
+  <mc:AlternateContent xmlns:mc="http://schemas.openxmlformats.org/markup-compatibility/2006" xmlns:p14="http://schemas.microsoft.com/office/powerpoint/2010/main">
+    <mc:Choice Requires="p14">
+      <p:transition spd="slow" p14:dur="1500" advTm="3880">
+        <p:random/>
+      </p:transition>
+    </mc:Choice>
+    <mc:Fallback xmlns="" xmlns:a16="http://schemas.microsoft.com/office/drawing/2014/main">
+      <p:transition spd="slow" advTm="3880">
+        <p:random/>
+      </p:transition>
+    </mc:Fallback>
+  </mc:AlternateContent>
+  <p:timing>
+    <p:tnLst>
+      <p:par>
+        <p:cTn id="1" dur="indefinite" restart="never" nodeType="tmRoot">
+          <p:childTnLst>
+            <p:seq concurrent="1" nextAc="seek">
+              <p:cTn id="2" dur="indefinite" nodeType="mainSeq">
+                <p:childTnLst>
+                  <p:par>
+                    <p:cTn id="3" fill="hold">
+                      <p:stCondLst>
+                        <p:cond delay="indefinite"/>
+                      </p:stCondLst>
+                      <p:childTnLst>
+                        <p:par>
+                          <p:cTn id="4" fill="hold">
+                            <p:stCondLst>
+                              <p:cond delay="0"/>
+                            </p:stCondLst>
+                            <p:childTnLst>
+                              <p:par>
+                                <p:cTn id="5" presetID="42" presetClass="entr" presetSubtype="0" fill="hold" grpId="0" nodeType="clickEffect">
+                                  <p:stCondLst>
+                                    <p:cond delay="0"/>
+                                  </p:stCondLst>
+                                  <p:childTnLst>
+                                    <p:set>
+                                      <p:cBhvr>
+                                        <p:cTn id="6" dur="1" fill="hold">
+                                          <p:stCondLst>
+                                            <p:cond delay="0"/>
+                                          </p:stCondLst>
+                                        </p:cTn>
+                                        <p:tgtEl>
+                                          <p:spTgt spid="7"/>
+                                        </p:tgtEl>
+                                        <p:attrNameLst>
+                                          <p:attrName>style.visibility</p:attrName>
+                                        </p:attrNameLst>
+                                      </p:cBhvr>
+                                      <p:to>
+                                        <p:strVal val="visible"/>
+                                      </p:to>
+                                    </p:set>
+                                    <p:animEffect transition="in" filter="fade">
+                                      <p:cBhvr>
+                                        <p:cTn id="7" dur="1000"/>
+                                        <p:tgtEl>
+                                          <p:spTgt spid="7"/>
+                                        </p:tgtEl>
+                                      </p:cBhvr>
+                                    </p:animEffect>
+                                    <p:anim calcmode="lin" valueType="num">
+                                      <p:cBhvr>
+                                        <p:cTn id="8" dur="1000" fill="hold"/>
+                                        <p:tgtEl>
+                                          <p:spTgt spid="7"/>
+                                        </p:tgtEl>
+                                        <p:attrNameLst>
+                                          <p:attrName>ppt_x</p:attrName>
+                                        </p:attrNameLst>
+                                      </p:cBhvr>
+                                      <p:tavLst>
+                                        <p:tav tm="0">
+                                          <p:val>
+                                            <p:strVal val="#ppt_x"/>
+                                          </p:val>
+                                        </p:tav>
+                                        <p:tav tm="100000">
+                                          <p:val>
+                                            <p:strVal val="#ppt_x"/>
+                                          </p:val>
+                                        </p:tav>
+                                      </p:tavLst>
+                                    </p:anim>
+                                    <p:anim calcmode="lin" valueType="num">
+                                      <p:cBhvr>
+                                        <p:cTn id="9" dur="1000" fill="hold"/>
+                                        <p:tgtEl>
+                                          <p:spTgt spid="7"/>
+                                        </p:tgtEl>
+                                        <p:attrNameLst>
+                                          <p:attrName>ppt_y</p:attrName>
+                                        </p:attrNameLst>
+                                      </p:cBhvr>
+                                      <p:tavLst>
+                                        <p:tav tm="0">
+                                          <p:val>
+                                            <p:strVal val="#ppt_y+.1"/>
+                                          </p:val>
+                                        </p:tav>
+                                        <p:tav tm="100000">
+                                          <p:val>
+                                            <p:strVal val="#ppt_y"/>
+                                          </p:val>
+                                        </p:tav>
+                                      </p:tavLst>
+                                    </p:anim>
+                                  </p:childTnLst>
+                                </p:cTn>
+                              </p:par>
+                            </p:childTnLst>
+                          </p:cTn>
+                        </p:par>
+                      </p:childTnLst>
+                    </p:cTn>
+                  </p:par>
+                </p:childTnLst>
+              </p:cTn>
+              <p:prevCondLst>
+                <p:cond evt="onPrev" delay="0">
+                  <p:tgtEl>
+                    <p:sldTgt/>
+                  </p:tgtEl>
+                </p:cond>
+              </p:prevCondLst>
+              <p:nextCondLst>
+                <p:cond evt="onNext" delay="0">
+                  <p:tgtEl>
+                    <p:sldTgt/>
+                  </p:tgtEl>
+                </p:cond>
+              </p:nextCondLst>
+            </p:seq>
+          </p:childTnLst>
+        </p:cTn>
+      </p:par>
+    </p:tnLst>
+    <p:bldLst>
+      <p:bldP spid="7" grpId="0"/>
+    </p:bldLst>
+  </p:timing>
+</p:sld>
+</file>
+
 <file path=ppt/slides/slide2.xml><?xml version="1.0" encoding="utf-8"?>
 <p:sld xmlns:a="http://schemas.openxmlformats.org/drawingml/2006/main" xmlns:r="http://schemas.openxmlformats.org/officeDocument/2006/relationships" xmlns:p="http://schemas.openxmlformats.org/presentationml/2006/main">
   <p:cSld>
@@ -5779,7 +7316,7 @@
           <p:cNvPr id="7" name="组合 6">
             <a:extLst>
               <a:ext uri="{FF2B5EF4-FFF2-40B4-BE49-F238E27FC236}">
-                <a16:creationId xmlns:a16="http://schemas.microsoft.com/office/drawing/2014/main" xmlns="" id="{5016DF47-4C78-4917-983C-FFC43C3A22DB}"/>
+                <a16:creationId xmlns="" xmlns:a16="http://schemas.microsoft.com/office/drawing/2014/main" id="{5016DF47-4C78-4917-983C-FFC43C3A22DB}"/>
               </a:ext>
             </a:extLst>
           </p:cNvPr>
@@ -5799,7 +7336,7 @@
             <p:cNvPr id="4" name="文本框 3">
               <a:extLst>
                 <a:ext uri="{FF2B5EF4-FFF2-40B4-BE49-F238E27FC236}">
-                  <a16:creationId xmlns:a16="http://schemas.microsoft.com/office/drawing/2014/main" xmlns="" id="{09FE6907-8676-429A-9B5A-DC3FAFE110A8}"/>
+                  <a16:creationId xmlns="" xmlns:a16="http://schemas.microsoft.com/office/drawing/2014/main" id="{09FE6907-8676-429A-9B5A-DC3FAFE110A8}"/>
                 </a:ext>
               </a:extLst>
             </p:cNvPr>
@@ -5841,7 +7378,7 @@
             <p:cNvPr id="6" name="文本框 5">
               <a:extLst>
                 <a:ext uri="{FF2B5EF4-FFF2-40B4-BE49-F238E27FC236}">
-                  <a16:creationId xmlns:a16="http://schemas.microsoft.com/office/drawing/2014/main" xmlns="" id="{6123FD62-F930-464F-86A1-4D1030B58358}"/>
+                  <a16:creationId xmlns="" xmlns:a16="http://schemas.microsoft.com/office/drawing/2014/main" id="{6123FD62-F930-464F-86A1-4D1030B58358}"/>
                 </a:ext>
               </a:extLst>
             </p:cNvPr>
@@ -5898,7 +7435,7 @@
           <p:cNvPr id="8" name="文本框 7">
             <a:extLst>
               <a:ext uri="{FF2B5EF4-FFF2-40B4-BE49-F238E27FC236}">
-                <a16:creationId xmlns:a16="http://schemas.microsoft.com/office/drawing/2014/main" xmlns="" id="{61D68AC2-6217-4618-9FF2-2840E7AAD8C2}"/>
+                <a16:creationId xmlns="" xmlns:a16="http://schemas.microsoft.com/office/drawing/2014/main" id="{61D68AC2-6217-4618-9FF2-2840E7AAD8C2}"/>
               </a:ext>
             </a:extLst>
           </p:cNvPr>
@@ -5908,7 +7445,7 @@
         <p:spPr>
           <a:xfrm>
             <a:off x="213983" y="2681640"/>
-            <a:ext cx="6480116" cy="400110"/>
+            <a:ext cx="6480116" cy="1323439"/>
           </a:xfrm>
           <a:prstGeom prst="rect">
             <a:avLst/>
@@ -5953,7 +7490,50 @@
               </a:rPr>
               <a:t>)</a:t>
             </a:r>
+          </a:p>
+          <a:p>
+            <a:pPr marL="342900" indent="-342900">
+              <a:buFont typeface="Wingdings" panose="05000000000000000000" pitchFamily="2" charset="2"/>
+              <a:buChar char="l"/>
+            </a:pPr>
+            <a:endParaRPr lang="en-US" altLang="zh-TW" sz="2000" spc="400" dirty="0">
+              <a:cs typeface="+mn-ea"/>
+              <a:sym typeface="+mn-lt"/>
+            </a:endParaRPr>
+          </a:p>
+          <a:p>
+            <a:pPr marL="342900" indent="-342900">
+              <a:buFont typeface="Wingdings" panose="05000000000000000000" pitchFamily="2" charset="2"/>
+              <a:buChar char="l"/>
+            </a:pPr>
+            <a:r>
+              <a:rPr lang="zh-TW" altLang="en-US" sz="2000" spc="400" dirty="0" smtClean="0">
+                <a:cs typeface="+mn-ea"/>
+                <a:sym typeface="+mn-lt"/>
+              </a:rPr>
+              <a:t>建立</a:t>
+            </a:r>
+            <a:r>
+              <a:rPr lang="zh-TW" altLang="en-US" sz="2000" spc="400" dirty="0">
+                <a:cs typeface="+mn-ea"/>
+                <a:sym typeface="+mn-lt"/>
+              </a:rPr>
+              <a:t>資料</a:t>
+            </a:r>
+            <a:r>
+              <a:rPr lang="zh-TW" altLang="en-US" sz="2000" spc="400" dirty="0" smtClean="0">
+                <a:cs typeface="+mn-ea"/>
+                <a:sym typeface="+mn-lt"/>
+              </a:rPr>
+              <a:t>表</a:t>
+            </a:r>
             <a:endParaRPr lang="en-US" altLang="zh-TW" sz="2000" spc="400" dirty="0" smtClean="0">
+              <a:cs typeface="+mn-ea"/>
+              <a:sym typeface="+mn-lt"/>
+            </a:endParaRPr>
+          </a:p>
+          <a:p>
+            <a:endParaRPr lang="en-US" altLang="zh-TW" sz="2000" spc="400" dirty="0">
               <a:cs typeface="+mn-ea"/>
               <a:sym typeface="+mn-lt"/>
             </a:endParaRPr>
@@ -6009,7 +7589,7 @@
         <p:random/>
       </p:transition>
     </mc:Choice>
-    <mc:Fallback xmlns:a14="http://schemas.microsoft.com/office/drawing/2010/main" xmlns:a16="http://schemas.microsoft.com/office/drawing/2014/main" xmlns="">
+    <mc:Fallback xmlns="" xmlns:a16="http://schemas.microsoft.com/office/drawing/2014/main" xmlns:a14="http://schemas.microsoft.com/office/drawing/2010/main">
       <p:transition spd="slow" advTm="4024">
         <p:random/>
       </p:transition>
@@ -6179,7 +7759,7 @@
           <p:cNvPr id="2" name="矩形 1">
             <a:extLst>
               <a:ext uri="{FF2B5EF4-FFF2-40B4-BE49-F238E27FC236}">
-                <a16:creationId xmlns:a16="http://schemas.microsoft.com/office/drawing/2014/main" xmlns="" id="{6130B33B-FCB5-4AFA-8175-BA08126D80E1}"/>
+                <a16:creationId xmlns="" xmlns:a16="http://schemas.microsoft.com/office/drawing/2014/main" id="{6130B33B-FCB5-4AFA-8175-BA08126D80E1}"/>
               </a:ext>
             </a:extLst>
           </p:cNvPr>
@@ -6237,7 +7817,7 @@
           <p:cNvPr id="3" name="组合 2">
             <a:extLst>
               <a:ext uri="{FF2B5EF4-FFF2-40B4-BE49-F238E27FC236}">
-                <a16:creationId xmlns:a16="http://schemas.microsoft.com/office/drawing/2014/main" xmlns="" id="{CF3B8F59-C87E-48F7-911B-3FCC3B1922F9}"/>
+                <a16:creationId xmlns="" xmlns:a16="http://schemas.microsoft.com/office/drawing/2014/main" id="{CF3B8F59-C87E-48F7-911B-3FCC3B1922F9}"/>
               </a:ext>
             </a:extLst>
           </p:cNvPr>
@@ -6257,7 +7837,7 @@
             <p:cNvPr id="4" name="文本框 3">
               <a:extLst>
                 <a:ext uri="{FF2B5EF4-FFF2-40B4-BE49-F238E27FC236}">
-                  <a16:creationId xmlns:a16="http://schemas.microsoft.com/office/drawing/2014/main" xmlns="" id="{F069F7C5-7C6B-4416-BA43-7E9FF2B95F70}"/>
+                  <a16:creationId xmlns="" xmlns:a16="http://schemas.microsoft.com/office/drawing/2014/main" id="{F069F7C5-7C6B-4416-BA43-7E9FF2B95F70}"/>
                 </a:ext>
               </a:extLst>
             </p:cNvPr>
@@ -6299,7 +7879,7 @@
             <p:cNvPr id="5" name="文本框 4">
               <a:extLst>
                 <a:ext uri="{FF2B5EF4-FFF2-40B4-BE49-F238E27FC236}">
-                  <a16:creationId xmlns:a16="http://schemas.microsoft.com/office/drawing/2014/main" xmlns="" id="{E7404F6D-3A40-4203-8F0A-6169C74FB4CA}"/>
+                  <a16:creationId xmlns="" xmlns:a16="http://schemas.microsoft.com/office/drawing/2014/main" id="{E7404F6D-3A40-4203-8F0A-6169C74FB4CA}"/>
                 </a:ext>
               </a:extLst>
             </p:cNvPr>
@@ -6535,7 +8115,7 @@
     </p:custDataLst>
     <p:extLst>
       <p:ext uri="{BB962C8B-B14F-4D97-AF65-F5344CB8AC3E}">
-        <p14:creationId xmlns:p14="http://schemas.microsoft.com/office/powerpoint/2010/main" val="1417835446"/>
+        <p14:creationId xmlns:p14="http://schemas.microsoft.com/office/powerpoint/2010/main" val="2017283704"/>
       </p:ext>
     </p:extLst>
   </p:cSld>
@@ -6548,7 +8128,7 @@
         <p:random/>
       </p:transition>
     </mc:Choice>
-    <mc:Fallback xmlns:a14="http://schemas.microsoft.com/office/drawing/2010/main" xmlns:a16="http://schemas.microsoft.com/office/drawing/2014/main" xmlns="">
+    <mc:Fallback xmlns="" xmlns:a16="http://schemas.microsoft.com/office/drawing/2014/main" xmlns:a14="http://schemas.microsoft.com/office/drawing/2010/main">
       <p:transition spd="slow" advTm="3414">
         <p:random/>
       </p:transition>
@@ -6718,7 +8298,7 @@
           <p:cNvPr id="2" name="矩形 1">
             <a:extLst>
               <a:ext uri="{FF2B5EF4-FFF2-40B4-BE49-F238E27FC236}">
-                <a16:creationId xmlns:a16="http://schemas.microsoft.com/office/drawing/2014/main" xmlns="" id="{6130B33B-FCB5-4AFA-8175-BA08126D80E1}"/>
+                <a16:creationId xmlns="" xmlns:a16="http://schemas.microsoft.com/office/drawing/2014/main" id="{6130B33B-FCB5-4AFA-8175-BA08126D80E1}"/>
               </a:ext>
             </a:extLst>
           </p:cNvPr>
@@ -6727,7 +8307,7 @@
         </p:nvSpPr>
         <p:spPr>
           <a:xfrm>
-            <a:off x="5029196" y="265030"/>
+            <a:off x="5029198" y="493630"/>
             <a:ext cx="2133600" cy="228600"/>
           </a:xfrm>
           <a:prstGeom prst="rect">
@@ -6776,7 +8356,7 @@
           <p:cNvPr id="3" name="组合 2">
             <a:extLst>
               <a:ext uri="{FF2B5EF4-FFF2-40B4-BE49-F238E27FC236}">
-                <a16:creationId xmlns:a16="http://schemas.microsoft.com/office/drawing/2014/main" xmlns="" id="{CF3B8F59-C87E-48F7-911B-3FCC3B1922F9}"/>
+                <a16:creationId xmlns="" xmlns:a16="http://schemas.microsoft.com/office/drawing/2014/main" id="{CF3B8F59-C87E-48F7-911B-3FCC3B1922F9}"/>
               </a:ext>
             </a:extLst>
           </p:cNvPr>
@@ -6785,10 +8365,10 @@
         </p:nvGrpSpPr>
         <p:grpSpPr>
           <a:xfrm>
-            <a:off x="3174997" y="559000"/>
-            <a:ext cx="5841999" cy="976561"/>
-            <a:chOff x="736600" y="1991896"/>
-            <a:chExt cx="3515773" cy="1083521"/>
+            <a:off x="2809268" y="787600"/>
+            <a:ext cx="6621587" cy="976561"/>
+            <a:chOff x="689762" y="1991896"/>
+            <a:chExt cx="3458623" cy="1083521"/>
           </a:xfrm>
         </p:grpSpPr>
         <p:sp>
@@ -6796,7 +8376,7 @@
             <p:cNvPr id="4" name="文本框 3">
               <a:extLst>
                 <a:ext uri="{FF2B5EF4-FFF2-40B4-BE49-F238E27FC236}">
-                  <a16:creationId xmlns:a16="http://schemas.microsoft.com/office/drawing/2014/main" xmlns="" id="{F069F7C5-7C6B-4416-BA43-7E9FF2B95F70}"/>
+                  <a16:creationId xmlns="" xmlns:a16="http://schemas.microsoft.com/office/drawing/2014/main" id="{F069F7C5-7C6B-4416-BA43-7E9FF2B95F70}"/>
                 </a:ext>
               </a:extLst>
             </p:cNvPr>
@@ -6805,8 +8385,8 @@
           </p:nvSpPr>
           <p:spPr>
             <a:xfrm>
-              <a:off x="736600" y="1991896"/>
-              <a:ext cx="3515773" cy="785419"/>
+              <a:off x="1673130" y="1991896"/>
+              <a:ext cx="2317086" cy="785419"/>
             </a:xfrm>
             <a:prstGeom prst="rect">
               <a:avLst/>
@@ -6819,15 +8399,14 @@
             </a:bodyPr>
             <a:lstStyle/>
             <a:p>
-              <a:pPr algn="ctr"/>
               <a:r>
-                <a:rPr lang="zh-TW" altLang="en-US" sz="4000" dirty="0" smtClean="0">
+                <a:rPr lang="zh-TW" altLang="en-US" sz="4000" spc="400" dirty="0" smtClean="0">
                   <a:cs typeface="+mn-ea"/>
                   <a:sym typeface="+mn-lt"/>
                 </a:rPr>
-                <a:t>明日預期規劃</a:t>
+                <a:t>資料庫表格</a:t>
               </a:r>
-              <a:endParaRPr lang="zh-CN" altLang="en-US" sz="4000" dirty="0">
+              <a:endParaRPr lang="en-US" altLang="zh-TW" sz="4000" spc="400" dirty="0">
                 <a:cs typeface="+mn-ea"/>
                 <a:sym typeface="+mn-lt"/>
               </a:endParaRPr>
@@ -6839,7 +8418,7 @@
             <p:cNvPr id="5" name="文本框 4">
               <a:extLst>
                 <a:ext uri="{FF2B5EF4-FFF2-40B4-BE49-F238E27FC236}">
-                  <a16:creationId xmlns:a16="http://schemas.microsoft.com/office/drawing/2014/main" xmlns="" id="{E7404F6D-3A40-4203-8F0A-6169C74FB4CA}"/>
+                  <a16:creationId xmlns="" xmlns:a16="http://schemas.microsoft.com/office/drawing/2014/main" id="{E7404F6D-3A40-4203-8F0A-6169C74FB4CA}"/>
                 </a:ext>
               </a:extLst>
             </p:cNvPr>
@@ -6848,7 +8427,7 @@
           </p:nvSpPr>
           <p:spPr>
             <a:xfrm>
-              <a:off x="793749" y="2699782"/>
+              <a:off x="689762" y="2699782"/>
               <a:ext cx="3458623" cy="375635"/>
             </a:xfrm>
             <a:prstGeom prst="rect">
@@ -6875,7 +8454,7 @@
                   <a:cs typeface="+mn-ea"/>
                   <a:sym typeface="+mn-lt"/>
                 </a:rPr>
-                <a:t>planning</a:t>
+                <a:t>designing</a:t>
               </a:r>
               <a:endParaRPr lang="zh-CN" altLang="en-US" sz="1600" dirty="0">
                 <a:cs typeface="+mn-ea"/>
@@ -6885,16 +8464,70 @@
           </p:txBody>
         </p:sp>
       </p:grpSp>
-      <p:sp>
-        <p:nvSpPr>
-          <p:cNvPr id="8" name="文字方塊 7"/>
+      <p:pic>
+        <p:nvPicPr>
+          <p:cNvPr id="6" name="Picture 2"/>
+          <p:cNvPicPr>
+            <a:picLocks noChangeAspect="1" noChangeArrowheads="1"/>
+          </p:cNvPicPr>
+          <p:nvPr/>
+        </p:nvPicPr>
+        <p:blipFill>
+          <a:blip r:embed="rId4">
+            <a:extLst>
+              <a:ext uri="{28A0092B-C50C-407E-A947-70E740481C1C}">
+                <a14:useLocalDpi xmlns:a14="http://schemas.microsoft.com/office/drawing/2010/main" val="0"/>
+              </a:ext>
+            </a:extLst>
+          </a:blip>
+          <a:srcRect/>
+          <a:stretch>
+            <a:fillRect/>
+          </a:stretch>
+        </p:blipFill>
+        <p:spPr bwMode="auto">
+          <a:xfrm>
+            <a:off x="5378554" y="2195824"/>
+            <a:ext cx="6269363" cy="3822918"/>
+          </a:xfrm>
+          <a:prstGeom prst="rect">
+            <a:avLst/>
+          </a:prstGeom>
+          <a:noFill/>
+          <a:ln>
+            <a:noFill/>
+          </a:ln>
+          <a:extLst>
+            <a:ext uri="{909E8E84-426E-40DD-AFC4-6F175D3DCCD1}">
+              <a14:hiddenFill xmlns:a14="http://schemas.microsoft.com/office/drawing/2010/main">
+                <a:solidFill>
+                  <a:schemeClr val="accent1"/>
+                </a:solidFill>
+              </a14:hiddenFill>
+            </a:ext>
+            <a:ext uri="{91240B29-F687-4F45-9708-019B960494DF}">
+              <a14:hiddenLine xmlns:a14="http://schemas.microsoft.com/office/drawing/2010/main" w="9525">
+                <a:solidFill>
+                  <a:schemeClr val="tx1"/>
+                </a:solidFill>
+                <a:miter lim="800000"/>
+                <a:headEnd/>
+                <a:tailEnd/>
+              </a14:hiddenLine>
+            </a:ext>
+          </a:extLst>
+        </p:spPr>
+      </p:pic>
+      <p:sp>
+        <p:nvSpPr>
+          <p:cNvPr id="11" name="文字方塊 10"/>
           <p:cNvSpPr txBox="1"/>
           <p:nvPr/>
         </p:nvSpPr>
         <p:spPr>
           <a:xfrm>
-            <a:off x="3344496" y="3267866"/>
-            <a:ext cx="6545462" cy="523220"/>
+            <a:off x="1467578" y="1733522"/>
+            <a:ext cx="2683379" cy="923330"/>
           </a:xfrm>
           <a:prstGeom prst="rect">
             <a:avLst/>
@@ -6907,18 +8540,57 @@
           </a:bodyPr>
           <a:lstStyle/>
           <a:p>
-            <a:pPr marL="285750" indent="-285750">
-              <a:buFont typeface="Wingdings" panose="05000000000000000000" pitchFamily="2" charset="2"/>
-              <a:buChar char="l"/>
-            </a:pPr>
-            <a:endParaRPr lang="en-US" altLang="zh-TW" sz="2800" dirty="0" smtClean="0"/>
-          </a:p>
-        </p:txBody>
-      </p:sp>
+            <a:r>
+              <a:rPr lang="zh-TW" altLang="en-US" dirty="0" smtClean="0"/>
+              <a:t>這張表格紀錄以下內容</a:t>
+            </a:r>
+            <a:endParaRPr lang="en-US" altLang="zh-TW" dirty="0" smtClean="0"/>
+          </a:p>
+          <a:p>
+            <a:endParaRPr lang="en-US" altLang="zh-TW" dirty="0"/>
+          </a:p>
+          <a:p>
+            <a:endParaRPr lang="zh-TW" altLang="en-US" dirty="0"/>
+          </a:p>
+        </p:txBody>
+      </p:sp>
+      <p:pic>
+        <p:nvPicPr>
+          <p:cNvPr id="12" name="圖片 11"/>
+          <p:cNvPicPr>
+            <a:picLocks noChangeAspect="1"/>
+          </p:cNvPicPr>
+          <p:nvPr/>
+        </p:nvPicPr>
+        <p:blipFill>
+          <a:blip r:embed="rId5" cstate="print">
+            <a:extLst>
+              <a:ext uri="{28A0092B-C50C-407E-A947-70E740481C1C}">
+                <a14:useLocalDpi xmlns:a14="http://schemas.microsoft.com/office/drawing/2010/main" val="0"/>
+              </a:ext>
+            </a:extLst>
+          </a:blip>
+          <a:stretch>
+            <a:fillRect/>
+          </a:stretch>
+        </p:blipFill>
+        <p:spPr>
+          <a:xfrm rot="16200000">
+            <a:off x="1181686" y="1672877"/>
+            <a:ext cx="3132033" cy="4177928"/>
+          </a:xfrm>
+          <a:prstGeom prst="rect">
+            <a:avLst/>
+          </a:prstGeom>
+        </p:spPr>
+      </p:pic>
     </p:spTree>
+    <p:custDataLst>
+      <p:tags r:id="rId1"/>
+    </p:custDataLst>
     <p:extLst>
       <p:ext uri="{BB962C8B-B14F-4D97-AF65-F5344CB8AC3E}">
-        <p14:creationId xmlns:p14="http://schemas.microsoft.com/office/powerpoint/2010/main" val="3085877011"/>
+        <p14:creationId xmlns:p14="http://schemas.microsoft.com/office/powerpoint/2010/main" val="2351596387"/>
       </p:ext>
     </p:extLst>
   </p:cSld>
@@ -6927,12 +8599,12 @@
   </p:clrMapOvr>
   <mc:AlternateContent xmlns:mc="http://schemas.openxmlformats.org/markup-compatibility/2006" xmlns:p14="http://schemas.microsoft.com/office/powerpoint/2010/main">
     <mc:Choice Requires="p14">
-      <p:transition spd="slow" p14:dur="1500">
+      <p:transition spd="slow" p14:dur="1500" advTm="3414">
         <p:random/>
       </p:transition>
     </mc:Choice>
-    <mc:Fallback xmlns="">
-      <p:transition spd="slow">
+    <mc:Fallback xmlns="" xmlns:a16="http://schemas.microsoft.com/office/drawing/2014/main" xmlns:a14="http://schemas.microsoft.com/office/drawing/2010/main">
+      <p:transition spd="slow" advTm="3414">
         <p:random/>
       </p:transition>
     </mc:Fallback>
@@ -7098,10 +8770,10 @@
       </p:grpSpPr>
       <p:sp>
         <p:nvSpPr>
-          <p:cNvPr id="18" name="矩形: 圆角 17">
+          <p:cNvPr id="2" name="矩形 1">
             <a:extLst>
               <a:ext uri="{FF2B5EF4-FFF2-40B4-BE49-F238E27FC236}">
-                <a16:creationId xmlns:a16="http://schemas.microsoft.com/office/drawing/2014/main" xmlns="" id="{822EAB1A-0613-4B84-B43A-020769A84C2F}"/>
+                <a16:creationId xmlns="" xmlns:a16="http://schemas.microsoft.com/office/drawing/2014/main" id="{6130B33B-FCB5-4AFA-8175-BA08126D80E1}"/>
               </a:ext>
             </a:extLst>
           </p:cNvPr>
@@ -7109,30 +8781,22 @@
           <p:nvPr/>
         </p:nvSpPr>
         <p:spPr>
-          <a:xfrm rot="2684577">
-            <a:off x="1698063" y="-917755"/>
-            <a:ext cx="8693513" cy="8693513"/>
+          <a:xfrm>
+            <a:off x="5029198" y="493630"/>
+            <a:ext cx="2133600" cy="228600"/>
           </a:xfrm>
-          <a:prstGeom prst="roundRect">
-            <a:avLst>
-              <a:gd name="adj" fmla="val 13360"/>
-            </a:avLst>
+          <a:prstGeom prst="rect">
+            <a:avLst/>
           </a:prstGeom>
           <a:solidFill>
-            <a:schemeClr val="bg1"/>
+            <a:schemeClr val="tx1">
+              <a:lumMod val="75000"/>
+              <a:lumOff val="25000"/>
+            </a:schemeClr>
           </a:solidFill>
           <a:ln>
             <a:noFill/>
           </a:ln>
-          <a:effectLst>
-            <a:outerShdw blurRad="546100" sx="101000" sy="101000" algn="ctr" rotWithShape="0">
-              <a:schemeClr val="tx1">
-                <a:lumMod val="65000"/>
-                <a:lumOff val="35000"/>
-                <a:alpha val="19000"/>
-              </a:schemeClr>
-            </a:outerShdw>
-          </a:effectLst>
         </p:spPr>
         <p:style>
           <a:lnRef idx="2">
@@ -7154,146 +8818,137 @@
           <a:bodyPr rtlCol="0" anchor="ctr"/>
           <a:lstStyle/>
           <a:p>
-            <a:pPr marL="0" marR="0" lvl="0" indent="0" algn="ctr" defTabSz="914400" rtl="0" eaLnBrk="1" fontAlgn="auto" latinLnBrk="0" hangingPunct="1">
-              <a:lnSpc>
-                <a:spcPct val="100000"/>
-              </a:lnSpc>
-              <a:spcBef>
-                <a:spcPts val="0"/>
-              </a:spcBef>
-              <a:spcAft>
-                <a:spcPts val="0"/>
-              </a:spcAft>
-              <a:buClrTx/>
-              <a:buSzTx/>
-              <a:buFontTx/>
-              <a:buNone/>
-              <a:tabLst/>
-              <a:defRPr/>
-            </a:pPr>
-            <a:endParaRPr kumimoji="0" lang="zh-CN" altLang="en-US" sz="1800" b="0" i="0" u="none" strike="noStrike" kern="1200" cap="none" spc="0" normalizeH="0" baseline="0" noProof="0">
-              <a:ln>
-                <a:noFill/>
-              </a:ln>
-              <a:solidFill>
-                <a:prstClr val="white"/>
-              </a:solidFill>
-              <a:effectLst/>
-              <a:uLnTx/>
-              <a:uFillTx/>
+            <a:pPr algn="ctr"/>
+            <a:endParaRPr lang="zh-CN" altLang="en-US">
               <a:cs typeface="+mn-ea"/>
               <a:sym typeface="+mn-lt"/>
             </a:endParaRPr>
           </a:p>
         </p:txBody>
       </p:sp>
-      <p:sp>
-        <p:nvSpPr>
-          <p:cNvPr id="4" name="矩形: 圆角 3">
+      <p:grpSp>
+        <p:nvGrpSpPr>
+          <p:cNvPr id="3" name="组合 2">
             <a:extLst>
               <a:ext uri="{FF2B5EF4-FFF2-40B4-BE49-F238E27FC236}">
-                <a16:creationId xmlns:a16="http://schemas.microsoft.com/office/drawing/2014/main" xmlns="" id="{CFAF4C25-9AB4-4329-B21C-0F7CB88F0784}"/>
+                <a16:creationId xmlns="" xmlns:a16="http://schemas.microsoft.com/office/drawing/2014/main" id="{CF3B8F59-C87E-48F7-911B-3FCC3B1922F9}"/>
               </a:ext>
             </a:extLst>
           </p:cNvPr>
-          <p:cNvSpPr/>
+          <p:cNvGrpSpPr/>
           <p:nvPr/>
-        </p:nvSpPr>
-        <p:spPr>
-          <a:xfrm rot="2684577">
-            <a:off x="2627892" y="-39108"/>
-            <a:ext cx="6936217" cy="6936217"/>
+        </p:nvGrpSpPr>
+        <p:grpSpPr>
+          <a:xfrm>
+            <a:off x="2809268" y="787600"/>
+            <a:ext cx="6621587" cy="976561"/>
+            <a:chOff x="689762" y="1991896"/>
+            <a:chExt cx="3458623" cy="1083521"/>
           </a:xfrm>
-          <a:prstGeom prst="roundRect">
-            <a:avLst>
-              <a:gd name="adj" fmla="val 13360"/>
-            </a:avLst>
-          </a:prstGeom>
-          <a:solidFill>
-            <a:schemeClr val="bg1"/>
-          </a:solidFill>
-          <a:ln>
+        </p:grpSpPr>
+        <p:sp>
+          <p:nvSpPr>
+            <p:cNvPr id="4" name="文本框 3">
+              <a:extLst>
+                <a:ext uri="{FF2B5EF4-FFF2-40B4-BE49-F238E27FC236}">
+                  <a16:creationId xmlns="" xmlns:a16="http://schemas.microsoft.com/office/drawing/2014/main" id="{F069F7C5-7C6B-4416-BA43-7E9FF2B95F70}"/>
+                </a:ext>
+              </a:extLst>
+            </p:cNvPr>
+            <p:cNvSpPr txBox="1"/>
+            <p:nvPr/>
+          </p:nvSpPr>
+          <p:spPr>
+            <a:xfrm>
+              <a:off x="1673130" y="1991896"/>
+              <a:ext cx="2317086" cy="785419"/>
+            </a:xfrm>
+            <a:prstGeom prst="rect">
+              <a:avLst/>
+            </a:prstGeom>
             <a:noFill/>
-          </a:ln>
-          <a:effectLst>
-            <a:outerShdw blurRad="546100" sx="101000" sy="101000" algn="ctr" rotWithShape="0">
-              <a:schemeClr val="tx1">
-                <a:lumMod val="65000"/>
-                <a:lumOff val="35000"/>
-                <a:alpha val="19000"/>
-              </a:schemeClr>
-            </a:outerShdw>
-          </a:effectLst>
-        </p:spPr>
-        <p:style>
-          <a:lnRef idx="2">
-            <a:schemeClr val="accent1">
-              <a:shade val="50000"/>
-            </a:schemeClr>
-          </a:lnRef>
-          <a:fillRef idx="1">
-            <a:schemeClr val="accent1"/>
-          </a:fillRef>
-          <a:effectRef idx="0">
-            <a:schemeClr val="accent1"/>
-          </a:effectRef>
-          <a:fontRef idx="minor">
-            <a:schemeClr val="lt1"/>
-          </a:fontRef>
-        </p:style>
-        <p:txBody>
-          <a:bodyPr rtlCol="0" anchor="ctr"/>
-          <a:lstStyle/>
-          <a:p>
-            <a:pPr marL="0" marR="0" lvl="0" indent="0" algn="ctr" defTabSz="914400" rtl="0" eaLnBrk="1" fontAlgn="auto" latinLnBrk="0" hangingPunct="1">
-              <a:lnSpc>
-                <a:spcPct val="100000"/>
-              </a:lnSpc>
-              <a:spcBef>
-                <a:spcPts val="0"/>
-              </a:spcBef>
-              <a:spcAft>
-                <a:spcPts val="0"/>
-              </a:spcAft>
-              <a:buClrTx/>
-              <a:buSzTx/>
-              <a:buFontTx/>
-              <a:buNone/>
-              <a:tabLst/>
-              <a:defRPr/>
-            </a:pPr>
-            <a:endParaRPr kumimoji="0" lang="zh-CN" altLang="en-US" sz="1800" b="0" i="0" u="none" strike="noStrike" kern="1200" cap="none" spc="0" normalizeH="0" baseline="0" noProof="0">
-              <a:ln>
-                <a:noFill/>
-              </a:ln>
-              <a:solidFill>
-                <a:prstClr val="white"/>
-              </a:solidFill>
-              <a:effectLst/>
-              <a:uLnTx/>
-              <a:uFillTx/>
-              <a:cs typeface="+mn-ea"/>
-              <a:sym typeface="+mn-lt"/>
-            </a:endParaRPr>
-          </a:p>
-        </p:txBody>
-      </p:sp>
-      <p:sp>
-        <p:nvSpPr>
-          <p:cNvPr id="7" name="文本框 6">
-            <a:extLst>
-              <a:ext uri="{FF2B5EF4-FFF2-40B4-BE49-F238E27FC236}">
-                <a16:creationId xmlns:a16="http://schemas.microsoft.com/office/drawing/2014/main" xmlns="" id="{D2947702-0219-4F74-958A-0A5A704ECCC4}"/>
-              </a:ext>
-            </a:extLst>
-          </p:cNvPr>
+          </p:spPr>
+          <p:txBody>
+            <a:bodyPr wrap="square" rtlCol="0">
+              <a:spAutoFit/>
+            </a:bodyPr>
+            <a:lstStyle/>
+            <a:p>
+              <a:r>
+                <a:rPr lang="zh-TW" altLang="en-US" sz="4000" spc="400" dirty="0" smtClean="0">
+                  <a:cs typeface="+mn-ea"/>
+                  <a:sym typeface="+mn-lt"/>
+                </a:rPr>
+                <a:t>資料庫表格</a:t>
+              </a:r>
+              <a:endParaRPr lang="en-US" altLang="zh-TW" sz="4000" spc="400" dirty="0">
+                <a:cs typeface="+mn-ea"/>
+                <a:sym typeface="+mn-lt"/>
+              </a:endParaRPr>
+            </a:p>
+          </p:txBody>
+        </p:sp>
+        <p:sp>
+          <p:nvSpPr>
+            <p:cNvPr id="5" name="文本框 4">
+              <a:extLst>
+                <a:ext uri="{FF2B5EF4-FFF2-40B4-BE49-F238E27FC236}">
+                  <a16:creationId xmlns="" xmlns:a16="http://schemas.microsoft.com/office/drawing/2014/main" id="{E7404F6D-3A40-4203-8F0A-6169C74FB4CA}"/>
+                </a:ext>
+              </a:extLst>
+            </p:cNvPr>
+            <p:cNvSpPr txBox="1"/>
+            <p:nvPr/>
+          </p:nvSpPr>
+          <p:spPr>
+            <a:xfrm>
+              <a:off x="689762" y="2699782"/>
+              <a:ext cx="3458623" cy="375635"/>
+            </a:xfrm>
+            <a:prstGeom prst="rect">
+              <a:avLst/>
+            </a:prstGeom>
+            <a:noFill/>
+          </p:spPr>
+          <p:txBody>
+            <a:bodyPr wrap="square">
+              <a:spAutoFit/>
+            </a:bodyPr>
+            <a:lstStyle/>
+            <a:p>
+              <a:pPr algn="ctr"/>
+              <a:r>
+                <a:rPr lang="en-US" altLang="zh-TW" sz="1600" dirty="0">
+                  <a:cs typeface="+mn-ea"/>
+                  <a:sym typeface="+mn-lt"/>
+                </a:rPr>
+                <a:t>Project </a:t>
+              </a:r>
+              <a:r>
+                <a:rPr lang="en-US" altLang="zh-TW" sz="1600" dirty="0" smtClean="0">
+                  <a:cs typeface="+mn-ea"/>
+                  <a:sym typeface="+mn-lt"/>
+                </a:rPr>
+                <a:t>designing</a:t>
+              </a:r>
+              <a:endParaRPr lang="zh-CN" altLang="en-US" sz="1600" dirty="0">
+                <a:cs typeface="+mn-ea"/>
+                <a:sym typeface="+mn-lt"/>
+              </a:endParaRPr>
+            </a:p>
+          </p:txBody>
+        </p:sp>
+      </p:grpSp>
+      <p:sp>
+        <p:nvSpPr>
+          <p:cNvPr id="11" name="文字方塊 10"/>
           <p:cNvSpPr txBox="1"/>
           <p:nvPr/>
         </p:nvSpPr>
         <p:spPr>
           <a:xfrm>
-            <a:off x="2730500" y="2967335"/>
-            <a:ext cx="6781800" cy="923330"/>
+            <a:off x="4754306" y="1997813"/>
+            <a:ext cx="2683379" cy="923330"/>
           </a:xfrm>
           <a:prstGeom prst="rect">
             <a:avLst/>
@@ -7306,236 +8961,135 @@
           </a:bodyPr>
           <a:lstStyle/>
           <a:p>
-            <a:pPr marL="0" marR="0" lvl="0" indent="0" algn="ctr" defTabSz="914400" rtl="0" eaLnBrk="1" fontAlgn="auto" latinLnBrk="0" hangingPunct="1">
-              <a:lnSpc>
-                <a:spcPct val="100000"/>
-              </a:lnSpc>
-              <a:spcBef>
-                <a:spcPts val="0"/>
-              </a:spcBef>
-              <a:spcAft>
-                <a:spcPts val="0"/>
-              </a:spcAft>
-              <a:buClrTx/>
-              <a:buSzTx/>
-              <a:buFontTx/>
-              <a:buNone/>
-              <a:tabLst/>
-              <a:defRPr/>
-            </a:pPr>
             <a:r>
-              <a:rPr lang="zh-TW" altLang="en-US" sz="5400" spc="1000" dirty="0" smtClean="0">
-                <a:solidFill>
-                  <a:prstClr val="black">
-                    <a:lumMod val="85000"/>
-                    <a:lumOff val="15000"/>
-                  </a:prstClr>
-                </a:solidFill>
-                <a:cs typeface="+mn-ea"/>
-                <a:sym typeface="+mn-lt"/>
-              </a:rPr>
-              <a:t>謝謝觀看</a:t>
+              <a:rPr lang="zh-TW" altLang="en-US" dirty="0" smtClean="0"/>
+              <a:t>這張表格紀錄以下內容</a:t>
             </a:r>
-            <a:endParaRPr kumimoji="0" lang="zh-CN" altLang="en-US" sz="5400" b="0" i="0" u="none" strike="noStrike" kern="1200" cap="none" spc="1000" normalizeH="0" baseline="0" noProof="0" dirty="0">
-              <a:ln>
-                <a:noFill/>
-              </a:ln>
-              <a:solidFill>
-                <a:prstClr val="black">
-                  <a:lumMod val="85000"/>
-                  <a:lumOff val="15000"/>
-                </a:prstClr>
-              </a:solidFill>
-              <a:effectLst/>
-              <a:uLnTx/>
-              <a:uFillTx/>
-              <a:cs typeface="+mn-ea"/>
-              <a:sym typeface="+mn-lt"/>
-            </a:endParaRPr>
-          </a:p>
-        </p:txBody>
-      </p:sp>
-      <p:sp>
-        <p:nvSpPr>
-          <p:cNvPr id="8" name="椭圆 7">
+            <a:endParaRPr lang="en-US" altLang="zh-TW" dirty="0" smtClean="0"/>
+          </a:p>
+          <a:p>
+            <a:endParaRPr lang="en-US" altLang="zh-TW" dirty="0"/>
+          </a:p>
+          <a:p>
+            <a:endParaRPr lang="zh-TW" altLang="en-US" dirty="0"/>
+          </a:p>
+        </p:txBody>
+      </p:sp>
+      <p:pic>
+        <p:nvPicPr>
+          <p:cNvPr id="2050" name="Picture 2"/>
+          <p:cNvPicPr>
+            <a:picLocks noChangeAspect="1" noChangeArrowheads="1"/>
+          </p:cNvPicPr>
+          <p:nvPr/>
+        </p:nvPicPr>
+        <p:blipFill>
+          <a:blip r:embed="rId4">
             <a:extLst>
-              <a:ext uri="{FF2B5EF4-FFF2-40B4-BE49-F238E27FC236}">
-                <a16:creationId xmlns:a16="http://schemas.microsoft.com/office/drawing/2014/main" xmlns="" id="{08B93554-9443-4291-83BC-91BEC5088783}"/>
+              <a:ext uri="{28A0092B-C50C-407E-A947-70E740481C1C}">
+                <a14:useLocalDpi xmlns:a14="http://schemas.microsoft.com/office/drawing/2010/main" val="0"/>
               </a:ext>
             </a:extLst>
-          </p:cNvPr>
-          <p:cNvSpPr/>
-          <p:nvPr/>
-        </p:nvSpPr>
-        <p:spPr>
+          </a:blip>
+          <a:srcRect/>
+          <a:stretch>
+            <a:fillRect/>
+          </a:stretch>
+        </p:blipFill>
+        <p:spPr bwMode="auto">
           <a:xfrm>
-            <a:off x="683912" y="5242803"/>
-            <a:ext cx="1056397" cy="1056397"/>
+            <a:off x="3013665" y="3255948"/>
+            <a:ext cx="6212792" cy="3602052"/>
           </a:xfrm>
-          <a:prstGeom prst="ellipse">
+          <a:prstGeom prst="rect">
             <a:avLst/>
           </a:prstGeom>
-          <a:solidFill>
-            <a:schemeClr val="bg1"/>
-          </a:solidFill>
+          <a:noFill/>
           <a:ln>
             <a:noFill/>
           </a:ln>
-          <a:effectLst>
-            <a:outerShdw blurRad="546100" sx="101000" sy="101000" algn="ctr" rotWithShape="0">
-              <a:prstClr val="black">
-                <a:alpha val="30000"/>
-              </a:prstClr>
-            </a:outerShdw>
-          </a:effectLst>
+          <a:extLst>
+            <a:ext uri="{909E8E84-426E-40DD-AFC4-6F175D3DCCD1}">
+              <a14:hiddenFill xmlns:a14="http://schemas.microsoft.com/office/drawing/2010/main">
+                <a:solidFill>
+                  <a:schemeClr val="accent1"/>
+                </a:solidFill>
+              </a14:hiddenFill>
+            </a:ext>
+            <a:ext uri="{91240B29-F687-4F45-9708-019B960494DF}">
+              <a14:hiddenLine xmlns:a14="http://schemas.microsoft.com/office/drawing/2010/main" w="9525">
+                <a:solidFill>
+                  <a:schemeClr val="tx1"/>
+                </a:solidFill>
+                <a:miter lim="800000"/>
+                <a:headEnd/>
+                <a:tailEnd/>
+              </a14:hiddenLine>
+            </a:ext>
+          </a:extLst>
         </p:spPr>
-        <p:style>
-          <a:lnRef idx="2">
-            <a:schemeClr val="accent1">
-              <a:shade val="50000"/>
-            </a:schemeClr>
-          </a:lnRef>
-          <a:fillRef idx="1">
-            <a:schemeClr val="accent1"/>
-          </a:fillRef>
-          <a:effectRef idx="0">
-            <a:schemeClr val="accent1"/>
-          </a:effectRef>
-          <a:fontRef idx="minor">
-            <a:schemeClr val="lt1"/>
-          </a:fontRef>
-        </p:style>
-        <p:txBody>
-          <a:bodyPr rtlCol="0" anchor="ctr"/>
-          <a:lstStyle/>
-          <a:p>
-            <a:pPr marL="0" marR="0" lvl="0" indent="0" algn="ctr" defTabSz="914400" rtl="0" eaLnBrk="1" fontAlgn="auto" latinLnBrk="0" hangingPunct="1">
-              <a:lnSpc>
-                <a:spcPct val="100000"/>
-              </a:lnSpc>
-              <a:spcBef>
-                <a:spcPts val="0"/>
-              </a:spcBef>
-              <a:spcAft>
-                <a:spcPts val="0"/>
-              </a:spcAft>
-              <a:buClrTx/>
-              <a:buSzTx/>
-              <a:buFontTx/>
-              <a:buNone/>
-              <a:tabLst/>
-              <a:defRPr/>
-            </a:pPr>
-            <a:endParaRPr kumimoji="0" lang="zh-CN" altLang="en-US" sz="1800" b="0" i="0" u="none" strike="noStrike" kern="1200" cap="none" spc="0" normalizeH="0" baseline="0" noProof="0">
-              <a:ln>
-                <a:noFill/>
-              </a:ln>
-              <a:solidFill>
-                <a:prstClr val="white"/>
-              </a:solidFill>
-              <a:effectLst/>
-              <a:uLnTx/>
-              <a:uFillTx/>
-              <a:cs typeface="+mn-ea"/>
-              <a:sym typeface="+mn-lt"/>
-            </a:endParaRPr>
-          </a:p>
-        </p:txBody>
-      </p:sp>
-      <p:sp>
-        <p:nvSpPr>
-          <p:cNvPr id="9" name="椭圆 8">
+      </p:pic>
+      <p:pic>
+        <p:nvPicPr>
+          <p:cNvPr id="10" name="Picture 2"/>
+          <p:cNvPicPr>
+            <a:picLocks noChangeAspect="1" noChangeArrowheads="1"/>
+          </p:cNvPicPr>
+          <p:nvPr/>
+        </p:nvPicPr>
+        <p:blipFill>
+          <a:blip r:embed="rId5">
             <a:extLst>
-              <a:ext uri="{FF2B5EF4-FFF2-40B4-BE49-F238E27FC236}">
-                <a16:creationId xmlns:a16="http://schemas.microsoft.com/office/drawing/2014/main" xmlns="" id="{16338DEE-2916-4AC7-A537-1507B9F2A824}"/>
+              <a:ext uri="{28A0092B-C50C-407E-A947-70E740481C1C}">
+                <a14:useLocalDpi xmlns:a14="http://schemas.microsoft.com/office/drawing/2010/main" val="0"/>
               </a:ext>
             </a:extLst>
-          </p:cNvPr>
-          <p:cNvSpPr/>
-          <p:nvPr/>
-        </p:nvSpPr>
-        <p:spPr>
+          </a:blip>
+          <a:srcRect/>
+          <a:stretch>
+            <a:fillRect/>
+          </a:stretch>
+        </p:blipFill>
+        <p:spPr bwMode="auto">
           <a:xfrm>
-            <a:off x="10464448" y="933352"/>
-            <a:ext cx="563400" cy="563400"/>
+            <a:off x="650752" y="2396582"/>
+            <a:ext cx="10101943" cy="657225"/>
           </a:xfrm>
-          <a:prstGeom prst="ellipse">
+          <a:prstGeom prst="rect">
             <a:avLst/>
           </a:prstGeom>
-          <a:solidFill>
-            <a:schemeClr val="bg1"/>
-          </a:solidFill>
+          <a:noFill/>
           <a:ln>
             <a:noFill/>
           </a:ln>
-          <a:effectLst>
-            <a:outerShdw blurRad="546100" sx="101000" sy="101000" algn="ctr" rotWithShape="0">
-              <a:prstClr val="black">
-                <a:alpha val="30000"/>
-              </a:prstClr>
-            </a:outerShdw>
-          </a:effectLst>
+          <a:extLst>
+            <a:ext uri="{909E8E84-426E-40DD-AFC4-6F175D3DCCD1}">
+              <a14:hiddenFill xmlns:a14="http://schemas.microsoft.com/office/drawing/2010/main">
+                <a:solidFill>
+                  <a:schemeClr val="accent1"/>
+                </a:solidFill>
+              </a14:hiddenFill>
+            </a:ext>
+            <a:ext uri="{91240B29-F687-4F45-9708-019B960494DF}">
+              <a14:hiddenLine xmlns:a14="http://schemas.microsoft.com/office/drawing/2010/main" w="9525">
+                <a:solidFill>
+                  <a:schemeClr val="tx1"/>
+                </a:solidFill>
+                <a:miter lim="800000"/>
+                <a:headEnd/>
+                <a:tailEnd/>
+              </a14:hiddenLine>
+            </a:ext>
+          </a:extLst>
         </p:spPr>
-        <p:style>
-          <a:lnRef idx="2">
-            <a:schemeClr val="accent1">
-              <a:shade val="50000"/>
-            </a:schemeClr>
-          </a:lnRef>
-          <a:fillRef idx="1">
-            <a:schemeClr val="accent1"/>
-          </a:fillRef>
-          <a:effectRef idx="0">
-            <a:schemeClr val="accent1"/>
-          </a:effectRef>
-          <a:fontRef idx="minor">
-            <a:schemeClr val="lt1"/>
-          </a:fontRef>
-        </p:style>
-        <p:txBody>
-          <a:bodyPr rtlCol="0" anchor="ctr"/>
-          <a:lstStyle/>
-          <a:p>
-            <a:pPr marL="0" marR="0" lvl="0" indent="0" algn="ctr" defTabSz="914400" rtl="0" eaLnBrk="1" fontAlgn="auto" latinLnBrk="0" hangingPunct="1">
-              <a:lnSpc>
-                <a:spcPct val="100000"/>
-              </a:lnSpc>
-              <a:spcBef>
-                <a:spcPts val="0"/>
-              </a:spcBef>
-              <a:spcAft>
-                <a:spcPts val="0"/>
-              </a:spcAft>
-              <a:buClrTx/>
-              <a:buSzTx/>
-              <a:buFontTx/>
-              <a:buNone/>
-              <a:tabLst/>
-              <a:defRPr/>
-            </a:pPr>
-            <a:endParaRPr kumimoji="0" lang="zh-CN" altLang="en-US" sz="1800" b="0" i="0" u="none" strike="noStrike" kern="1200" cap="none" spc="0" normalizeH="0" baseline="0" noProof="0">
-              <a:ln>
-                <a:noFill/>
-              </a:ln>
-              <a:solidFill>
-                <a:prstClr val="white"/>
-              </a:solidFill>
-              <a:effectLst/>
-              <a:uLnTx/>
-              <a:uFillTx/>
-              <a:cs typeface="+mn-ea"/>
-              <a:sym typeface="+mn-lt"/>
-            </a:endParaRPr>
-          </a:p>
-        </p:txBody>
-      </p:sp>
+      </p:pic>
     </p:spTree>
     <p:custDataLst>
       <p:tags r:id="rId1"/>
     </p:custDataLst>
     <p:extLst>
       <p:ext uri="{BB962C8B-B14F-4D97-AF65-F5344CB8AC3E}">
-        <p14:creationId xmlns:p14="http://schemas.microsoft.com/office/powerpoint/2010/main" val="2184022013"/>
+        <p14:creationId xmlns:p14="http://schemas.microsoft.com/office/powerpoint/2010/main" val="2033961001"/>
       </p:ext>
     </p:extLst>
   </p:cSld>
@@ -7544,12 +9098,12 @@
   </p:clrMapOvr>
   <mc:AlternateContent xmlns:mc="http://schemas.openxmlformats.org/markup-compatibility/2006" xmlns:p14="http://schemas.microsoft.com/office/powerpoint/2010/main">
     <mc:Choice Requires="p14">
-      <p:transition spd="slow" p14:dur="1500" advTm="3880">
+      <p:transition spd="slow" p14:dur="1500" advTm="3414">
         <p:random/>
       </p:transition>
     </mc:Choice>
-    <mc:Fallback xmlns:a16="http://schemas.microsoft.com/office/drawing/2014/main" xmlns="">
-      <p:transition spd="slow" advTm="3880">
+    <mc:Fallback xmlns="" xmlns:a16="http://schemas.microsoft.com/office/drawing/2014/main" xmlns:a14="http://schemas.microsoft.com/office/drawing/2010/main">
+      <p:transition spd="slow" advTm="3414">
         <p:random/>
       </p:transition>
     </mc:Fallback>
@@ -7575,7 +9129,7 @@
                             </p:stCondLst>
                             <p:childTnLst>
                               <p:par>
-                                <p:cTn id="5" presetID="42" presetClass="entr" presetSubtype="0" fill="hold" grpId="0" nodeType="clickEffect">
+                                <p:cTn id="5" presetID="16" presetClass="entr" presetSubtype="37" fill="hold" grpId="0" nodeType="clickEffect">
                                   <p:stCondLst>
                                     <p:cond delay="0"/>
                                   </p:stCondLst>
@@ -7588,7 +9142,7 @@
                                           </p:stCondLst>
                                         </p:cTn>
                                         <p:tgtEl>
-                                          <p:spTgt spid="7"/>
+                                          <p:spTgt spid="2"/>
                                         </p:tgtEl>
                                         <p:attrNameLst>
                                           <p:attrName>style.visibility</p:attrName>
@@ -7598,60 +9152,67 @@
                                         <p:strVal val="visible"/>
                                       </p:to>
                                     </p:set>
-                                    <p:animEffect transition="in" filter="fade">
+                                    <p:animEffect transition="in" filter="barn(outVertical)">
                                       <p:cBhvr>
-                                        <p:cTn id="7" dur="1000"/>
+                                        <p:cTn id="7" dur="500"/>
                                         <p:tgtEl>
-                                          <p:spTgt spid="7"/>
+                                          <p:spTgt spid="2"/>
                                         </p:tgtEl>
                                       </p:cBhvr>
                                     </p:animEffect>
-                                    <p:anim calcmode="lin" valueType="num">
+                                  </p:childTnLst>
+                                </p:cTn>
+                              </p:par>
+                            </p:childTnLst>
+                          </p:cTn>
+                        </p:par>
+                      </p:childTnLst>
+                    </p:cTn>
+                  </p:par>
+                  <p:par>
+                    <p:cTn id="8" fill="hold">
+                      <p:stCondLst>
+                        <p:cond delay="indefinite"/>
+                      </p:stCondLst>
+                      <p:childTnLst>
+                        <p:par>
+                          <p:cTn id="9" fill="hold">
+                            <p:stCondLst>
+                              <p:cond delay="0"/>
+                            </p:stCondLst>
+                            <p:childTnLst>
+                              <p:par>
+                                <p:cTn id="10" presetID="22" presetClass="entr" presetSubtype="8" fill="hold" nodeType="clickEffect">
+                                  <p:stCondLst>
+                                    <p:cond delay="0"/>
+                                  </p:stCondLst>
+                                  <p:childTnLst>
+                                    <p:set>
                                       <p:cBhvr>
-                                        <p:cTn id="8" dur="1000" fill="hold"/>
+                                        <p:cTn id="11" dur="1" fill="hold">
+                                          <p:stCondLst>
+                                            <p:cond delay="0"/>
+                                          </p:stCondLst>
+                                        </p:cTn>
                                         <p:tgtEl>
-                                          <p:spTgt spid="7"/>
+                                          <p:spTgt spid="3"/>
                                         </p:tgtEl>
                                         <p:attrNameLst>
-                                          <p:attrName>ppt_x</p:attrName>
+                                          <p:attrName>style.visibility</p:attrName>
                                         </p:attrNameLst>
                                       </p:cBhvr>
-                                      <p:tavLst>
-                                        <p:tav tm="0">
-                                          <p:val>
-                                            <p:strVal val="#ppt_x"/>
-                                          </p:val>
-                                        </p:tav>
-                                        <p:tav tm="100000">
-                                          <p:val>
-                                            <p:strVal val="#ppt_x"/>
-                                          </p:val>
-                                        </p:tav>
-                                      </p:tavLst>
-                                    </p:anim>
-                                    <p:anim calcmode="lin" valueType="num">
+                                      <p:to>
+                                        <p:strVal val="visible"/>
+                                      </p:to>
+                                    </p:set>
+                                    <p:animEffect transition="in" filter="wipe(left)">
                                       <p:cBhvr>
-                                        <p:cTn id="9" dur="1000" fill="hold"/>
+                                        <p:cTn id="12" dur="500"/>
                                         <p:tgtEl>
-                                          <p:spTgt spid="7"/>
+                                          <p:spTgt spid="3"/>
                                         </p:tgtEl>
-                                        <p:attrNameLst>
-                                          <p:attrName>ppt_y</p:attrName>
-                                        </p:attrNameLst>
                                       </p:cBhvr>
-                                      <p:tavLst>
-                                        <p:tav tm="0">
-                                          <p:val>
-                                            <p:strVal val="#ppt_y+.1"/>
-                                          </p:val>
-                                        </p:tav>
-                                        <p:tav tm="100000">
-                                          <p:val>
-                                            <p:strVal val="#ppt_y"/>
-                                          </p:val>
-                                        </p:tav>
-                                      </p:tavLst>
-                                    </p:anim>
+                                    </p:animEffect>
                                   </p:childTnLst>
                                 </p:cTn>
                               </p:par>
@@ -7683,7 +9244,2003 @@
       </p:par>
     </p:tnLst>
     <p:bldLst>
-      <p:bldP spid="7" grpId="0"/>
+      <p:bldP spid="2" grpId="0" animBg="1"/>
+    </p:bldLst>
+  </p:timing>
+</p:sld>
+</file>
+
+<file path=ppt/slides/slide6.xml><?xml version="1.0" encoding="utf-8"?>
+<p:sld xmlns:a="http://schemas.openxmlformats.org/drawingml/2006/main" xmlns:r="http://schemas.openxmlformats.org/officeDocument/2006/relationships" xmlns:p="http://schemas.openxmlformats.org/presentationml/2006/main">
+  <p:cSld>
+    <p:spTree>
+      <p:nvGrpSpPr>
+        <p:cNvPr id="1" name=""/>
+        <p:cNvGrpSpPr/>
+        <p:nvPr/>
+      </p:nvGrpSpPr>
+      <p:grpSpPr>
+        <a:xfrm>
+          <a:off x="0" y="0"/>
+          <a:ext cx="0" cy="0"/>
+          <a:chOff x="0" y="0"/>
+          <a:chExt cx="0" cy="0"/>
+        </a:xfrm>
+      </p:grpSpPr>
+      <p:sp>
+        <p:nvSpPr>
+          <p:cNvPr id="2" name="矩形 1">
+            <a:extLst>
+              <a:ext uri="{FF2B5EF4-FFF2-40B4-BE49-F238E27FC236}">
+                <a16:creationId xmlns="" xmlns:a16="http://schemas.microsoft.com/office/drawing/2014/main" id="{6130B33B-FCB5-4AFA-8175-BA08126D80E1}"/>
+              </a:ext>
+            </a:extLst>
+          </p:cNvPr>
+          <p:cNvSpPr/>
+          <p:nvPr/>
+        </p:nvSpPr>
+        <p:spPr>
+          <a:xfrm>
+            <a:off x="5029198" y="493630"/>
+            <a:ext cx="2133600" cy="228600"/>
+          </a:xfrm>
+          <a:prstGeom prst="rect">
+            <a:avLst/>
+          </a:prstGeom>
+          <a:solidFill>
+            <a:schemeClr val="tx1">
+              <a:lumMod val="75000"/>
+              <a:lumOff val="25000"/>
+            </a:schemeClr>
+          </a:solidFill>
+          <a:ln>
+            <a:noFill/>
+          </a:ln>
+        </p:spPr>
+        <p:style>
+          <a:lnRef idx="2">
+            <a:schemeClr val="accent1">
+              <a:shade val="50000"/>
+            </a:schemeClr>
+          </a:lnRef>
+          <a:fillRef idx="1">
+            <a:schemeClr val="accent1"/>
+          </a:fillRef>
+          <a:effectRef idx="0">
+            <a:schemeClr val="accent1"/>
+          </a:effectRef>
+          <a:fontRef idx="minor">
+            <a:schemeClr val="lt1"/>
+          </a:fontRef>
+        </p:style>
+        <p:txBody>
+          <a:bodyPr rtlCol="0" anchor="ctr"/>
+          <a:lstStyle/>
+          <a:p>
+            <a:pPr algn="ctr"/>
+            <a:endParaRPr lang="zh-CN" altLang="en-US">
+              <a:cs typeface="+mn-ea"/>
+              <a:sym typeface="+mn-lt"/>
+            </a:endParaRPr>
+          </a:p>
+        </p:txBody>
+      </p:sp>
+      <p:grpSp>
+        <p:nvGrpSpPr>
+          <p:cNvPr id="3" name="组合 2">
+            <a:extLst>
+              <a:ext uri="{FF2B5EF4-FFF2-40B4-BE49-F238E27FC236}">
+                <a16:creationId xmlns="" xmlns:a16="http://schemas.microsoft.com/office/drawing/2014/main" id="{CF3B8F59-C87E-48F7-911B-3FCC3B1922F9}"/>
+              </a:ext>
+            </a:extLst>
+          </p:cNvPr>
+          <p:cNvGrpSpPr/>
+          <p:nvPr/>
+        </p:nvGrpSpPr>
+        <p:grpSpPr>
+          <a:xfrm>
+            <a:off x="2809268" y="787600"/>
+            <a:ext cx="6621587" cy="976561"/>
+            <a:chOff x="689762" y="1991896"/>
+            <a:chExt cx="3458623" cy="1083521"/>
+          </a:xfrm>
+        </p:grpSpPr>
+        <p:sp>
+          <p:nvSpPr>
+            <p:cNvPr id="4" name="文本框 3">
+              <a:extLst>
+                <a:ext uri="{FF2B5EF4-FFF2-40B4-BE49-F238E27FC236}">
+                  <a16:creationId xmlns="" xmlns:a16="http://schemas.microsoft.com/office/drawing/2014/main" id="{F069F7C5-7C6B-4416-BA43-7E9FF2B95F70}"/>
+                </a:ext>
+              </a:extLst>
+            </p:cNvPr>
+            <p:cNvSpPr txBox="1"/>
+            <p:nvPr/>
+          </p:nvSpPr>
+          <p:spPr>
+            <a:xfrm>
+              <a:off x="1673130" y="1991896"/>
+              <a:ext cx="2317086" cy="785419"/>
+            </a:xfrm>
+            <a:prstGeom prst="rect">
+              <a:avLst/>
+            </a:prstGeom>
+            <a:noFill/>
+          </p:spPr>
+          <p:txBody>
+            <a:bodyPr wrap="square" rtlCol="0">
+              <a:spAutoFit/>
+            </a:bodyPr>
+            <a:lstStyle/>
+            <a:p>
+              <a:r>
+                <a:rPr lang="zh-TW" altLang="en-US" sz="4000" spc="400" dirty="0" smtClean="0">
+                  <a:cs typeface="+mn-ea"/>
+                  <a:sym typeface="+mn-lt"/>
+                </a:rPr>
+                <a:t>資料庫表格</a:t>
+              </a:r>
+              <a:endParaRPr lang="en-US" altLang="zh-TW" sz="4000" spc="400" dirty="0">
+                <a:cs typeface="+mn-ea"/>
+                <a:sym typeface="+mn-lt"/>
+              </a:endParaRPr>
+            </a:p>
+          </p:txBody>
+        </p:sp>
+        <p:sp>
+          <p:nvSpPr>
+            <p:cNvPr id="5" name="文本框 4">
+              <a:extLst>
+                <a:ext uri="{FF2B5EF4-FFF2-40B4-BE49-F238E27FC236}">
+                  <a16:creationId xmlns="" xmlns:a16="http://schemas.microsoft.com/office/drawing/2014/main" id="{E7404F6D-3A40-4203-8F0A-6169C74FB4CA}"/>
+                </a:ext>
+              </a:extLst>
+            </p:cNvPr>
+            <p:cNvSpPr txBox="1"/>
+            <p:nvPr/>
+          </p:nvSpPr>
+          <p:spPr>
+            <a:xfrm>
+              <a:off x="689762" y="2699782"/>
+              <a:ext cx="3458623" cy="375635"/>
+            </a:xfrm>
+            <a:prstGeom prst="rect">
+              <a:avLst/>
+            </a:prstGeom>
+            <a:noFill/>
+          </p:spPr>
+          <p:txBody>
+            <a:bodyPr wrap="square">
+              <a:spAutoFit/>
+            </a:bodyPr>
+            <a:lstStyle/>
+            <a:p>
+              <a:pPr algn="ctr"/>
+              <a:r>
+                <a:rPr lang="en-US" altLang="zh-TW" sz="1600" dirty="0">
+                  <a:cs typeface="+mn-ea"/>
+                  <a:sym typeface="+mn-lt"/>
+                </a:rPr>
+                <a:t>Project </a:t>
+              </a:r>
+              <a:r>
+                <a:rPr lang="en-US" altLang="zh-TW" sz="1600" dirty="0" smtClean="0">
+                  <a:cs typeface="+mn-ea"/>
+                  <a:sym typeface="+mn-lt"/>
+                </a:rPr>
+                <a:t>designing</a:t>
+              </a:r>
+              <a:endParaRPr lang="zh-CN" altLang="en-US" sz="1600" dirty="0">
+                <a:cs typeface="+mn-ea"/>
+                <a:sym typeface="+mn-lt"/>
+              </a:endParaRPr>
+            </a:p>
+          </p:txBody>
+        </p:sp>
+      </p:grpSp>
+      <p:sp>
+        <p:nvSpPr>
+          <p:cNvPr id="11" name="文字方塊 10"/>
+          <p:cNvSpPr txBox="1"/>
+          <p:nvPr/>
+        </p:nvSpPr>
+        <p:spPr>
+          <a:xfrm>
+            <a:off x="4754306" y="1997813"/>
+            <a:ext cx="2683379" cy="923330"/>
+          </a:xfrm>
+          <a:prstGeom prst="rect">
+            <a:avLst/>
+          </a:prstGeom>
+          <a:noFill/>
+        </p:spPr>
+        <p:txBody>
+          <a:bodyPr wrap="square" rtlCol="0">
+            <a:spAutoFit/>
+          </a:bodyPr>
+          <a:lstStyle/>
+          <a:p>
+            <a:r>
+              <a:rPr lang="zh-TW" altLang="en-US" dirty="0" smtClean="0"/>
+              <a:t>這張表格紀錄以下內容</a:t>
+            </a:r>
+            <a:endParaRPr lang="en-US" altLang="zh-TW" dirty="0" smtClean="0"/>
+          </a:p>
+          <a:p>
+            <a:endParaRPr lang="en-US" altLang="zh-TW" dirty="0"/>
+          </a:p>
+          <a:p>
+            <a:endParaRPr lang="zh-TW" altLang="en-US" dirty="0"/>
+          </a:p>
+        </p:txBody>
+      </p:sp>
+      <p:pic>
+        <p:nvPicPr>
+          <p:cNvPr id="3074" name="Picture 2"/>
+          <p:cNvPicPr>
+            <a:picLocks noChangeAspect="1" noChangeArrowheads="1"/>
+          </p:cNvPicPr>
+          <p:nvPr/>
+        </p:nvPicPr>
+        <p:blipFill>
+          <a:blip r:embed="rId4">
+            <a:extLst>
+              <a:ext uri="{28A0092B-C50C-407E-A947-70E740481C1C}">
+                <a14:useLocalDpi xmlns:a14="http://schemas.microsoft.com/office/drawing/2010/main" val="0"/>
+              </a:ext>
+            </a:extLst>
+          </a:blip>
+          <a:srcRect/>
+          <a:stretch>
+            <a:fillRect/>
+          </a:stretch>
+        </p:blipFill>
+        <p:spPr bwMode="auto">
+          <a:xfrm>
+            <a:off x="2239904" y="3495229"/>
+            <a:ext cx="7760313" cy="3258885"/>
+          </a:xfrm>
+          <a:prstGeom prst="rect">
+            <a:avLst/>
+          </a:prstGeom>
+          <a:noFill/>
+          <a:ln>
+            <a:noFill/>
+          </a:ln>
+          <a:extLst>
+            <a:ext uri="{909E8E84-426E-40DD-AFC4-6F175D3DCCD1}">
+              <a14:hiddenFill xmlns:a14="http://schemas.microsoft.com/office/drawing/2010/main">
+                <a:solidFill>
+                  <a:schemeClr val="accent1"/>
+                </a:solidFill>
+              </a14:hiddenFill>
+            </a:ext>
+            <a:ext uri="{91240B29-F687-4F45-9708-019B960494DF}">
+              <a14:hiddenLine xmlns:a14="http://schemas.microsoft.com/office/drawing/2010/main" w="9525">
+                <a:solidFill>
+                  <a:schemeClr val="tx1"/>
+                </a:solidFill>
+                <a:miter lim="800000"/>
+                <a:headEnd/>
+                <a:tailEnd/>
+              </a14:hiddenLine>
+            </a:ext>
+          </a:extLst>
+        </p:spPr>
+      </p:pic>
+      <p:pic>
+        <p:nvPicPr>
+          <p:cNvPr id="3076" name="Picture 4"/>
+          <p:cNvPicPr>
+            <a:picLocks noChangeAspect="1" noChangeArrowheads="1"/>
+          </p:cNvPicPr>
+          <p:nvPr/>
+        </p:nvPicPr>
+        <p:blipFill>
+          <a:blip r:embed="rId5">
+            <a:extLst>
+              <a:ext uri="{28A0092B-C50C-407E-A947-70E740481C1C}">
+                <a14:useLocalDpi xmlns:a14="http://schemas.microsoft.com/office/drawing/2010/main" val="0"/>
+              </a:ext>
+            </a:extLst>
+          </a:blip>
+          <a:srcRect/>
+          <a:stretch>
+            <a:fillRect/>
+          </a:stretch>
+        </p:blipFill>
+        <p:spPr bwMode="auto">
+          <a:xfrm>
+            <a:off x="3300661" y="2800350"/>
+            <a:ext cx="5638800" cy="419100"/>
+          </a:xfrm>
+          <a:prstGeom prst="rect">
+            <a:avLst/>
+          </a:prstGeom>
+          <a:noFill/>
+          <a:ln>
+            <a:noFill/>
+          </a:ln>
+          <a:extLst>
+            <a:ext uri="{909E8E84-426E-40DD-AFC4-6F175D3DCCD1}">
+              <a14:hiddenFill xmlns:a14="http://schemas.microsoft.com/office/drawing/2010/main">
+                <a:solidFill>
+                  <a:schemeClr val="accent1"/>
+                </a:solidFill>
+              </a14:hiddenFill>
+            </a:ext>
+            <a:ext uri="{91240B29-F687-4F45-9708-019B960494DF}">
+              <a14:hiddenLine xmlns:a14="http://schemas.microsoft.com/office/drawing/2010/main" w="9525">
+                <a:solidFill>
+                  <a:schemeClr val="tx1"/>
+                </a:solidFill>
+                <a:miter lim="800000"/>
+                <a:headEnd/>
+                <a:tailEnd/>
+              </a14:hiddenLine>
+            </a:ext>
+          </a:extLst>
+        </p:spPr>
+      </p:pic>
+    </p:spTree>
+    <p:custDataLst>
+      <p:tags r:id="rId1"/>
+    </p:custDataLst>
+    <p:extLst>
+      <p:ext uri="{BB962C8B-B14F-4D97-AF65-F5344CB8AC3E}">
+        <p14:creationId xmlns:p14="http://schemas.microsoft.com/office/powerpoint/2010/main" val="2562276161"/>
+      </p:ext>
+    </p:extLst>
+  </p:cSld>
+  <p:clrMapOvr>
+    <a:masterClrMapping/>
+  </p:clrMapOvr>
+  <mc:AlternateContent xmlns:mc="http://schemas.openxmlformats.org/markup-compatibility/2006" xmlns:p14="http://schemas.microsoft.com/office/powerpoint/2010/main">
+    <mc:Choice Requires="p14">
+      <p:transition spd="slow" p14:dur="1500" advTm="3414">
+        <p:random/>
+      </p:transition>
+    </mc:Choice>
+    <mc:Fallback xmlns="" xmlns:a16="http://schemas.microsoft.com/office/drawing/2014/main" xmlns:a14="http://schemas.microsoft.com/office/drawing/2010/main">
+      <p:transition spd="slow" advTm="3414">
+        <p:random/>
+      </p:transition>
+    </mc:Fallback>
+  </mc:AlternateContent>
+  <p:timing>
+    <p:tnLst>
+      <p:par>
+        <p:cTn id="1" dur="indefinite" restart="never" nodeType="tmRoot">
+          <p:childTnLst>
+            <p:seq concurrent="1" nextAc="seek">
+              <p:cTn id="2" dur="indefinite" nodeType="mainSeq">
+                <p:childTnLst>
+                  <p:par>
+                    <p:cTn id="3" fill="hold">
+                      <p:stCondLst>
+                        <p:cond delay="indefinite"/>
+                      </p:stCondLst>
+                      <p:childTnLst>
+                        <p:par>
+                          <p:cTn id="4" fill="hold">
+                            <p:stCondLst>
+                              <p:cond delay="0"/>
+                            </p:stCondLst>
+                            <p:childTnLst>
+                              <p:par>
+                                <p:cTn id="5" presetID="16" presetClass="entr" presetSubtype="37" fill="hold" grpId="0" nodeType="clickEffect">
+                                  <p:stCondLst>
+                                    <p:cond delay="0"/>
+                                  </p:stCondLst>
+                                  <p:childTnLst>
+                                    <p:set>
+                                      <p:cBhvr>
+                                        <p:cTn id="6" dur="1" fill="hold">
+                                          <p:stCondLst>
+                                            <p:cond delay="0"/>
+                                          </p:stCondLst>
+                                        </p:cTn>
+                                        <p:tgtEl>
+                                          <p:spTgt spid="2"/>
+                                        </p:tgtEl>
+                                        <p:attrNameLst>
+                                          <p:attrName>style.visibility</p:attrName>
+                                        </p:attrNameLst>
+                                      </p:cBhvr>
+                                      <p:to>
+                                        <p:strVal val="visible"/>
+                                      </p:to>
+                                    </p:set>
+                                    <p:animEffect transition="in" filter="barn(outVertical)">
+                                      <p:cBhvr>
+                                        <p:cTn id="7" dur="500"/>
+                                        <p:tgtEl>
+                                          <p:spTgt spid="2"/>
+                                        </p:tgtEl>
+                                      </p:cBhvr>
+                                    </p:animEffect>
+                                  </p:childTnLst>
+                                </p:cTn>
+                              </p:par>
+                            </p:childTnLst>
+                          </p:cTn>
+                        </p:par>
+                      </p:childTnLst>
+                    </p:cTn>
+                  </p:par>
+                  <p:par>
+                    <p:cTn id="8" fill="hold">
+                      <p:stCondLst>
+                        <p:cond delay="indefinite"/>
+                      </p:stCondLst>
+                      <p:childTnLst>
+                        <p:par>
+                          <p:cTn id="9" fill="hold">
+                            <p:stCondLst>
+                              <p:cond delay="0"/>
+                            </p:stCondLst>
+                            <p:childTnLst>
+                              <p:par>
+                                <p:cTn id="10" presetID="22" presetClass="entr" presetSubtype="8" fill="hold" nodeType="clickEffect">
+                                  <p:stCondLst>
+                                    <p:cond delay="0"/>
+                                  </p:stCondLst>
+                                  <p:childTnLst>
+                                    <p:set>
+                                      <p:cBhvr>
+                                        <p:cTn id="11" dur="1" fill="hold">
+                                          <p:stCondLst>
+                                            <p:cond delay="0"/>
+                                          </p:stCondLst>
+                                        </p:cTn>
+                                        <p:tgtEl>
+                                          <p:spTgt spid="3"/>
+                                        </p:tgtEl>
+                                        <p:attrNameLst>
+                                          <p:attrName>style.visibility</p:attrName>
+                                        </p:attrNameLst>
+                                      </p:cBhvr>
+                                      <p:to>
+                                        <p:strVal val="visible"/>
+                                      </p:to>
+                                    </p:set>
+                                    <p:animEffect transition="in" filter="wipe(left)">
+                                      <p:cBhvr>
+                                        <p:cTn id="12" dur="500"/>
+                                        <p:tgtEl>
+                                          <p:spTgt spid="3"/>
+                                        </p:tgtEl>
+                                      </p:cBhvr>
+                                    </p:animEffect>
+                                  </p:childTnLst>
+                                </p:cTn>
+                              </p:par>
+                            </p:childTnLst>
+                          </p:cTn>
+                        </p:par>
+                      </p:childTnLst>
+                    </p:cTn>
+                  </p:par>
+                </p:childTnLst>
+              </p:cTn>
+              <p:prevCondLst>
+                <p:cond evt="onPrev" delay="0">
+                  <p:tgtEl>
+                    <p:sldTgt/>
+                  </p:tgtEl>
+                </p:cond>
+              </p:prevCondLst>
+              <p:nextCondLst>
+                <p:cond evt="onNext" delay="0">
+                  <p:tgtEl>
+                    <p:sldTgt/>
+                  </p:tgtEl>
+                </p:cond>
+              </p:nextCondLst>
+            </p:seq>
+          </p:childTnLst>
+        </p:cTn>
+      </p:par>
+    </p:tnLst>
+    <p:bldLst>
+      <p:bldP spid="2" grpId="0" animBg="1"/>
+    </p:bldLst>
+  </p:timing>
+</p:sld>
+</file>
+
+<file path=ppt/slides/slide7.xml><?xml version="1.0" encoding="utf-8"?>
+<p:sld xmlns:a="http://schemas.openxmlformats.org/drawingml/2006/main" xmlns:r="http://schemas.openxmlformats.org/officeDocument/2006/relationships" xmlns:p="http://schemas.openxmlformats.org/presentationml/2006/main">
+  <p:cSld>
+    <p:spTree>
+      <p:nvGrpSpPr>
+        <p:cNvPr id="1" name=""/>
+        <p:cNvGrpSpPr/>
+        <p:nvPr/>
+      </p:nvGrpSpPr>
+      <p:grpSpPr>
+        <a:xfrm>
+          <a:off x="0" y="0"/>
+          <a:ext cx="0" cy="0"/>
+          <a:chOff x="0" y="0"/>
+          <a:chExt cx="0" cy="0"/>
+        </a:xfrm>
+      </p:grpSpPr>
+      <p:sp>
+        <p:nvSpPr>
+          <p:cNvPr id="2" name="矩形 1">
+            <a:extLst>
+              <a:ext uri="{FF2B5EF4-FFF2-40B4-BE49-F238E27FC236}">
+                <a16:creationId xmlns="" xmlns:a16="http://schemas.microsoft.com/office/drawing/2014/main" id="{6130B33B-FCB5-4AFA-8175-BA08126D80E1}"/>
+              </a:ext>
+            </a:extLst>
+          </p:cNvPr>
+          <p:cNvSpPr/>
+          <p:nvPr/>
+        </p:nvSpPr>
+        <p:spPr>
+          <a:xfrm>
+            <a:off x="5029198" y="493630"/>
+            <a:ext cx="2133600" cy="228600"/>
+          </a:xfrm>
+          <a:prstGeom prst="rect">
+            <a:avLst/>
+          </a:prstGeom>
+          <a:solidFill>
+            <a:schemeClr val="tx1">
+              <a:lumMod val="75000"/>
+              <a:lumOff val="25000"/>
+            </a:schemeClr>
+          </a:solidFill>
+          <a:ln>
+            <a:noFill/>
+          </a:ln>
+        </p:spPr>
+        <p:style>
+          <a:lnRef idx="2">
+            <a:schemeClr val="accent1">
+              <a:shade val="50000"/>
+            </a:schemeClr>
+          </a:lnRef>
+          <a:fillRef idx="1">
+            <a:schemeClr val="accent1"/>
+          </a:fillRef>
+          <a:effectRef idx="0">
+            <a:schemeClr val="accent1"/>
+          </a:effectRef>
+          <a:fontRef idx="minor">
+            <a:schemeClr val="lt1"/>
+          </a:fontRef>
+        </p:style>
+        <p:txBody>
+          <a:bodyPr rtlCol="0" anchor="ctr"/>
+          <a:lstStyle/>
+          <a:p>
+            <a:pPr algn="ctr"/>
+            <a:endParaRPr lang="zh-CN" altLang="en-US">
+              <a:cs typeface="+mn-ea"/>
+              <a:sym typeface="+mn-lt"/>
+            </a:endParaRPr>
+          </a:p>
+        </p:txBody>
+      </p:sp>
+      <p:grpSp>
+        <p:nvGrpSpPr>
+          <p:cNvPr id="3" name="组合 2">
+            <a:extLst>
+              <a:ext uri="{FF2B5EF4-FFF2-40B4-BE49-F238E27FC236}">
+                <a16:creationId xmlns="" xmlns:a16="http://schemas.microsoft.com/office/drawing/2014/main" id="{CF3B8F59-C87E-48F7-911B-3FCC3B1922F9}"/>
+              </a:ext>
+            </a:extLst>
+          </p:cNvPr>
+          <p:cNvGrpSpPr/>
+          <p:nvPr/>
+        </p:nvGrpSpPr>
+        <p:grpSpPr>
+          <a:xfrm>
+            <a:off x="2809268" y="787600"/>
+            <a:ext cx="6621587" cy="976561"/>
+            <a:chOff x="689762" y="1991896"/>
+            <a:chExt cx="3458623" cy="1083521"/>
+          </a:xfrm>
+        </p:grpSpPr>
+        <p:sp>
+          <p:nvSpPr>
+            <p:cNvPr id="4" name="文本框 3">
+              <a:extLst>
+                <a:ext uri="{FF2B5EF4-FFF2-40B4-BE49-F238E27FC236}">
+                  <a16:creationId xmlns="" xmlns:a16="http://schemas.microsoft.com/office/drawing/2014/main" id="{F069F7C5-7C6B-4416-BA43-7E9FF2B95F70}"/>
+                </a:ext>
+              </a:extLst>
+            </p:cNvPr>
+            <p:cNvSpPr txBox="1"/>
+            <p:nvPr/>
+          </p:nvSpPr>
+          <p:spPr>
+            <a:xfrm>
+              <a:off x="1673130" y="1991896"/>
+              <a:ext cx="2317086" cy="785419"/>
+            </a:xfrm>
+            <a:prstGeom prst="rect">
+              <a:avLst/>
+            </a:prstGeom>
+            <a:noFill/>
+          </p:spPr>
+          <p:txBody>
+            <a:bodyPr wrap="square" rtlCol="0">
+              <a:spAutoFit/>
+            </a:bodyPr>
+            <a:lstStyle/>
+            <a:p>
+              <a:r>
+                <a:rPr lang="zh-TW" altLang="en-US" sz="4000" spc="400" dirty="0" smtClean="0">
+                  <a:cs typeface="+mn-ea"/>
+                  <a:sym typeface="+mn-lt"/>
+                </a:rPr>
+                <a:t>資料庫表格</a:t>
+              </a:r>
+              <a:endParaRPr lang="en-US" altLang="zh-TW" sz="4000" spc="400" dirty="0">
+                <a:cs typeface="+mn-ea"/>
+                <a:sym typeface="+mn-lt"/>
+              </a:endParaRPr>
+            </a:p>
+          </p:txBody>
+        </p:sp>
+        <p:sp>
+          <p:nvSpPr>
+            <p:cNvPr id="5" name="文本框 4">
+              <a:extLst>
+                <a:ext uri="{FF2B5EF4-FFF2-40B4-BE49-F238E27FC236}">
+                  <a16:creationId xmlns="" xmlns:a16="http://schemas.microsoft.com/office/drawing/2014/main" id="{E7404F6D-3A40-4203-8F0A-6169C74FB4CA}"/>
+                </a:ext>
+              </a:extLst>
+            </p:cNvPr>
+            <p:cNvSpPr txBox="1"/>
+            <p:nvPr/>
+          </p:nvSpPr>
+          <p:spPr>
+            <a:xfrm>
+              <a:off x="689762" y="2699782"/>
+              <a:ext cx="3458623" cy="375635"/>
+            </a:xfrm>
+            <a:prstGeom prst="rect">
+              <a:avLst/>
+            </a:prstGeom>
+            <a:noFill/>
+          </p:spPr>
+          <p:txBody>
+            <a:bodyPr wrap="square">
+              <a:spAutoFit/>
+            </a:bodyPr>
+            <a:lstStyle/>
+            <a:p>
+              <a:pPr algn="ctr"/>
+              <a:r>
+                <a:rPr lang="en-US" altLang="zh-TW" sz="1600" dirty="0">
+                  <a:cs typeface="+mn-ea"/>
+                  <a:sym typeface="+mn-lt"/>
+                </a:rPr>
+                <a:t>Project </a:t>
+              </a:r>
+              <a:r>
+                <a:rPr lang="en-US" altLang="zh-TW" sz="1600" dirty="0" smtClean="0">
+                  <a:cs typeface="+mn-ea"/>
+                  <a:sym typeface="+mn-lt"/>
+                </a:rPr>
+                <a:t>designing</a:t>
+              </a:r>
+              <a:endParaRPr lang="zh-CN" altLang="en-US" sz="1600" dirty="0">
+                <a:cs typeface="+mn-ea"/>
+                <a:sym typeface="+mn-lt"/>
+              </a:endParaRPr>
+            </a:p>
+          </p:txBody>
+        </p:sp>
+      </p:grpSp>
+      <p:sp>
+        <p:nvSpPr>
+          <p:cNvPr id="11" name="文字方塊 10"/>
+          <p:cNvSpPr txBox="1"/>
+          <p:nvPr/>
+        </p:nvSpPr>
+        <p:spPr>
+          <a:xfrm>
+            <a:off x="1439607" y="861266"/>
+            <a:ext cx="2518164" cy="923330"/>
+          </a:xfrm>
+          <a:prstGeom prst="rect">
+            <a:avLst/>
+          </a:prstGeom>
+          <a:noFill/>
+        </p:spPr>
+        <p:txBody>
+          <a:bodyPr wrap="square" rtlCol="0">
+            <a:spAutoFit/>
+          </a:bodyPr>
+          <a:lstStyle/>
+          <a:p>
+            <a:r>
+              <a:rPr lang="zh-TW" altLang="en-US" dirty="0" smtClean="0"/>
+              <a:t>這張表格紀錄以下內容</a:t>
+            </a:r>
+            <a:endParaRPr lang="en-US" altLang="zh-TW" dirty="0" smtClean="0"/>
+          </a:p>
+          <a:p>
+            <a:endParaRPr lang="en-US" altLang="zh-TW" dirty="0"/>
+          </a:p>
+          <a:p>
+            <a:endParaRPr lang="zh-TW" altLang="en-US" dirty="0"/>
+          </a:p>
+        </p:txBody>
+      </p:sp>
+      <p:pic>
+        <p:nvPicPr>
+          <p:cNvPr id="4098" name="Picture 2"/>
+          <p:cNvPicPr>
+            <a:picLocks noChangeAspect="1" noChangeArrowheads="1"/>
+          </p:cNvPicPr>
+          <p:nvPr/>
+        </p:nvPicPr>
+        <p:blipFill>
+          <a:blip r:embed="rId4">
+            <a:extLst>
+              <a:ext uri="{28A0092B-C50C-407E-A947-70E740481C1C}">
+                <a14:useLocalDpi xmlns:a14="http://schemas.microsoft.com/office/drawing/2010/main" val="0"/>
+              </a:ext>
+            </a:extLst>
+          </a:blip>
+          <a:srcRect/>
+          <a:stretch>
+            <a:fillRect/>
+          </a:stretch>
+        </p:blipFill>
+        <p:spPr bwMode="auto">
+          <a:xfrm>
+            <a:off x="3957771" y="3144852"/>
+            <a:ext cx="7848600" cy="3713148"/>
+          </a:xfrm>
+          <a:prstGeom prst="rect">
+            <a:avLst/>
+          </a:prstGeom>
+          <a:noFill/>
+          <a:ln>
+            <a:noFill/>
+          </a:ln>
+          <a:extLst>
+            <a:ext uri="{909E8E84-426E-40DD-AFC4-6F175D3DCCD1}">
+              <a14:hiddenFill xmlns:a14="http://schemas.microsoft.com/office/drawing/2010/main">
+                <a:solidFill>
+                  <a:schemeClr val="accent1"/>
+                </a:solidFill>
+              </a14:hiddenFill>
+            </a:ext>
+            <a:ext uri="{91240B29-F687-4F45-9708-019B960494DF}">
+              <a14:hiddenLine xmlns:a14="http://schemas.microsoft.com/office/drawing/2010/main" w="9525">
+                <a:solidFill>
+                  <a:schemeClr val="tx1"/>
+                </a:solidFill>
+                <a:miter lim="800000"/>
+                <a:headEnd/>
+                <a:tailEnd/>
+              </a14:hiddenLine>
+            </a:ext>
+          </a:extLst>
+        </p:spPr>
+      </p:pic>
+      <p:pic>
+        <p:nvPicPr>
+          <p:cNvPr id="4099" name="Picture 3"/>
+          <p:cNvPicPr>
+            <a:picLocks noChangeAspect="1" noChangeArrowheads="1"/>
+          </p:cNvPicPr>
+          <p:nvPr/>
+        </p:nvPicPr>
+        <p:blipFill>
+          <a:blip r:embed="rId5">
+            <a:extLst>
+              <a:ext uri="{28A0092B-C50C-407E-A947-70E740481C1C}">
+                <a14:useLocalDpi xmlns:a14="http://schemas.microsoft.com/office/drawing/2010/main" val="0"/>
+              </a:ext>
+            </a:extLst>
+          </a:blip>
+          <a:srcRect/>
+          <a:stretch>
+            <a:fillRect/>
+          </a:stretch>
+        </p:blipFill>
+        <p:spPr bwMode="auto">
+          <a:xfrm>
+            <a:off x="1940608" y="1352550"/>
+            <a:ext cx="1371600" cy="5505450"/>
+          </a:xfrm>
+          <a:prstGeom prst="rect">
+            <a:avLst/>
+          </a:prstGeom>
+          <a:noFill/>
+          <a:ln>
+            <a:noFill/>
+          </a:ln>
+          <a:extLst>
+            <a:ext uri="{909E8E84-426E-40DD-AFC4-6F175D3DCCD1}">
+              <a14:hiddenFill xmlns:a14="http://schemas.microsoft.com/office/drawing/2010/main">
+                <a:solidFill>
+                  <a:schemeClr val="accent1"/>
+                </a:solidFill>
+              </a14:hiddenFill>
+            </a:ext>
+            <a:ext uri="{91240B29-F687-4F45-9708-019B960494DF}">
+              <a14:hiddenLine xmlns:a14="http://schemas.microsoft.com/office/drawing/2010/main" w="9525">
+                <a:solidFill>
+                  <a:schemeClr val="tx1"/>
+                </a:solidFill>
+                <a:miter lim="800000"/>
+                <a:headEnd/>
+                <a:tailEnd/>
+              </a14:hiddenLine>
+            </a:ext>
+          </a:extLst>
+        </p:spPr>
+      </p:pic>
+    </p:spTree>
+    <p:custDataLst>
+      <p:tags r:id="rId1"/>
+    </p:custDataLst>
+    <p:extLst>
+      <p:ext uri="{BB962C8B-B14F-4D97-AF65-F5344CB8AC3E}">
+        <p14:creationId xmlns:p14="http://schemas.microsoft.com/office/powerpoint/2010/main" val="542855194"/>
+      </p:ext>
+    </p:extLst>
+  </p:cSld>
+  <p:clrMapOvr>
+    <a:masterClrMapping/>
+  </p:clrMapOvr>
+  <mc:AlternateContent xmlns:mc="http://schemas.openxmlformats.org/markup-compatibility/2006" xmlns:p14="http://schemas.microsoft.com/office/powerpoint/2010/main">
+    <mc:Choice Requires="p14">
+      <p:transition spd="slow" p14:dur="1500" advTm="3414">
+        <p:random/>
+      </p:transition>
+    </mc:Choice>
+    <mc:Fallback xmlns="" xmlns:a16="http://schemas.microsoft.com/office/drawing/2014/main" xmlns:a14="http://schemas.microsoft.com/office/drawing/2010/main">
+      <p:transition spd="slow" advTm="3414">
+        <p:random/>
+      </p:transition>
+    </mc:Fallback>
+  </mc:AlternateContent>
+  <p:timing>
+    <p:tnLst>
+      <p:par>
+        <p:cTn id="1" dur="indefinite" restart="never" nodeType="tmRoot">
+          <p:childTnLst>
+            <p:seq concurrent="1" nextAc="seek">
+              <p:cTn id="2" dur="indefinite" nodeType="mainSeq">
+                <p:childTnLst>
+                  <p:par>
+                    <p:cTn id="3" fill="hold">
+                      <p:stCondLst>
+                        <p:cond delay="indefinite"/>
+                      </p:stCondLst>
+                      <p:childTnLst>
+                        <p:par>
+                          <p:cTn id="4" fill="hold">
+                            <p:stCondLst>
+                              <p:cond delay="0"/>
+                            </p:stCondLst>
+                            <p:childTnLst>
+                              <p:par>
+                                <p:cTn id="5" presetID="16" presetClass="entr" presetSubtype="37" fill="hold" grpId="0" nodeType="clickEffect">
+                                  <p:stCondLst>
+                                    <p:cond delay="0"/>
+                                  </p:stCondLst>
+                                  <p:childTnLst>
+                                    <p:set>
+                                      <p:cBhvr>
+                                        <p:cTn id="6" dur="1" fill="hold">
+                                          <p:stCondLst>
+                                            <p:cond delay="0"/>
+                                          </p:stCondLst>
+                                        </p:cTn>
+                                        <p:tgtEl>
+                                          <p:spTgt spid="2"/>
+                                        </p:tgtEl>
+                                        <p:attrNameLst>
+                                          <p:attrName>style.visibility</p:attrName>
+                                        </p:attrNameLst>
+                                      </p:cBhvr>
+                                      <p:to>
+                                        <p:strVal val="visible"/>
+                                      </p:to>
+                                    </p:set>
+                                    <p:animEffect transition="in" filter="barn(outVertical)">
+                                      <p:cBhvr>
+                                        <p:cTn id="7" dur="500"/>
+                                        <p:tgtEl>
+                                          <p:spTgt spid="2"/>
+                                        </p:tgtEl>
+                                      </p:cBhvr>
+                                    </p:animEffect>
+                                  </p:childTnLst>
+                                </p:cTn>
+                              </p:par>
+                            </p:childTnLst>
+                          </p:cTn>
+                        </p:par>
+                      </p:childTnLst>
+                    </p:cTn>
+                  </p:par>
+                  <p:par>
+                    <p:cTn id="8" fill="hold">
+                      <p:stCondLst>
+                        <p:cond delay="indefinite"/>
+                      </p:stCondLst>
+                      <p:childTnLst>
+                        <p:par>
+                          <p:cTn id="9" fill="hold">
+                            <p:stCondLst>
+                              <p:cond delay="0"/>
+                            </p:stCondLst>
+                            <p:childTnLst>
+                              <p:par>
+                                <p:cTn id="10" presetID="22" presetClass="entr" presetSubtype="8" fill="hold" nodeType="clickEffect">
+                                  <p:stCondLst>
+                                    <p:cond delay="0"/>
+                                  </p:stCondLst>
+                                  <p:childTnLst>
+                                    <p:set>
+                                      <p:cBhvr>
+                                        <p:cTn id="11" dur="1" fill="hold">
+                                          <p:stCondLst>
+                                            <p:cond delay="0"/>
+                                          </p:stCondLst>
+                                        </p:cTn>
+                                        <p:tgtEl>
+                                          <p:spTgt spid="3"/>
+                                        </p:tgtEl>
+                                        <p:attrNameLst>
+                                          <p:attrName>style.visibility</p:attrName>
+                                        </p:attrNameLst>
+                                      </p:cBhvr>
+                                      <p:to>
+                                        <p:strVal val="visible"/>
+                                      </p:to>
+                                    </p:set>
+                                    <p:animEffect transition="in" filter="wipe(left)">
+                                      <p:cBhvr>
+                                        <p:cTn id="12" dur="500"/>
+                                        <p:tgtEl>
+                                          <p:spTgt spid="3"/>
+                                        </p:tgtEl>
+                                      </p:cBhvr>
+                                    </p:animEffect>
+                                  </p:childTnLst>
+                                </p:cTn>
+                              </p:par>
+                            </p:childTnLst>
+                          </p:cTn>
+                        </p:par>
+                      </p:childTnLst>
+                    </p:cTn>
+                  </p:par>
+                </p:childTnLst>
+              </p:cTn>
+              <p:prevCondLst>
+                <p:cond evt="onPrev" delay="0">
+                  <p:tgtEl>
+                    <p:sldTgt/>
+                  </p:tgtEl>
+                </p:cond>
+              </p:prevCondLst>
+              <p:nextCondLst>
+                <p:cond evt="onNext" delay="0">
+                  <p:tgtEl>
+                    <p:sldTgt/>
+                  </p:tgtEl>
+                </p:cond>
+              </p:nextCondLst>
+            </p:seq>
+          </p:childTnLst>
+        </p:cTn>
+      </p:par>
+    </p:tnLst>
+    <p:bldLst>
+      <p:bldP spid="2" grpId="0" animBg="1"/>
+    </p:bldLst>
+  </p:timing>
+</p:sld>
+</file>
+
+<file path=ppt/slides/slide8.xml><?xml version="1.0" encoding="utf-8"?>
+<p:sld xmlns:a="http://schemas.openxmlformats.org/drawingml/2006/main" xmlns:r="http://schemas.openxmlformats.org/officeDocument/2006/relationships" xmlns:p="http://schemas.openxmlformats.org/presentationml/2006/main">
+  <p:cSld>
+    <p:spTree>
+      <p:nvGrpSpPr>
+        <p:cNvPr id="1" name=""/>
+        <p:cNvGrpSpPr/>
+        <p:nvPr/>
+      </p:nvGrpSpPr>
+      <p:grpSpPr>
+        <a:xfrm>
+          <a:off x="0" y="0"/>
+          <a:ext cx="0" cy="0"/>
+          <a:chOff x="0" y="0"/>
+          <a:chExt cx="0" cy="0"/>
+        </a:xfrm>
+      </p:grpSpPr>
+      <p:sp>
+        <p:nvSpPr>
+          <p:cNvPr id="2" name="矩形 1">
+            <a:extLst>
+              <a:ext uri="{FF2B5EF4-FFF2-40B4-BE49-F238E27FC236}">
+                <a16:creationId xmlns="" xmlns:a16="http://schemas.microsoft.com/office/drawing/2014/main" id="{6130B33B-FCB5-4AFA-8175-BA08126D80E1}"/>
+              </a:ext>
+            </a:extLst>
+          </p:cNvPr>
+          <p:cNvSpPr/>
+          <p:nvPr/>
+        </p:nvSpPr>
+        <p:spPr>
+          <a:xfrm>
+            <a:off x="5029198" y="493630"/>
+            <a:ext cx="2133600" cy="228600"/>
+          </a:xfrm>
+          <a:prstGeom prst="rect">
+            <a:avLst/>
+          </a:prstGeom>
+          <a:solidFill>
+            <a:schemeClr val="tx1">
+              <a:lumMod val="75000"/>
+              <a:lumOff val="25000"/>
+            </a:schemeClr>
+          </a:solidFill>
+          <a:ln>
+            <a:noFill/>
+          </a:ln>
+        </p:spPr>
+        <p:style>
+          <a:lnRef idx="2">
+            <a:schemeClr val="accent1">
+              <a:shade val="50000"/>
+            </a:schemeClr>
+          </a:lnRef>
+          <a:fillRef idx="1">
+            <a:schemeClr val="accent1"/>
+          </a:fillRef>
+          <a:effectRef idx="0">
+            <a:schemeClr val="accent1"/>
+          </a:effectRef>
+          <a:fontRef idx="minor">
+            <a:schemeClr val="lt1"/>
+          </a:fontRef>
+        </p:style>
+        <p:txBody>
+          <a:bodyPr rtlCol="0" anchor="ctr"/>
+          <a:lstStyle/>
+          <a:p>
+            <a:pPr algn="ctr"/>
+            <a:endParaRPr lang="zh-CN" altLang="en-US">
+              <a:cs typeface="+mn-ea"/>
+              <a:sym typeface="+mn-lt"/>
+            </a:endParaRPr>
+          </a:p>
+        </p:txBody>
+      </p:sp>
+      <p:grpSp>
+        <p:nvGrpSpPr>
+          <p:cNvPr id="3" name="组合 2">
+            <a:extLst>
+              <a:ext uri="{FF2B5EF4-FFF2-40B4-BE49-F238E27FC236}">
+                <a16:creationId xmlns="" xmlns:a16="http://schemas.microsoft.com/office/drawing/2014/main" id="{CF3B8F59-C87E-48F7-911B-3FCC3B1922F9}"/>
+              </a:ext>
+            </a:extLst>
+          </p:cNvPr>
+          <p:cNvGrpSpPr/>
+          <p:nvPr/>
+        </p:nvGrpSpPr>
+        <p:grpSpPr>
+          <a:xfrm>
+            <a:off x="2809268" y="787600"/>
+            <a:ext cx="6621587" cy="976561"/>
+            <a:chOff x="689762" y="1991896"/>
+            <a:chExt cx="3458623" cy="1083521"/>
+          </a:xfrm>
+        </p:grpSpPr>
+        <p:sp>
+          <p:nvSpPr>
+            <p:cNvPr id="4" name="文本框 3">
+              <a:extLst>
+                <a:ext uri="{FF2B5EF4-FFF2-40B4-BE49-F238E27FC236}">
+                  <a16:creationId xmlns="" xmlns:a16="http://schemas.microsoft.com/office/drawing/2014/main" id="{F069F7C5-7C6B-4416-BA43-7E9FF2B95F70}"/>
+                </a:ext>
+              </a:extLst>
+            </p:cNvPr>
+            <p:cNvSpPr txBox="1"/>
+            <p:nvPr/>
+          </p:nvSpPr>
+          <p:spPr>
+            <a:xfrm>
+              <a:off x="1673130" y="1991896"/>
+              <a:ext cx="2317086" cy="785419"/>
+            </a:xfrm>
+            <a:prstGeom prst="rect">
+              <a:avLst/>
+            </a:prstGeom>
+            <a:noFill/>
+          </p:spPr>
+          <p:txBody>
+            <a:bodyPr wrap="square" rtlCol="0">
+              <a:spAutoFit/>
+            </a:bodyPr>
+            <a:lstStyle/>
+            <a:p>
+              <a:r>
+                <a:rPr lang="zh-TW" altLang="en-US" sz="4000" spc="400" dirty="0" smtClean="0">
+                  <a:cs typeface="+mn-ea"/>
+                  <a:sym typeface="+mn-lt"/>
+                </a:rPr>
+                <a:t>資料庫表格</a:t>
+              </a:r>
+              <a:endParaRPr lang="en-US" altLang="zh-TW" sz="4000" spc="400" dirty="0">
+                <a:cs typeface="+mn-ea"/>
+                <a:sym typeface="+mn-lt"/>
+              </a:endParaRPr>
+            </a:p>
+          </p:txBody>
+        </p:sp>
+        <p:sp>
+          <p:nvSpPr>
+            <p:cNvPr id="5" name="文本框 4">
+              <a:extLst>
+                <a:ext uri="{FF2B5EF4-FFF2-40B4-BE49-F238E27FC236}">
+                  <a16:creationId xmlns="" xmlns:a16="http://schemas.microsoft.com/office/drawing/2014/main" id="{E7404F6D-3A40-4203-8F0A-6169C74FB4CA}"/>
+                </a:ext>
+              </a:extLst>
+            </p:cNvPr>
+            <p:cNvSpPr txBox="1"/>
+            <p:nvPr/>
+          </p:nvSpPr>
+          <p:spPr>
+            <a:xfrm>
+              <a:off x="689762" y="2699782"/>
+              <a:ext cx="3458623" cy="375635"/>
+            </a:xfrm>
+            <a:prstGeom prst="rect">
+              <a:avLst/>
+            </a:prstGeom>
+            <a:noFill/>
+          </p:spPr>
+          <p:txBody>
+            <a:bodyPr wrap="square">
+              <a:spAutoFit/>
+            </a:bodyPr>
+            <a:lstStyle/>
+            <a:p>
+              <a:pPr algn="ctr"/>
+              <a:r>
+                <a:rPr lang="en-US" altLang="zh-TW" sz="1600" dirty="0">
+                  <a:cs typeface="+mn-ea"/>
+                  <a:sym typeface="+mn-lt"/>
+                </a:rPr>
+                <a:t>Project </a:t>
+              </a:r>
+              <a:r>
+                <a:rPr lang="en-US" altLang="zh-TW" sz="1600" dirty="0" smtClean="0">
+                  <a:cs typeface="+mn-ea"/>
+                  <a:sym typeface="+mn-lt"/>
+                </a:rPr>
+                <a:t>designing</a:t>
+              </a:r>
+              <a:endParaRPr lang="zh-CN" altLang="en-US" sz="1600" dirty="0">
+                <a:cs typeface="+mn-ea"/>
+                <a:sym typeface="+mn-lt"/>
+              </a:endParaRPr>
+            </a:p>
+          </p:txBody>
+        </p:sp>
+      </p:grpSp>
+      <p:sp>
+        <p:nvSpPr>
+          <p:cNvPr id="11" name="文字方塊 10"/>
+          <p:cNvSpPr txBox="1"/>
+          <p:nvPr/>
+        </p:nvSpPr>
+        <p:spPr>
+          <a:xfrm>
+            <a:off x="2054904" y="2177332"/>
+            <a:ext cx="2518164" cy="923330"/>
+          </a:xfrm>
+          <a:prstGeom prst="rect">
+            <a:avLst/>
+          </a:prstGeom>
+          <a:noFill/>
+        </p:spPr>
+        <p:txBody>
+          <a:bodyPr wrap="square" rtlCol="0">
+            <a:spAutoFit/>
+          </a:bodyPr>
+          <a:lstStyle/>
+          <a:p>
+            <a:r>
+              <a:rPr lang="zh-TW" altLang="en-US" dirty="0" smtClean="0"/>
+              <a:t>這張表格紀錄以下內容</a:t>
+            </a:r>
+            <a:endParaRPr lang="en-US" altLang="zh-TW" dirty="0" smtClean="0"/>
+          </a:p>
+          <a:p>
+            <a:endParaRPr lang="en-US" altLang="zh-TW" dirty="0"/>
+          </a:p>
+          <a:p>
+            <a:endParaRPr lang="zh-TW" altLang="en-US" dirty="0"/>
+          </a:p>
+        </p:txBody>
+      </p:sp>
+      <p:pic>
+        <p:nvPicPr>
+          <p:cNvPr id="5122" name="Picture 2"/>
+          <p:cNvPicPr>
+            <a:picLocks noChangeAspect="1" noChangeArrowheads="1"/>
+          </p:cNvPicPr>
+          <p:nvPr/>
+        </p:nvPicPr>
+        <p:blipFill>
+          <a:blip r:embed="rId4">
+            <a:extLst>
+              <a:ext uri="{28A0092B-C50C-407E-A947-70E740481C1C}">
+                <a14:useLocalDpi xmlns:a14="http://schemas.microsoft.com/office/drawing/2010/main" val="0"/>
+              </a:ext>
+            </a:extLst>
+          </a:blip>
+          <a:srcRect/>
+          <a:stretch>
+            <a:fillRect/>
+          </a:stretch>
+        </p:blipFill>
+        <p:spPr bwMode="auto">
+          <a:xfrm>
+            <a:off x="1734797" y="2747512"/>
+            <a:ext cx="9441278" cy="4110488"/>
+          </a:xfrm>
+          <a:prstGeom prst="rect">
+            <a:avLst/>
+          </a:prstGeom>
+          <a:noFill/>
+          <a:ln>
+            <a:noFill/>
+          </a:ln>
+          <a:extLst>
+            <a:ext uri="{909E8E84-426E-40DD-AFC4-6F175D3DCCD1}">
+              <a14:hiddenFill xmlns:a14="http://schemas.microsoft.com/office/drawing/2010/main">
+                <a:solidFill>
+                  <a:schemeClr val="accent1"/>
+                </a:solidFill>
+              </a14:hiddenFill>
+            </a:ext>
+            <a:ext uri="{91240B29-F687-4F45-9708-019B960494DF}">
+              <a14:hiddenLine xmlns:a14="http://schemas.microsoft.com/office/drawing/2010/main" w="9525">
+                <a:solidFill>
+                  <a:schemeClr val="tx1"/>
+                </a:solidFill>
+                <a:miter lim="800000"/>
+                <a:headEnd/>
+                <a:tailEnd/>
+              </a14:hiddenLine>
+            </a:ext>
+          </a:extLst>
+        </p:spPr>
+      </p:pic>
+      <p:pic>
+        <p:nvPicPr>
+          <p:cNvPr id="5123" name="Picture 3"/>
+          <p:cNvPicPr>
+            <a:picLocks noChangeAspect="1" noChangeArrowheads="1"/>
+          </p:cNvPicPr>
+          <p:nvPr/>
+        </p:nvPicPr>
+        <p:blipFill>
+          <a:blip r:embed="rId5">
+            <a:extLst>
+              <a:ext uri="{28A0092B-C50C-407E-A947-70E740481C1C}">
+                <a14:useLocalDpi xmlns:a14="http://schemas.microsoft.com/office/drawing/2010/main" val="0"/>
+              </a:ext>
+            </a:extLst>
+          </a:blip>
+          <a:srcRect/>
+          <a:stretch>
+            <a:fillRect/>
+          </a:stretch>
+        </p:blipFill>
+        <p:spPr bwMode="auto">
+          <a:xfrm>
+            <a:off x="4691941" y="2177332"/>
+            <a:ext cx="5667375" cy="438150"/>
+          </a:xfrm>
+          <a:prstGeom prst="rect">
+            <a:avLst/>
+          </a:prstGeom>
+          <a:noFill/>
+          <a:ln>
+            <a:noFill/>
+          </a:ln>
+          <a:extLst>
+            <a:ext uri="{909E8E84-426E-40DD-AFC4-6F175D3DCCD1}">
+              <a14:hiddenFill xmlns:a14="http://schemas.microsoft.com/office/drawing/2010/main">
+                <a:solidFill>
+                  <a:schemeClr val="accent1"/>
+                </a:solidFill>
+              </a14:hiddenFill>
+            </a:ext>
+            <a:ext uri="{91240B29-F687-4F45-9708-019B960494DF}">
+              <a14:hiddenLine xmlns:a14="http://schemas.microsoft.com/office/drawing/2010/main" w="9525">
+                <a:solidFill>
+                  <a:schemeClr val="tx1"/>
+                </a:solidFill>
+                <a:miter lim="800000"/>
+                <a:headEnd/>
+                <a:tailEnd/>
+              </a14:hiddenLine>
+            </a:ext>
+          </a:extLst>
+        </p:spPr>
+      </p:pic>
+    </p:spTree>
+    <p:custDataLst>
+      <p:tags r:id="rId1"/>
+    </p:custDataLst>
+    <p:extLst>
+      <p:ext uri="{BB962C8B-B14F-4D97-AF65-F5344CB8AC3E}">
+        <p14:creationId xmlns:p14="http://schemas.microsoft.com/office/powerpoint/2010/main" val="3199426301"/>
+      </p:ext>
+    </p:extLst>
+  </p:cSld>
+  <p:clrMapOvr>
+    <a:masterClrMapping/>
+  </p:clrMapOvr>
+  <mc:AlternateContent xmlns:mc="http://schemas.openxmlformats.org/markup-compatibility/2006" xmlns:p14="http://schemas.microsoft.com/office/powerpoint/2010/main">
+    <mc:Choice Requires="p14">
+      <p:transition spd="slow" p14:dur="1500" advTm="3414">
+        <p:random/>
+      </p:transition>
+    </mc:Choice>
+    <mc:Fallback xmlns="" xmlns:a16="http://schemas.microsoft.com/office/drawing/2014/main" xmlns:a14="http://schemas.microsoft.com/office/drawing/2010/main">
+      <p:transition spd="slow" advTm="3414">
+        <p:random/>
+      </p:transition>
+    </mc:Fallback>
+  </mc:AlternateContent>
+  <p:timing>
+    <p:tnLst>
+      <p:par>
+        <p:cTn id="1" dur="indefinite" restart="never" nodeType="tmRoot">
+          <p:childTnLst>
+            <p:seq concurrent="1" nextAc="seek">
+              <p:cTn id="2" dur="indefinite" nodeType="mainSeq">
+                <p:childTnLst>
+                  <p:par>
+                    <p:cTn id="3" fill="hold">
+                      <p:stCondLst>
+                        <p:cond delay="indefinite"/>
+                      </p:stCondLst>
+                      <p:childTnLst>
+                        <p:par>
+                          <p:cTn id="4" fill="hold">
+                            <p:stCondLst>
+                              <p:cond delay="0"/>
+                            </p:stCondLst>
+                            <p:childTnLst>
+                              <p:par>
+                                <p:cTn id="5" presetID="16" presetClass="entr" presetSubtype="37" fill="hold" grpId="0" nodeType="clickEffect">
+                                  <p:stCondLst>
+                                    <p:cond delay="0"/>
+                                  </p:stCondLst>
+                                  <p:childTnLst>
+                                    <p:set>
+                                      <p:cBhvr>
+                                        <p:cTn id="6" dur="1" fill="hold">
+                                          <p:stCondLst>
+                                            <p:cond delay="0"/>
+                                          </p:stCondLst>
+                                        </p:cTn>
+                                        <p:tgtEl>
+                                          <p:spTgt spid="2"/>
+                                        </p:tgtEl>
+                                        <p:attrNameLst>
+                                          <p:attrName>style.visibility</p:attrName>
+                                        </p:attrNameLst>
+                                      </p:cBhvr>
+                                      <p:to>
+                                        <p:strVal val="visible"/>
+                                      </p:to>
+                                    </p:set>
+                                    <p:animEffect transition="in" filter="barn(outVertical)">
+                                      <p:cBhvr>
+                                        <p:cTn id="7" dur="500"/>
+                                        <p:tgtEl>
+                                          <p:spTgt spid="2"/>
+                                        </p:tgtEl>
+                                      </p:cBhvr>
+                                    </p:animEffect>
+                                  </p:childTnLst>
+                                </p:cTn>
+                              </p:par>
+                            </p:childTnLst>
+                          </p:cTn>
+                        </p:par>
+                      </p:childTnLst>
+                    </p:cTn>
+                  </p:par>
+                  <p:par>
+                    <p:cTn id="8" fill="hold">
+                      <p:stCondLst>
+                        <p:cond delay="indefinite"/>
+                      </p:stCondLst>
+                      <p:childTnLst>
+                        <p:par>
+                          <p:cTn id="9" fill="hold">
+                            <p:stCondLst>
+                              <p:cond delay="0"/>
+                            </p:stCondLst>
+                            <p:childTnLst>
+                              <p:par>
+                                <p:cTn id="10" presetID="22" presetClass="entr" presetSubtype="8" fill="hold" nodeType="clickEffect">
+                                  <p:stCondLst>
+                                    <p:cond delay="0"/>
+                                  </p:stCondLst>
+                                  <p:childTnLst>
+                                    <p:set>
+                                      <p:cBhvr>
+                                        <p:cTn id="11" dur="1" fill="hold">
+                                          <p:stCondLst>
+                                            <p:cond delay="0"/>
+                                          </p:stCondLst>
+                                        </p:cTn>
+                                        <p:tgtEl>
+                                          <p:spTgt spid="3"/>
+                                        </p:tgtEl>
+                                        <p:attrNameLst>
+                                          <p:attrName>style.visibility</p:attrName>
+                                        </p:attrNameLst>
+                                      </p:cBhvr>
+                                      <p:to>
+                                        <p:strVal val="visible"/>
+                                      </p:to>
+                                    </p:set>
+                                    <p:animEffect transition="in" filter="wipe(left)">
+                                      <p:cBhvr>
+                                        <p:cTn id="12" dur="500"/>
+                                        <p:tgtEl>
+                                          <p:spTgt spid="3"/>
+                                        </p:tgtEl>
+                                      </p:cBhvr>
+                                    </p:animEffect>
+                                  </p:childTnLst>
+                                </p:cTn>
+                              </p:par>
+                            </p:childTnLst>
+                          </p:cTn>
+                        </p:par>
+                      </p:childTnLst>
+                    </p:cTn>
+                  </p:par>
+                </p:childTnLst>
+              </p:cTn>
+              <p:prevCondLst>
+                <p:cond evt="onPrev" delay="0">
+                  <p:tgtEl>
+                    <p:sldTgt/>
+                  </p:tgtEl>
+                </p:cond>
+              </p:prevCondLst>
+              <p:nextCondLst>
+                <p:cond evt="onNext" delay="0">
+                  <p:tgtEl>
+                    <p:sldTgt/>
+                  </p:tgtEl>
+                </p:cond>
+              </p:nextCondLst>
+            </p:seq>
+          </p:childTnLst>
+        </p:cTn>
+      </p:par>
+    </p:tnLst>
+    <p:bldLst>
+      <p:bldP spid="2" grpId="0" animBg="1"/>
+    </p:bldLst>
+  </p:timing>
+</p:sld>
+</file>
+
+<file path=ppt/slides/slide9.xml><?xml version="1.0" encoding="utf-8"?>
+<p:sld xmlns:a="http://schemas.openxmlformats.org/drawingml/2006/main" xmlns:r="http://schemas.openxmlformats.org/officeDocument/2006/relationships" xmlns:p="http://schemas.openxmlformats.org/presentationml/2006/main">
+  <p:cSld>
+    <p:spTree>
+      <p:nvGrpSpPr>
+        <p:cNvPr id="1" name=""/>
+        <p:cNvGrpSpPr/>
+        <p:nvPr/>
+      </p:nvGrpSpPr>
+      <p:grpSpPr>
+        <a:xfrm>
+          <a:off x="0" y="0"/>
+          <a:ext cx="0" cy="0"/>
+          <a:chOff x="0" y="0"/>
+          <a:chExt cx="0" cy="0"/>
+        </a:xfrm>
+      </p:grpSpPr>
+      <p:sp>
+        <p:nvSpPr>
+          <p:cNvPr id="2" name="矩形 1">
+            <a:extLst>
+              <a:ext uri="{FF2B5EF4-FFF2-40B4-BE49-F238E27FC236}">
+                <a16:creationId xmlns="" xmlns:a16="http://schemas.microsoft.com/office/drawing/2014/main" id="{6130B33B-FCB5-4AFA-8175-BA08126D80E1}"/>
+              </a:ext>
+            </a:extLst>
+          </p:cNvPr>
+          <p:cNvSpPr/>
+          <p:nvPr/>
+        </p:nvSpPr>
+        <p:spPr>
+          <a:xfrm>
+            <a:off x="5029198" y="493630"/>
+            <a:ext cx="2133600" cy="228600"/>
+          </a:xfrm>
+          <a:prstGeom prst="rect">
+            <a:avLst/>
+          </a:prstGeom>
+          <a:solidFill>
+            <a:schemeClr val="tx1">
+              <a:lumMod val="75000"/>
+              <a:lumOff val="25000"/>
+            </a:schemeClr>
+          </a:solidFill>
+          <a:ln>
+            <a:noFill/>
+          </a:ln>
+        </p:spPr>
+        <p:style>
+          <a:lnRef idx="2">
+            <a:schemeClr val="accent1">
+              <a:shade val="50000"/>
+            </a:schemeClr>
+          </a:lnRef>
+          <a:fillRef idx="1">
+            <a:schemeClr val="accent1"/>
+          </a:fillRef>
+          <a:effectRef idx="0">
+            <a:schemeClr val="accent1"/>
+          </a:effectRef>
+          <a:fontRef idx="minor">
+            <a:schemeClr val="lt1"/>
+          </a:fontRef>
+        </p:style>
+        <p:txBody>
+          <a:bodyPr rtlCol="0" anchor="ctr"/>
+          <a:lstStyle/>
+          <a:p>
+            <a:pPr algn="ctr"/>
+            <a:endParaRPr lang="zh-CN" altLang="en-US">
+              <a:cs typeface="+mn-ea"/>
+              <a:sym typeface="+mn-lt"/>
+            </a:endParaRPr>
+          </a:p>
+        </p:txBody>
+      </p:sp>
+      <p:grpSp>
+        <p:nvGrpSpPr>
+          <p:cNvPr id="3" name="组合 2">
+            <a:extLst>
+              <a:ext uri="{FF2B5EF4-FFF2-40B4-BE49-F238E27FC236}">
+                <a16:creationId xmlns="" xmlns:a16="http://schemas.microsoft.com/office/drawing/2014/main" id="{CF3B8F59-C87E-48F7-911B-3FCC3B1922F9}"/>
+              </a:ext>
+            </a:extLst>
+          </p:cNvPr>
+          <p:cNvGrpSpPr/>
+          <p:nvPr/>
+        </p:nvGrpSpPr>
+        <p:grpSpPr>
+          <a:xfrm>
+            <a:off x="2809268" y="787600"/>
+            <a:ext cx="6621587" cy="976561"/>
+            <a:chOff x="689762" y="1991896"/>
+            <a:chExt cx="3458623" cy="1083521"/>
+          </a:xfrm>
+        </p:grpSpPr>
+        <p:sp>
+          <p:nvSpPr>
+            <p:cNvPr id="4" name="文本框 3">
+              <a:extLst>
+                <a:ext uri="{FF2B5EF4-FFF2-40B4-BE49-F238E27FC236}">
+                  <a16:creationId xmlns="" xmlns:a16="http://schemas.microsoft.com/office/drawing/2014/main" id="{F069F7C5-7C6B-4416-BA43-7E9FF2B95F70}"/>
+                </a:ext>
+              </a:extLst>
+            </p:cNvPr>
+            <p:cNvSpPr txBox="1"/>
+            <p:nvPr/>
+          </p:nvSpPr>
+          <p:spPr>
+            <a:xfrm>
+              <a:off x="1673130" y="1991896"/>
+              <a:ext cx="2317086" cy="785419"/>
+            </a:xfrm>
+            <a:prstGeom prst="rect">
+              <a:avLst/>
+            </a:prstGeom>
+            <a:noFill/>
+          </p:spPr>
+          <p:txBody>
+            <a:bodyPr wrap="square" rtlCol="0">
+              <a:spAutoFit/>
+            </a:bodyPr>
+            <a:lstStyle/>
+            <a:p>
+              <a:r>
+                <a:rPr lang="zh-TW" altLang="en-US" sz="4000" spc="400" dirty="0" smtClean="0">
+                  <a:cs typeface="+mn-ea"/>
+                  <a:sym typeface="+mn-lt"/>
+                </a:rPr>
+                <a:t>資料庫表格</a:t>
+              </a:r>
+              <a:endParaRPr lang="en-US" altLang="zh-TW" sz="4000" spc="400" dirty="0">
+                <a:cs typeface="+mn-ea"/>
+                <a:sym typeface="+mn-lt"/>
+              </a:endParaRPr>
+            </a:p>
+          </p:txBody>
+        </p:sp>
+        <p:sp>
+          <p:nvSpPr>
+            <p:cNvPr id="5" name="文本框 4">
+              <a:extLst>
+                <a:ext uri="{FF2B5EF4-FFF2-40B4-BE49-F238E27FC236}">
+                  <a16:creationId xmlns="" xmlns:a16="http://schemas.microsoft.com/office/drawing/2014/main" id="{E7404F6D-3A40-4203-8F0A-6169C74FB4CA}"/>
+                </a:ext>
+              </a:extLst>
+            </p:cNvPr>
+            <p:cNvSpPr txBox="1"/>
+            <p:nvPr/>
+          </p:nvSpPr>
+          <p:spPr>
+            <a:xfrm>
+              <a:off x="689762" y="2699782"/>
+              <a:ext cx="3458623" cy="375635"/>
+            </a:xfrm>
+            <a:prstGeom prst="rect">
+              <a:avLst/>
+            </a:prstGeom>
+            <a:noFill/>
+          </p:spPr>
+          <p:txBody>
+            <a:bodyPr wrap="square">
+              <a:spAutoFit/>
+            </a:bodyPr>
+            <a:lstStyle/>
+            <a:p>
+              <a:pPr algn="ctr"/>
+              <a:r>
+                <a:rPr lang="en-US" altLang="zh-TW" sz="1600" dirty="0">
+                  <a:cs typeface="+mn-ea"/>
+                  <a:sym typeface="+mn-lt"/>
+                </a:rPr>
+                <a:t>Project </a:t>
+              </a:r>
+              <a:r>
+                <a:rPr lang="en-US" altLang="zh-TW" sz="1600" dirty="0" smtClean="0">
+                  <a:cs typeface="+mn-ea"/>
+                  <a:sym typeface="+mn-lt"/>
+                </a:rPr>
+                <a:t>designing</a:t>
+              </a:r>
+              <a:endParaRPr lang="zh-CN" altLang="en-US" sz="1600" dirty="0">
+                <a:cs typeface="+mn-ea"/>
+                <a:sym typeface="+mn-lt"/>
+              </a:endParaRPr>
+            </a:p>
+          </p:txBody>
+        </p:sp>
+      </p:grpSp>
+      <p:pic>
+        <p:nvPicPr>
+          <p:cNvPr id="8194" name="Picture 2"/>
+          <p:cNvPicPr>
+            <a:picLocks noChangeAspect="1" noChangeArrowheads="1"/>
+          </p:cNvPicPr>
+          <p:nvPr/>
+        </p:nvPicPr>
+        <p:blipFill>
+          <a:blip r:embed="rId4">
+            <a:extLst>
+              <a:ext uri="{28A0092B-C50C-407E-A947-70E740481C1C}">
+                <a14:useLocalDpi xmlns:a14="http://schemas.microsoft.com/office/drawing/2010/main" val="0"/>
+              </a:ext>
+            </a:extLst>
+          </a:blip>
+          <a:srcRect/>
+          <a:stretch>
+            <a:fillRect/>
+          </a:stretch>
+        </p:blipFill>
+        <p:spPr bwMode="auto">
+          <a:xfrm>
+            <a:off x="2418790" y="3669618"/>
+            <a:ext cx="7405083" cy="3013194"/>
+          </a:xfrm>
+          <a:prstGeom prst="rect">
+            <a:avLst/>
+          </a:prstGeom>
+          <a:noFill/>
+          <a:ln>
+            <a:noFill/>
+          </a:ln>
+          <a:extLst>
+            <a:ext uri="{909E8E84-426E-40DD-AFC4-6F175D3DCCD1}">
+              <a14:hiddenFill xmlns:a14="http://schemas.microsoft.com/office/drawing/2010/main">
+                <a:solidFill>
+                  <a:schemeClr val="accent1"/>
+                </a:solidFill>
+              </a14:hiddenFill>
+            </a:ext>
+            <a:ext uri="{91240B29-F687-4F45-9708-019B960494DF}">
+              <a14:hiddenLine xmlns:a14="http://schemas.microsoft.com/office/drawing/2010/main" w="9525">
+                <a:solidFill>
+                  <a:schemeClr val="tx1"/>
+                </a:solidFill>
+                <a:miter lim="800000"/>
+                <a:headEnd/>
+                <a:tailEnd/>
+              </a14:hiddenLine>
+            </a:ext>
+          </a:extLst>
+        </p:spPr>
+      </p:pic>
+      <p:pic>
+        <p:nvPicPr>
+          <p:cNvPr id="8195" name="Picture 3"/>
+          <p:cNvPicPr>
+            <a:picLocks noChangeAspect="1" noChangeArrowheads="1"/>
+          </p:cNvPicPr>
+          <p:nvPr/>
+        </p:nvPicPr>
+        <p:blipFill>
+          <a:blip r:embed="rId5">
+            <a:extLst>
+              <a:ext uri="{28A0092B-C50C-407E-A947-70E740481C1C}">
+                <a14:useLocalDpi xmlns:a14="http://schemas.microsoft.com/office/drawing/2010/main" val="0"/>
+              </a:ext>
+            </a:extLst>
+          </a:blip>
+          <a:srcRect/>
+          <a:stretch>
+            <a:fillRect/>
+          </a:stretch>
+        </p:blipFill>
+        <p:spPr bwMode="auto">
+          <a:xfrm>
+            <a:off x="2648930" y="2589612"/>
+            <a:ext cx="6875161" cy="1080006"/>
+          </a:xfrm>
+          <a:prstGeom prst="rect">
+            <a:avLst/>
+          </a:prstGeom>
+          <a:noFill/>
+          <a:ln>
+            <a:noFill/>
+          </a:ln>
+          <a:extLst>
+            <a:ext uri="{909E8E84-426E-40DD-AFC4-6F175D3DCCD1}">
+              <a14:hiddenFill xmlns:a14="http://schemas.microsoft.com/office/drawing/2010/main">
+                <a:solidFill>
+                  <a:schemeClr val="accent1"/>
+                </a:solidFill>
+              </a14:hiddenFill>
+            </a:ext>
+            <a:ext uri="{91240B29-F687-4F45-9708-019B960494DF}">
+              <a14:hiddenLine xmlns:a14="http://schemas.microsoft.com/office/drawing/2010/main" w="9525">
+                <a:solidFill>
+                  <a:schemeClr val="tx1"/>
+                </a:solidFill>
+                <a:miter lim="800000"/>
+                <a:headEnd/>
+                <a:tailEnd/>
+              </a14:hiddenLine>
+            </a:ext>
+          </a:extLst>
+        </p:spPr>
+      </p:pic>
+      <p:sp>
+        <p:nvSpPr>
+          <p:cNvPr id="12" name="文字方塊 11"/>
+          <p:cNvSpPr txBox="1"/>
+          <p:nvPr/>
+        </p:nvSpPr>
+        <p:spPr>
+          <a:xfrm>
+            <a:off x="4754041" y="1969260"/>
+            <a:ext cx="2518164" cy="923330"/>
+          </a:xfrm>
+          <a:prstGeom prst="rect">
+            <a:avLst/>
+          </a:prstGeom>
+          <a:noFill/>
+        </p:spPr>
+        <p:txBody>
+          <a:bodyPr wrap="square" rtlCol="0">
+            <a:spAutoFit/>
+          </a:bodyPr>
+          <a:lstStyle/>
+          <a:p>
+            <a:r>
+              <a:rPr lang="zh-TW" altLang="en-US" dirty="0" smtClean="0"/>
+              <a:t>這張表格紀錄以下內容</a:t>
+            </a:r>
+            <a:endParaRPr lang="en-US" altLang="zh-TW" dirty="0" smtClean="0"/>
+          </a:p>
+          <a:p>
+            <a:endParaRPr lang="en-US" altLang="zh-TW" dirty="0"/>
+          </a:p>
+          <a:p>
+            <a:endParaRPr lang="zh-TW" altLang="en-US" dirty="0"/>
+          </a:p>
+        </p:txBody>
+      </p:sp>
+    </p:spTree>
+    <p:custDataLst>
+      <p:tags r:id="rId1"/>
+    </p:custDataLst>
+    <p:extLst>
+      <p:ext uri="{BB962C8B-B14F-4D97-AF65-F5344CB8AC3E}">
+        <p14:creationId xmlns:p14="http://schemas.microsoft.com/office/powerpoint/2010/main" val="117839567"/>
+      </p:ext>
+    </p:extLst>
+  </p:cSld>
+  <p:clrMapOvr>
+    <a:masterClrMapping/>
+  </p:clrMapOvr>
+  <mc:AlternateContent xmlns:mc="http://schemas.openxmlformats.org/markup-compatibility/2006" xmlns:p14="http://schemas.microsoft.com/office/powerpoint/2010/main">
+    <mc:Choice Requires="p14">
+      <p:transition spd="slow" p14:dur="1500" advTm="3414">
+        <p:random/>
+      </p:transition>
+    </mc:Choice>
+    <mc:Fallback xmlns="" xmlns:a16="http://schemas.microsoft.com/office/drawing/2014/main" xmlns:a14="http://schemas.microsoft.com/office/drawing/2010/main">
+      <p:transition spd="slow" advTm="3414">
+        <p:random/>
+      </p:transition>
+    </mc:Fallback>
+  </mc:AlternateContent>
+  <p:timing>
+    <p:tnLst>
+      <p:par>
+        <p:cTn id="1" dur="indefinite" restart="never" nodeType="tmRoot">
+          <p:childTnLst>
+            <p:seq concurrent="1" nextAc="seek">
+              <p:cTn id="2" dur="indefinite" nodeType="mainSeq">
+                <p:childTnLst>
+                  <p:par>
+                    <p:cTn id="3" fill="hold">
+                      <p:stCondLst>
+                        <p:cond delay="indefinite"/>
+                      </p:stCondLst>
+                      <p:childTnLst>
+                        <p:par>
+                          <p:cTn id="4" fill="hold">
+                            <p:stCondLst>
+                              <p:cond delay="0"/>
+                            </p:stCondLst>
+                            <p:childTnLst>
+                              <p:par>
+                                <p:cTn id="5" presetID="16" presetClass="entr" presetSubtype="37" fill="hold" grpId="0" nodeType="clickEffect">
+                                  <p:stCondLst>
+                                    <p:cond delay="0"/>
+                                  </p:stCondLst>
+                                  <p:childTnLst>
+                                    <p:set>
+                                      <p:cBhvr>
+                                        <p:cTn id="6" dur="1" fill="hold">
+                                          <p:stCondLst>
+                                            <p:cond delay="0"/>
+                                          </p:stCondLst>
+                                        </p:cTn>
+                                        <p:tgtEl>
+                                          <p:spTgt spid="2"/>
+                                        </p:tgtEl>
+                                        <p:attrNameLst>
+                                          <p:attrName>style.visibility</p:attrName>
+                                        </p:attrNameLst>
+                                      </p:cBhvr>
+                                      <p:to>
+                                        <p:strVal val="visible"/>
+                                      </p:to>
+                                    </p:set>
+                                    <p:animEffect transition="in" filter="barn(outVertical)">
+                                      <p:cBhvr>
+                                        <p:cTn id="7" dur="500"/>
+                                        <p:tgtEl>
+                                          <p:spTgt spid="2"/>
+                                        </p:tgtEl>
+                                      </p:cBhvr>
+                                    </p:animEffect>
+                                  </p:childTnLst>
+                                </p:cTn>
+                              </p:par>
+                            </p:childTnLst>
+                          </p:cTn>
+                        </p:par>
+                      </p:childTnLst>
+                    </p:cTn>
+                  </p:par>
+                  <p:par>
+                    <p:cTn id="8" fill="hold">
+                      <p:stCondLst>
+                        <p:cond delay="indefinite"/>
+                      </p:stCondLst>
+                      <p:childTnLst>
+                        <p:par>
+                          <p:cTn id="9" fill="hold">
+                            <p:stCondLst>
+                              <p:cond delay="0"/>
+                            </p:stCondLst>
+                            <p:childTnLst>
+                              <p:par>
+                                <p:cTn id="10" presetID="22" presetClass="entr" presetSubtype="8" fill="hold" nodeType="clickEffect">
+                                  <p:stCondLst>
+                                    <p:cond delay="0"/>
+                                  </p:stCondLst>
+                                  <p:childTnLst>
+                                    <p:set>
+                                      <p:cBhvr>
+                                        <p:cTn id="11" dur="1" fill="hold">
+                                          <p:stCondLst>
+                                            <p:cond delay="0"/>
+                                          </p:stCondLst>
+                                        </p:cTn>
+                                        <p:tgtEl>
+                                          <p:spTgt spid="3"/>
+                                        </p:tgtEl>
+                                        <p:attrNameLst>
+                                          <p:attrName>style.visibility</p:attrName>
+                                        </p:attrNameLst>
+                                      </p:cBhvr>
+                                      <p:to>
+                                        <p:strVal val="visible"/>
+                                      </p:to>
+                                    </p:set>
+                                    <p:animEffect transition="in" filter="wipe(left)">
+                                      <p:cBhvr>
+                                        <p:cTn id="12" dur="500"/>
+                                        <p:tgtEl>
+                                          <p:spTgt spid="3"/>
+                                        </p:tgtEl>
+                                      </p:cBhvr>
+                                    </p:animEffect>
+                                  </p:childTnLst>
+                                </p:cTn>
+                              </p:par>
+                            </p:childTnLst>
+                          </p:cTn>
+                        </p:par>
+                      </p:childTnLst>
+                    </p:cTn>
+                  </p:par>
+                </p:childTnLst>
+              </p:cTn>
+              <p:prevCondLst>
+                <p:cond evt="onPrev" delay="0">
+                  <p:tgtEl>
+                    <p:sldTgt/>
+                  </p:tgtEl>
+                </p:cond>
+              </p:prevCondLst>
+              <p:nextCondLst>
+                <p:cond evt="onNext" delay="0">
+                  <p:tgtEl>
+                    <p:sldTgt/>
+                  </p:tgtEl>
+                </p:cond>
+              </p:nextCondLst>
+            </p:seq>
+          </p:childTnLst>
+        </p:cTn>
+      </p:par>
+    </p:tnLst>
+    <p:bldLst>
+      <p:bldP spid="2" grpId="0" animBg="1"/>
     </p:bldLst>
   </p:timing>
 </p:sld>
@@ -7692,6 +11249,12 @@
 <file path=ppt/tags/tag1.xml><?xml version="1.0" encoding="utf-8"?>
 <p:tagLst xmlns:a="http://schemas.openxmlformats.org/drawingml/2006/main" xmlns:r="http://schemas.openxmlformats.org/officeDocument/2006/relationships" xmlns:p="http://schemas.openxmlformats.org/presentationml/2006/main">
   <p:tag name="TIMING" val="|0.1|0.6|0.5|0.9"/>
+</p:tagLst>
+</file>
+
+<file path=ppt/tags/tag10.xml><?xml version="1.0" encoding="utf-8"?>
+<p:tagLst xmlns:a="http://schemas.openxmlformats.org/drawingml/2006/main" xmlns:r="http://schemas.openxmlformats.org/officeDocument/2006/relationships" xmlns:p="http://schemas.openxmlformats.org/presentationml/2006/main">
+  <p:tag name="TIMING" val="|0.4|0.5|1.1|0.4"/>
 </p:tagLst>
 </file>
 
@@ -7709,7 +11272,37 @@
 
 <file path=ppt/tags/tag4.xml><?xml version="1.0" encoding="utf-8"?>
 <p:tagLst xmlns:a="http://schemas.openxmlformats.org/drawingml/2006/main" xmlns:r="http://schemas.openxmlformats.org/officeDocument/2006/relationships" xmlns:p="http://schemas.openxmlformats.org/presentationml/2006/main">
-  <p:tag name="TIMING" val="|0.4|0.5|1.1|0.4"/>
+  <p:tag name="TIMING" val="|0.3|0.4|0.4|0.8"/>
+</p:tagLst>
+</file>
+
+<file path=ppt/tags/tag5.xml><?xml version="1.0" encoding="utf-8"?>
+<p:tagLst xmlns:a="http://schemas.openxmlformats.org/drawingml/2006/main" xmlns:r="http://schemas.openxmlformats.org/officeDocument/2006/relationships" xmlns:p="http://schemas.openxmlformats.org/presentationml/2006/main">
+  <p:tag name="TIMING" val="|0.3|0.4|0.4|0.8"/>
+</p:tagLst>
+</file>
+
+<file path=ppt/tags/tag6.xml><?xml version="1.0" encoding="utf-8"?>
+<p:tagLst xmlns:a="http://schemas.openxmlformats.org/drawingml/2006/main" xmlns:r="http://schemas.openxmlformats.org/officeDocument/2006/relationships" xmlns:p="http://schemas.openxmlformats.org/presentationml/2006/main">
+  <p:tag name="TIMING" val="|0.3|0.4|0.4|0.8"/>
+</p:tagLst>
+</file>
+
+<file path=ppt/tags/tag7.xml><?xml version="1.0" encoding="utf-8"?>
+<p:tagLst xmlns:a="http://schemas.openxmlformats.org/drawingml/2006/main" xmlns:r="http://schemas.openxmlformats.org/officeDocument/2006/relationships" xmlns:p="http://schemas.openxmlformats.org/presentationml/2006/main">
+  <p:tag name="TIMING" val="|0.3|0.4|0.4|0.8"/>
+</p:tagLst>
+</file>
+
+<file path=ppt/tags/tag8.xml><?xml version="1.0" encoding="utf-8"?>
+<p:tagLst xmlns:a="http://schemas.openxmlformats.org/drawingml/2006/main" xmlns:r="http://schemas.openxmlformats.org/officeDocument/2006/relationships" xmlns:p="http://schemas.openxmlformats.org/presentationml/2006/main">
+  <p:tag name="TIMING" val="|0.3|0.4|0.4|0.8"/>
+</p:tagLst>
+</file>
+
+<file path=ppt/tags/tag9.xml><?xml version="1.0" encoding="utf-8"?>
+<p:tagLst xmlns:a="http://schemas.openxmlformats.org/drawingml/2006/main" xmlns:r="http://schemas.openxmlformats.org/officeDocument/2006/relationships" xmlns:p="http://schemas.openxmlformats.org/presentationml/2006/main">
+  <p:tag name="TIMING" val="|0.3|0.4|0.4|0.8"/>
 </p:tagLst>
 </file>
 
@@ -7908,7 +11501,7 @@
   <a:extraClrSchemeLst/>
   <a:extLst>
     <a:ext uri="{05A4C25C-085E-4340-85A3-A5531E510DB2}">
-      <thm15:themeFamily xmlns:thm15="http://schemas.microsoft.com/office/thememl/2012/main" xmlns="" name="Office Theme" id="{62F939B6-93AF-4DB8-9C6B-D6C7DFDC589F}" vid="{4A3C46E8-61CC-4603-A589-7422A47A8E4A}"/>
+      <thm15:themeFamily xmlns="" xmlns:thm15="http://schemas.microsoft.com/office/thememl/2012/main" name="Office Theme" id="{62F939B6-93AF-4DB8-9C6B-D6C7DFDC589F}" vid="{4A3C46E8-61CC-4603-A589-7422A47A8E4A}"/>
     </a:ext>
   </a:extLst>
 </a:theme>
@@ -8454,7 +12047,7 @@
   <a:extraClrSchemeLst/>
   <a:extLst>
     <a:ext uri="{05A4C25C-085E-4340-85A3-A5531E510DB2}">
-      <thm15:themeFamily xmlns:thm15="http://schemas.microsoft.com/office/thememl/2012/main" xmlns="" name="Office Theme" id="{62F939B6-93AF-4DB8-9C6B-D6C7DFDC589F}" vid="{4A3C46E8-61CC-4603-A589-7422A47A8E4A}"/>
+      <thm15:themeFamily xmlns="" xmlns:thm15="http://schemas.microsoft.com/office/thememl/2012/main" name="Office Theme" id="{62F939B6-93AF-4DB8-9C6B-D6C7DFDC589F}" vid="{4A3C46E8-61CC-4603-A589-7422A47A8E4A}"/>
     </a:ext>
   </a:extLst>
 </a:theme>
